--- a/zakat.icclmd.team/zakat.icclmd.org.pptx
+++ b/zakat.icclmd.team/zakat.icclmd.org.pptx
@@ -284,7 +284,7 @@
           <a:p>
             <a:fld id="{919D266F-1832-4AED-95A7-DB500E667DE8}" type="datetimeFigureOut">
               <a:rPr lang="en-US" smtClean="0"/>
-              <a:t>2/17/2020</a:t>
+              <a:t>3/1/2020</a:t>
             </a:fld>
             <a:endParaRPr lang="en-US"/>
           </a:p>
@@ -482,7 +482,7 @@
           <a:p>
             <a:fld id="{919D266F-1832-4AED-95A7-DB500E667DE8}" type="datetimeFigureOut">
               <a:rPr lang="en-US" smtClean="0"/>
-              <a:t>2/17/2020</a:t>
+              <a:t>3/1/2020</a:t>
             </a:fld>
             <a:endParaRPr lang="en-US"/>
           </a:p>
@@ -690,7 +690,7 @@
           <a:p>
             <a:fld id="{919D266F-1832-4AED-95A7-DB500E667DE8}" type="datetimeFigureOut">
               <a:rPr lang="en-US" smtClean="0"/>
-              <a:t>2/17/2020</a:t>
+              <a:t>3/1/2020</a:t>
             </a:fld>
             <a:endParaRPr lang="en-US"/>
           </a:p>
@@ -888,7 +888,7 @@
           <a:p>
             <a:fld id="{919D266F-1832-4AED-95A7-DB500E667DE8}" type="datetimeFigureOut">
               <a:rPr lang="en-US" smtClean="0"/>
-              <a:t>2/17/2020</a:t>
+              <a:t>3/1/2020</a:t>
             </a:fld>
             <a:endParaRPr lang="en-US"/>
           </a:p>
@@ -1163,7 +1163,7 @@
           <a:p>
             <a:fld id="{919D266F-1832-4AED-95A7-DB500E667DE8}" type="datetimeFigureOut">
               <a:rPr lang="en-US" smtClean="0"/>
-              <a:t>2/17/2020</a:t>
+              <a:t>3/1/2020</a:t>
             </a:fld>
             <a:endParaRPr lang="en-US"/>
           </a:p>
@@ -1428,7 +1428,7 @@
           <a:p>
             <a:fld id="{919D266F-1832-4AED-95A7-DB500E667DE8}" type="datetimeFigureOut">
               <a:rPr lang="en-US" smtClean="0"/>
-              <a:t>2/17/2020</a:t>
+              <a:t>3/1/2020</a:t>
             </a:fld>
             <a:endParaRPr lang="en-US"/>
           </a:p>
@@ -1840,7 +1840,7 @@
           <a:p>
             <a:fld id="{919D266F-1832-4AED-95A7-DB500E667DE8}" type="datetimeFigureOut">
               <a:rPr lang="en-US" smtClean="0"/>
-              <a:t>2/17/2020</a:t>
+              <a:t>3/1/2020</a:t>
             </a:fld>
             <a:endParaRPr lang="en-US"/>
           </a:p>
@@ -1981,7 +1981,7 @@
           <a:p>
             <a:fld id="{919D266F-1832-4AED-95A7-DB500E667DE8}" type="datetimeFigureOut">
               <a:rPr lang="en-US" smtClean="0"/>
-              <a:t>2/17/2020</a:t>
+              <a:t>3/1/2020</a:t>
             </a:fld>
             <a:endParaRPr lang="en-US"/>
           </a:p>
@@ -2094,7 +2094,7 @@
           <a:p>
             <a:fld id="{919D266F-1832-4AED-95A7-DB500E667DE8}" type="datetimeFigureOut">
               <a:rPr lang="en-US" smtClean="0"/>
-              <a:t>2/17/2020</a:t>
+              <a:t>3/1/2020</a:t>
             </a:fld>
             <a:endParaRPr lang="en-US"/>
           </a:p>
@@ -2405,7 +2405,7 @@
           <a:p>
             <a:fld id="{919D266F-1832-4AED-95A7-DB500E667DE8}" type="datetimeFigureOut">
               <a:rPr lang="en-US" smtClean="0"/>
-              <a:t>2/17/2020</a:t>
+              <a:t>3/1/2020</a:t>
             </a:fld>
             <a:endParaRPr lang="en-US"/>
           </a:p>
@@ -2693,7 +2693,7 @@
           <a:p>
             <a:fld id="{919D266F-1832-4AED-95A7-DB500E667DE8}" type="datetimeFigureOut">
               <a:rPr lang="en-US" smtClean="0"/>
-              <a:t>2/17/2020</a:t>
+              <a:t>3/1/2020</a:t>
             </a:fld>
             <a:endParaRPr lang="en-US"/>
           </a:p>
@@ -2934,7 +2934,7 @@
           <a:p>
             <a:fld id="{919D266F-1832-4AED-95A7-DB500E667DE8}" type="datetimeFigureOut">
               <a:rPr lang="en-US" smtClean="0"/>
-              <a:t>2/17/2020</a:t>
+              <a:t>3/1/2020</a:t>
             </a:fld>
             <a:endParaRPr lang="en-US"/>
           </a:p>
@@ -4589,7 +4589,7 @@
           <p:nvPr>
             <p:extLst>
               <p:ext uri="{D42A27DB-BD31-4B8C-83A1-F6EECF244321}">
-                <p14:modId xmlns:p14="http://schemas.microsoft.com/office/powerpoint/2010/main" val="2310189735"/>
+                <p14:modId xmlns:p14="http://schemas.microsoft.com/office/powerpoint/2010/main" val="2308293172"/>
               </p:ext>
             </p:extLst>
           </p:nvPr>
@@ -4661,7 +4661,7 @@
                     <a:p>
                       <a:r>
                         <a:rPr lang="en-US" sz="1400" dirty="0"/>
-                        <a:t>Public</a:t>
+                        <a:t>Applicant</a:t>
                       </a:r>
                     </a:p>
                   </a:txBody>
@@ -7017,7 +7017,7 @@
           <a:p>
             <a:r>
               <a:rPr lang="en-US" sz="2000" b="1" dirty="0"/>
-              <a:t>zakat.icclmd.org – user administration</a:t>
+              <a:t>zakat.icclmd.org – user role administration</a:t>
             </a:r>
           </a:p>
         </p:txBody>
@@ -7143,41 +7143,6 @@
       </p:graphicFrame>
       <p:sp>
         <p:nvSpPr>
-          <p:cNvPr id="2" name="TextBox 1">
-            <a:extLst>
-              <a:ext uri="{FF2B5EF4-FFF2-40B4-BE49-F238E27FC236}">
-                <a16:creationId xmlns:a16="http://schemas.microsoft.com/office/drawing/2014/main" id="{87A042D8-BDB7-496F-AC62-E03677EEA28B}"/>
-              </a:ext>
-            </a:extLst>
-          </p:cNvPr>
-          <p:cNvSpPr txBox="1"/>
-          <p:nvPr/>
-        </p:nvSpPr>
-        <p:spPr>
-          <a:xfrm>
-            <a:off x="4394791" y="2120754"/>
-            <a:ext cx="3421129" cy="2646878"/>
-          </a:xfrm>
-          <a:prstGeom prst="rect">
-            <a:avLst/>
-          </a:prstGeom>
-          <a:noFill/>
-        </p:spPr>
-        <p:txBody>
-          <a:bodyPr wrap="none" rtlCol="0">
-            <a:spAutoFit/>
-          </a:bodyPr>
-          <a:lstStyle/>
-          <a:p>
-            <a:r>
-              <a:rPr lang="en-US" sz="16600" dirty="0"/>
-              <a:t>$$$</a:t>
-            </a:r>
-          </a:p>
-        </p:txBody>
-      </p:sp>
-      <p:sp>
-        <p:nvSpPr>
           <p:cNvPr id="5" name="Rectangle 4">
             <a:hlinkClick r:id="rId2" action="ppaction://hlinksldjump"/>
             <a:extLst>
@@ -7388,6 +7353,514 @@
           </a:p>
         </p:txBody>
       </p:sp>
+      <p:sp>
+        <p:nvSpPr>
+          <p:cNvPr id="3" name="Rectangle 2">
+            <a:extLst>
+              <a:ext uri="{FF2B5EF4-FFF2-40B4-BE49-F238E27FC236}">
+                <a16:creationId xmlns:a16="http://schemas.microsoft.com/office/drawing/2014/main" id="{2BA00061-DA16-4708-9720-1D4BEAF4FFB1}"/>
+              </a:ext>
+            </a:extLst>
+          </p:cNvPr>
+          <p:cNvSpPr/>
+          <p:nvPr/>
+        </p:nvSpPr>
+        <p:spPr>
+          <a:xfrm>
+            <a:off x="640862" y="1899008"/>
+            <a:ext cx="3161117" cy="4295364"/>
+          </a:xfrm>
+          <a:prstGeom prst="rect">
+            <a:avLst/>
+          </a:prstGeom>
+        </p:spPr>
+        <p:style>
+          <a:lnRef idx="2">
+            <a:schemeClr val="accent6"/>
+          </a:lnRef>
+          <a:fillRef idx="1">
+            <a:schemeClr val="lt1"/>
+          </a:fillRef>
+          <a:effectRef idx="0">
+            <a:schemeClr val="accent6"/>
+          </a:effectRef>
+          <a:fontRef idx="minor">
+            <a:schemeClr val="dk1"/>
+          </a:fontRef>
+        </p:style>
+        <p:txBody>
+          <a:bodyPr rtlCol="0" anchor="t"/>
+          <a:lstStyle/>
+          <a:p>
+            <a:r>
+              <a:rPr lang="en-US" dirty="0"/>
+              <a:t>Eiad Sayyad</a:t>
+            </a:r>
+          </a:p>
+          <a:p>
+            <a:r>
+              <a:rPr lang="en-US" dirty="0"/>
+              <a:t>Muna Sayyad</a:t>
+            </a:r>
+          </a:p>
+          <a:p>
+            <a:r>
+              <a:rPr lang="en-US" dirty="0"/>
+              <a:t>Aleena Sayyad</a:t>
+            </a:r>
+          </a:p>
+          <a:p>
+            <a:r>
+              <a:rPr lang="en-US" dirty="0"/>
+              <a:t>Ziad Sayyad</a:t>
+            </a:r>
+          </a:p>
+          <a:p>
+            <a:r>
+              <a:rPr lang="en-US" dirty="0"/>
+              <a:t>Aminnah Sayyad</a:t>
+            </a:r>
+          </a:p>
+          <a:p>
+            <a:r>
+              <a:rPr lang="en-US" dirty="0"/>
+              <a:t>Ayah Sayyad</a:t>
+            </a:r>
+          </a:p>
+          <a:p>
+            <a:r>
+              <a:rPr lang="en-US" dirty="0"/>
+              <a:t>Zayd Sayyad</a:t>
+            </a:r>
+          </a:p>
+          <a:p>
+            <a:endParaRPr lang="en-US" dirty="0"/>
+          </a:p>
+        </p:txBody>
+      </p:sp>
+      <p:sp>
+        <p:nvSpPr>
+          <p:cNvPr id="9" name="TextBox 8">
+            <a:extLst>
+              <a:ext uri="{FF2B5EF4-FFF2-40B4-BE49-F238E27FC236}">
+                <a16:creationId xmlns:a16="http://schemas.microsoft.com/office/drawing/2014/main" id="{EF30373F-9E5A-47A5-A126-59E7CB38B3DA}"/>
+              </a:ext>
+            </a:extLst>
+          </p:cNvPr>
+          <p:cNvSpPr txBox="1"/>
+          <p:nvPr/>
+        </p:nvSpPr>
+        <p:spPr>
+          <a:xfrm>
+            <a:off x="640861" y="1545355"/>
+            <a:ext cx="765787" cy="369332"/>
+          </a:xfrm>
+          <a:prstGeom prst="rect">
+            <a:avLst/>
+          </a:prstGeom>
+          <a:noFill/>
+        </p:spPr>
+        <p:txBody>
+          <a:bodyPr wrap="none" rtlCol="0">
+            <a:spAutoFit/>
+          </a:bodyPr>
+          <a:lstStyle/>
+          <a:p>
+            <a:r>
+              <a:rPr lang="en-US" dirty="0"/>
+              <a:t>Users:</a:t>
+            </a:r>
+          </a:p>
+        </p:txBody>
+      </p:sp>
+      <p:sp>
+        <p:nvSpPr>
+          <p:cNvPr id="11" name="Rectangle 10">
+            <a:extLst>
+              <a:ext uri="{FF2B5EF4-FFF2-40B4-BE49-F238E27FC236}">
+                <a16:creationId xmlns:a16="http://schemas.microsoft.com/office/drawing/2014/main" id="{41B2FF26-C6AE-492C-96B8-6BE910F084F5}"/>
+              </a:ext>
+            </a:extLst>
+          </p:cNvPr>
+          <p:cNvSpPr/>
+          <p:nvPr/>
+        </p:nvSpPr>
+        <p:spPr>
+          <a:xfrm>
+            <a:off x="6096001" y="1899009"/>
+            <a:ext cx="3161117" cy="1529992"/>
+          </a:xfrm>
+          <a:prstGeom prst="rect">
+            <a:avLst/>
+          </a:prstGeom>
+        </p:spPr>
+        <p:style>
+          <a:lnRef idx="2">
+            <a:schemeClr val="accent6"/>
+          </a:lnRef>
+          <a:fillRef idx="1">
+            <a:schemeClr val="lt1"/>
+          </a:fillRef>
+          <a:effectRef idx="0">
+            <a:schemeClr val="accent6"/>
+          </a:effectRef>
+          <a:fontRef idx="minor">
+            <a:schemeClr val="dk1"/>
+          </a:fontRef>
+        </p:style>
+        <p:txBody>
+          <a:bodyPr rtlCol="0" anchor="t"/>
+          <a:lstStyle/>
+          <a:p>
+            <a:r>
+              <a:rPr lang="en-US" dirty="0"/>
+              <a:t>Administrator</a:t>
+            </a:r>
+          </a:p>
+          <a:p>
+            <a:r>
+              <a:rPr lang="en-US" dirty="0"/>
+              <a:t>Applicant</a:t>
+            </a:r>
+          </a:p>
+          <a:p>
+            <a:r>
+              <a:rPr lang="en-US" dirty="0"/>
+              <a:t>Validator</a:t>
+            </a:r>
+          </a:p>
+          <a:p>
+            <a:r>
+              <a:rPr lang="en-US" dirty="0"/>
+              <a:t>Investigator</a:t>
+            </a:r>
+          </a:p>
+          <a:p>
+            <a:endParaRPr lang="en-US" dirty="0"/>
+          </a:p>
+          <a:p>
+            <a:endParaRPr lang="en-US" dirty="0"/>
+          </a:p>
+        </p:txBody>
+      </p:sp>
+      <p:sp>
+        <p:nvSpPr>
+          <p:cNvPr id="12" name="TextBox 11">
+            <a:extLst>
+              <a:ext uri="{FF2B5EF4-FFF2-40B4-BE49-F238E27FC236}">
+                <a16:creationId xmlns:a16="http://schemas.microsoft.com/office/drawing/2014/main" id="{5CAB4964-9569-479A-8F30-749D4BB77203}"/>
+              </a:ext>
+            </a:extLst>
+          </p:cNvPr>
+          <p:cNvSpPr txBox="1"/>
+          <p:nvPr/>
+        </p:nvSpPr>
+        <p:spPr>
+          <a:xfrm>
+            <a:off x="6096000" y="1529676"/>
+            <a:ext cx="1633845" cy="369332"/>
+          </a:xfrm>
+          <a:prstGeom prst="rect">
+            <a:avLst/>
+          </a:prstGeom>
+          <a:noFill/>
+        </p:spPr>
+        <p:txBody>
+          <a:bodyPr wrap="none" rtlCol="0">
+            <a:spAutoFit/>
+          </a:bodyPr>
+          <a:lstStyle/>
+          <a:p>
+            <a:r>
+              <a:rPr lang="en-US" dirty="0"/>
+              <a:t>Assigned Roles:</a:t>
+            </a:r>
+          </a:p>
+        </p:txBody>
+      </p:sp>
+      <p:sp>
+        <p:nvSpPr>
+          <p:cNvPr id="13" name="Rectangle 12">
+            <a:extLst>
+              <a:ext uri="{FF2B5EF4-FFF2-40B4-BE49-F238E27FC236}">
+                <a16:creationId xmlns:a16="http://schemas.microsoft.com/office/drawing/2014/main" id="{0FDCFC13-ECCC-4C31-8DBB-6026C76BE65B}"/>
+              </a:ext>
+            </a:extLst>
+          </p:cNvPr>
+          <p:cNvSpPr/>
+          <p:nvPr/>
+        </p:nvSpPr>
+        <p:spPr>
+          <a:xfrm>
+            <a:off x="6149286" y="4416529"/>
+            <a:ext cx="3161117" cy="1777843"/>
+          </a:xfrm>
+          <a:prstGeom prst="rect">
+            <a:avLst/>
+          </a:prstGeom>
+        </p:spPr>
+        <p:style>
+          <a:lnRef idx="2">
+            <a:schemeClr val="accent6"/>
+          </a:lnRef>
+          <a:fillRef idx="1">
+            <a:schemeClr val="lt1"/>
+          </a:fillRef>
+          <a:effectRef idx="0">
+            <a:schemeClr val="accent6"/>
+          </a:effectRef>
+          <a:fontRef idx="minor">
+            <a:schemeClr val="dk1"/>
+          </a:fontRef>
+        </p:style>
+        <p:txBody>
+          <a:bodyPr rtlCol="0" anchor="t"/>
+          <a:lstStyle/>
+          <a:p>
+            <a:r>
+              <a:rPr lang="en-US" dirty="0"/>
+              <a:t>Administrator</a:t>
+            </a:r>
+          </a:p>
+          <a:p>
+            <a:r>
+              <a:rPr lang="en-US" dirty="0"/>
+              <a:t>Applicant</a:t>
+            </a:r>
+          </a:p>
+          <a:p>
+            <a:r>
+              <a:rPr lang="en-US" dirty="0"/>
+              <a:t>Validator</a:t>
+            </a:r>
+          </a:p>
+          <a:p>
+            <a:r>
+              <a:rPr lang="en-US" dirty="0"/>
+              <a:t>Investigator</a:t>
+            </a:r>
+          </a:p>
+          <a:p>
+            <a:r>
+              <a:rPr lang="en-US" dirty="0"/>
+              <a:t>Qualifier</a:t>
+            </a:r>
+          </a:p>
+          <a:p>
+            <a:endParaRPr lang="en-US" dirty="0"/>
+          </a:p>
+        </p:txBody>
+      </p:sp>
+      <p:sp>
+        <p:nvSpPr>
+          <p:cNvPr id="14" name="TextBox 13">
+            <a:extLst>
+              <a:ext uri="{FF2B5EF4-FFF2-40B4-BE49-F238E27FC236}">
+                <a16:creationId xmlns:a16="http://schemas.microsoft.com/office/drawing/2014/main" id="{E5347516-ED2A-44FA-8B11-01BB7BEFD112}"/>
+              </a:ext>
+            </a:extLst>
+          </p:cNvPr>
+          <p:cNvSpPr txBox="1"/>
+          <p:nvPr/>
+        </p:nvSpPr>
+        <p:spPr>
+          <a:xfrm>
+            <a:off x="6096000" y="4036790"/>
+            <a:ext cx="1633845" cy="369332"/>
+          </a:xfrm>
+          <a:prstGeom prst="rect">
+            <a:avLst/>
+          </a:prstGeom>
+          <a:noFill/>
+        </p:spPr>
+        <p:txBody>
+          <a:bodyPr wrap="none" rtlCol="0">
+            <a:spAutoFit/>
+          </a:bodyPr>
+          <a:lstStyle/>
+          <a:p>
+            <a:r>
+              <a:rPr lang="en-US" dirty="0"/>
+              <a:t>Assigned Roles:</a:t>
+            </a:r>
+          </a:p>
+        </p:txBody>
+      </p:sp>
+      <p:sp>
+        <p:nvSpPr>
+          <p:cNvPr id="10" name="Arrow: Down 9">
+            <a:extLst>
+              <a:ext uri="{FF2B5EF4-FFF2-40B4-BE49-F238E27FC236}">
+                <a16:creationId xmlns:a16="http://schemas.microsoft.com/office/drawing/2014/main" id="{A95D4C74-EEAF-4B7E-B9A2-29FA5A8A8835}"/>
+              </a:ext>
+            </a:extLst>
+          </p:cNvPr>
+          <p:cNvSpPr/>
+          <p:nvPr/>
+        </p:nvSpPr>
+        <p:spPr>
+          <a:xfrm>
+            <a:off x="8686800" y="3676852"/>
+            <a:ext cx="283945" cy="359938"/>
+          </a:xfrm>
+          <a:prstGeom prst="downArrow">
+            <a:avLst/>
+          </a:prstGeom>
+        </p:spPr>
+        <p:style>
+          <a:lnRef idx="2">
+            <a:schemeClr val="accent6">
+              <a:shade val="50000"/>
+            </a:schemeClr>
+          </a:lnRef>
+          <a:fillRef idx="1">
+            <a:schemeClr val="accent6"/>
+          </a:fillRef>
+          <a:effectRef idx="0">
+            <a:schemeClr val="accent6"/>
+          </a:effectRef>
+          <a:fontRef idx="minor">
+            <a:schemeClr val="lt1"/>
+          </a:fontRef>
+        </p:style>
+        <p:txBody>
+          <a:bodyPr rtlCol="0" anchor="ctr"/>
+          <a:lstStyle/>
+          <a:p>
+            <a:pPr algn="ctr"/>
+            <a:endParaRPr lang="en-US"/>
+          </a:p>
+        </p:txBody>
+      </p:sp>
+      <p:sp>
+        <p:nvSpPr>
+          <p:cNvPr id="17" name="Arrow: Down 16">
+            <a:extLst>
+              <a:ext uri="{FF2B5EF4-FFF2-40B4-BE49-F238E27FC236}">
+                <a16:creationId xmlns:a16="http://schemas.microsoft.com/office/drawing/2014/main" id="{F036F1EC-B2F4-4EE0-884D-5763CCBAFB97}"/>
+              </a:ext>
+            </a:extLst>
+          </p:cNvPr>
+          <p:cNvSpPr/>
+          <p:nvPr/>
+        </p:nvSpPr>
+        <p:spPr>
+          <a:xfrm rot="10800000">
+            <a:off x="6404009" y="3686752"/>
+            <a:ext cx="283945" cy="359938"/>
+          </a:xfrm>
+          <a:prstGeom prst="downArrow">
+            <a:avLst/>
+          </a:prstGeom>
+        </p:spPr>
+        <p:style>
+          <a:lnRef idx="2">
+            <a:schemeClr val="accent6">
+              <a:shade val="50000"/>
+            </a:schemeClr>
+          </a:lnRef>
+          <a:fillRef idx="1">
+            <a:schemeClr val="accent6"/>
+          </a:fillRef>
+          <a:effectRef idx="0">
+            <a:schemeClr val="accent6"/>
+          </a:effectRef>
+          <a:fontRef idx="minor">
+            <a:schemeClr val="lt1"/>
+          </a:fontRef>
+        </p:style>
+        <p:txBody>
+          <a:bodyPr rtlCol="0" anchor="ctr"/>
+          <a:lstStyle/>
+          <a:p>
+            <a:pPr algn="ctr"/>
+            <a:endParaRPr lang="en-US"/>
+          </a:p>
+        </p:txBody>
+      </p:sp>
+      <p:sp>
+        <p:nvSpPr>
+          <p:cNvPr id="2" name="Rectangle 1">
+            <a:extLst>
+              <a:ext uri="{FF2B5EF4-FFF2-40B4-BE49-F238E27FC236}">
+                <a16:creationId xmlns:a16="http://schemas.microsoft.com/office/drawing/2014/main" id="{905F1134-BD45-4FB4-BCC4-2AEEC812CB71}"/>
+              </a:ext>
+            </a:extLst>
+          </p:cNvPr>
+          <p:cNvSpPr/>
+          <p:nvPr/>
+        </p:nvSpPr>
+        <p:spPr>
+          <a:xfrm>
+            <a:off x="640860" y="1309033"/>
+            <a:ext cx="3161118" cy="312821"/>
+          </a:xfrm>
+          <a:prstGeom prst="rect">
+            <a:avLst/>
+          </a:prstGeom>
+        </p:spPr>
+        <p:style>
+          <a:lnRef idx="2">
+            <a:schemeClr val="accent6"/>
+          </a:lnRef>
+          <a:fillRef idx="1">
+            <a:schemeClr val="lt1"/>
+          </a:fillRef>
+          <a:effectRef idx="0">
+            <a:schemeClr val="accent6"/>
+          </a:effectRef>
+          <a:fontRef idx="minor">
+            <a:schemeClr val="dk1"/>
+          </a:fontRef>
+        </p:style>
+        <p:txBody>
+          <a:bodyPr rtlCol="0" anchor="ctr"/>
+          <a:lstStyle/>
+          <a:p>
+            <a:pPr algn="ctr"/>
+            <a:endParaRPr lang="en-US" dirty="0"/>
+          </a:p>
+        </p:txBody>
+      </p:sp>
+      <p:pic>
+        <p:nvPicPr>
+          <p:cNvPr id="16" name="Graphic 15" descr="Magnifying glass">
+            <a:extLst>
+              <a:ext uri="{FF2B5EF4-FFF2-40B4-BE49-F238E27FC236}">
+                <a16:creationId xmlns:a16="http://schemas.microsoft.com/office/drawing/2014/main" id="{2C0502EF-A67C-43B6-9C78-FA8BD528CD4B}"/>
+              </a:ext>
+            </a:extLst>
+          </p:cNvPr>
+          <p:cNvPicPr>
+            <a:picLocks noChangeAspect="1"/>
+          </p:cNvPicPr>
+          <p:nvPr/>
+        </p:nvPicPr>
+        <p:blipFill>
+          <a:blip r:embed="rId5">
+            <a:extLst>
+              <a:ext uri="{28A0092B-C50C-407E-A947-70E740481C1C}">
+                <a14:useLocalDpi xmlns:a14="http://schemas.microsoft.com/office/drawing/2010/main" val="0"/>
+              </a:ext>
+              <a:ext uri="{96DAC541-7B7A-43D3-8B79-37D633B846F1}">
+                <asvg:svgBlip xmlns:asvg="http://schemas.microsoft.com/office/drawing/2016/SVG/main" r:embed="rId6"/>
+              </a:ext>
+            </a:extLst>
+          </a:blip>
+          <a:stretch>
+            <a:fillRect/>
+          </a:stretch>
+        </p:blipFill>
+        <p:spPr>
+          <a:xfrm>
+            <a:off x="3463523" y="1309542"/>
+            <a:ext cx="278632" cy="278632"/>
+          </a:xfrm>
+          <a:prstGeom prst="rect">
+            <a:avLst/>
+          </a:prstGeom>
+        </p:spPr>
+      </p:pic>
     </p:spTree>
     <p:extLst>
       <p:ext uri="{BB962C8B-B14F-4D97-AF65-F5344CB8AC3E}">

--- a/zakat.icclmd.team/zakat.icclmd.org.pptx
+++ b/zakat.icclmd.team/zakat.icclmd.org.pptx
@@ -284,7 +284,7 @@
           <a:p>
             <a:fld id="{919D266F-1832-4AED-95A7-DB500E667DE8}" type="datetimeFigureOut">
               <a:rPr lang="en-US" smtClean="0"/>
-              <a:t>3/1/2020</a:t>
+              <a:t>3/22/2020</a:t>
             </a:fld>
             <a:endParaRPr lang="en-US"/>
           </a:p>
@@ -482,7 +482,7 @@
           <a:p>
             <a:fld id="{919D266F-1832-4AED-95A7-DB500E667DE8}" type="datetimeFigureOut">
               <a:rPr lang="en-US" smtClean="0"/>
-              <a:t>3/1/2020</a:t>
+              <a:t>3/22/2020</a:t>
             </a:fld>
             <a:endParaRPr lang="en-US"/>
           </a:p>
@@ -690,7 +690,7 @@
           <a:p>
             <a:fld id="{919D266F-1832-4AED-95A7-DB500E667DE8}" type="datetimeFigureOut">
               <a:rPr lang="en-US" smtClean="0"/>
-              <a:t>3/1/2020</a:t>
+              <a:t>3/22/2020</a:t>
             </a:fld>
             <a:endParaRPr lang="en-US"/>
           </a:p>
@@ -888,7 +888,7 @@
           <a:p>
             <a:fld id="{919D266F-1832-4AED-95A7-DB500E667DE8}" type="datetimeFigureOut">
               <a:rPr lang="en-US" smtClean="0"/>
-              <a:t>3/1/2020</a:t>
+              <a:t>3/22/2020</a:t>
             </a:fld>
             <a:endParaRPr lang="en-US"/>
           </a:p>
@@ -1163,7 +1163,7 @@
           <a:p>
             <a:fld id="{919D266F-1832-4AED-95A7-DB500E667DE8}" type="datetimeFigureOut">
               <a:rPr lang="en-US" smtClean="0"/>
-              <a:t>3/1/2020</a:t>
+              <a:t>3/22/2020</a:t>
             </a:fld>
             <a:endParaRPr lang="en-US"/>
           </a:p>
@@ -1428,7 +1428,7 @@
           <a:p>
             <a:fld id="{919D266F-1832-4AED-95A7-DB500E667DE8}" type="datetimeFigureOut">
               <a:rPr lang="en-US" smtClean="0"/>
-              <a:t>3/1/2020</a:t>
+              <a:t>3/22/2020</a:t>
             </a:fld>
             <a:endParaRPr lang="en-US"/>
           </a:p>
@@ -1840,7 +1840,7 @@
           <a:p>
             <a:fld id="{919D266F-1832-4AED-95A7-DB500E667DE8}" type="datetimeFigureOut">
               <a:rPr lang="en-US" smtClean="0"/>
-              <a:t>3/1/2020</a:t>
+              <a:t>3/22/2020</a:t>
             </a:fld>
             <a:endParaRPr lang="en-US"/>
           </a:p>
@@ -1981,7 +1981,7 @@
           <a:p>
             <a:fld id="{919D266F-1832-4AED-95A7-DB500E667DE8}" type="datetimeFigureOut">
               <a:rPr lang="en-US" smtClean="0"/>
-              <a:t>3/1/2020</a:t>
+              <a:t>3/22/2020</a:t>
             </a:fld>
             <a:endParaRPr lang="en-US"/>
           </a:p>
@@ -2094,7 +2094,7 @@
           <a:p>
             <a:fld id="{919D266F-1832-4AED-95A7-DB500E667DE8}" type="datetimeFigureOut">
               <a:rPr lang="en-US" smtClean="0"/>
-              <a:t>3/1/2020</a:t>
+              <a:t>3/22/2020</a:t>
             </a:fld>
             <a:endParaRPr lang="en-US"/>
           </a:p>
@@ -2405,7 +2405,7 @@
           <a:p>
             <a:fld id="{919D266F-1832-4AED-95A7-DB500E667DE8}" type="datetimeFigureOut">
               <a:rPr lang="en-US" smtClean="0"/>
-              <a:t>3/1/2020</a:t>
+              <a:t>3/22/2020</a:t>
             </a:fld>
             <a:endParaRPr lang="en-US"/>
           </a:p>
@@ -2693,7 +2693,7 @@
           <a:p>
             <a:fld id="{919D266F-1832-4AED-95A7-DB500E667DE8}" type="datetimeFigureOut">
               <a:rPr lang="en-US" smtClean="0"/>
-              <a:t>3/1/2020</a:t>
+              <a:t>3/22/2020</a:t>
             </a:fld>
             <a:endParaRPr lang="en-US"/>
           </a:p>
@@ -2934,7 +2934,7 @@
           <a:p>
             <a:fld id="{919D266F-1832-4AED-95A7-DB500E667DE8}" type="datetimeFigureOut">
               <a:rPr lang="en-US" smtClean="0"/>
-              <a:t>3/1/2020</a:t>
+              <a:t>3/22/2020</a:t>
             </a:fld>
             <a:endParaRPr lang="en-US"/>
           </a:p>
@@ -3369,8 +3369,8 @@
         </p:nvSpPr>
         <p:spPr>
           <a:xfrm>
-            <a:off x="0" y="1"/>
-            <a:ext cx="6084837" cy="447574"/>
+            <a:off x="0" y="4738"/>
+            <a:ext cx="6084837" cy="316641"/>
           </a:xfrm>
         </p:spPr>
         <p:txBody>
@@ -3401,7 +3401,7 @@
         </p:nvSpPr>
         <p:spPr>
           <a:xfrm>
-            <a:off x="5622825" y="96250"/>
+            <a:off x="5622825" y="10966"/>
             <a:ext cx="914400" cy="640080"/>
           </a:xfrm>
           <a:prstGeom prst="rect">
@@ -3449,7 +3449,7 @@
         </p:nvSpPr>
         <p:spPr>
           <a:xfrm>
-            <a:off x="5629174" y="1201552"/>
+            <a:off x="5629174" y="1116268"/>
             <a:ext cx="914400" cy="640080"/>
           </a:xfrm>
           <a:prstGeom prst="rect">
@@ -3497,7 +3497,7 @@
         </p:nvSpPr>
         <p:spPr>
           <a:xfrm>
-            <a:off x="94279" y="1201552"/>
+            <a:off x="94279" y="1116268"/>
             <a:ext cx="914400" cy="640080"/>
           </a:xfrm>
           <a:prstGeom prst="rect">
@@ -3545,7 +3545,7 @@
         </p:nvSpPr>
         <p:spPr>
           <a:xfrm>
-            <a:off x="1762659" y="1201552"/>
+            <a:off x="1762659" y="1116268"/>
             <a:ext cx="914400" cy="640080"/>
           </a:xfrm>
           <a:prstGeom prst="rect">
@@ -3593,7 +3593,7 @@
         </p:nvSpPr>
         <p:spPr>
           <a:xfrm>
-            <a:off x="4562602" y="3372846"/>
+            <a:off x="4562602" y="3287562"/>
             <a:ext cx="914400" cy="640080"/>
           </a:xfrm>
           <a:prstGeom prst="rect">
@@ -3641,7 +3641,7 @@
         </p:nvSpPr>
         <p:spPr>
           <a:xfrm>
-            <a:off x="7891348" y="2228640"/>
+            <a:off x="7891348" y="2143356"/>
             <a:ext cx="914400" cy="640080"/>
           </a:xfrm>
           <a:prstGeom prst="rect">
@@ -3688,7 +3688,7 @@
         </p:nvSpPr>
         <p:spPr>
           <a:xfrm>
-            <a:off x="10616752" y="3322315"/>
+            <a:off x="10616752" y="3237031"/>
             <a:ext cx="914400" cy="640080"/>
           </a:xfrm>
           <a:prstGeom prst="rect">
@@ -3743,7 +3743,7 @@
         </p:nvSpPr>
         <p:spPr>
           <a:xfrm>
-            <a:off x="7890845" y="3363220"/>
+            <a:off x="7890845" y="3277936"/>
             <a:ext cx="914400" cy="640080"/>
           </a:xfrm>
           <a:prstGeom prst="rect">
@@ -3790,7 +3790,7 @@
         </p:nvSpPr>
         <p:spPr>
           <a:xfrm>
-            <a:off x="9114218" y="3322315"/>
+            <a:off x="9114218" y="3246507"/>
             <a:ext cx="914400" cy="640080"/>
           </a:xfrm>
           <a:prstGeom prst="rect">
@@ -3845,7 +3845,7 @@
         </p:nvSpPr>
         <p:spPr>
           <a:xfrm>
-            <a:off x="9883539" y="2228640"/>
+            <a:off x="9883539" y="2143356"/>
             <a:ext cx="914400" cy="640080"/>
           </a:xfrm>
           <a:prstGeom prst="rect">
@@ -3902,7 +3902,7 @@
         </p:nvCxnSpPr>
         <p:spPr>
           <a:xfrm rot="16200000" flipH="1">
-            <a:off x="5840963" y="956141"/>
+            <a:off x="5840963" y="870857"/>
             <a:ext cx="489286" cy="1535"/>
           </a:xfrm>
           <a:prstGeom prst="bentConnector3">
@@ -3945,7 +3945,7 @@
         </p:nvCxnSpPr>
         <p:spPr>
           <a:xfrm rot="10800000" flipV="1">
-            <a:off x="551479" y="416290"/>
+            <a:off x="551479" y="331006"/>
             <a:ext cx="5071346" cy="785262"/>
           </a:xfrm>
           <a:prstGeom prst="bentConnector2">
@@ -3988,7 +3988,7 @@
         </p:nvCxnSpPr>
         <p:spPr>
           <a:xfrm rot="10800000" flipV="1">
-            <a:off x="2219859" y="416290"/>
+            <a:off x="2219859" y="331006"/>
             <a:ext cx="3402966" cy="785262"/>
           </a:xfrm>
           <a:prstGeom prst="bentConnector2">
@@ -4031,7 +4031,7 @@
         </p:nvCxnSpPr>
         <p:spPr>
           <a:xfrm rot="10800000" flipV="1">
-            <a:off x="3731036" y="1521592"/>
+            <a:off x="3731036" y="1436308"/>
             <a:ext cx="1898139" cy="707048"/>
           </a:xfrm>
           <a:prstGeom prst="bentConnector2">
@@ -4071,7 +4071,7 @@
         </p:nvSpPr>
         <p:spPr>
           <a:xfrm>
-            <a:off x="3273835" y="2228640"/>
+            <a:off x="3273835" y="2143356"/>
             <a:ext cx="914400" cy="640080"/>
           </a:xfrm>
           <a:prstGeom prst="rect">
@@ -4122,7 +4122,7 @@
         </p:nvCxnSpPr>
         <p:spPr>
           <a:xfrm>
-            <a:off x="2677059" y="1521592"/>
+            <a:off x="2677059" y="1436308"/>
             <a:ext cx="1053976" cy="707048"/>
           </a:xfrm>
           <a:prstGeom prst="bentConnector2">
@@ -4161,7 +4161,7 @@
         </p:nvSpPr>
         <p:spPr>
           <a:xfrm>
-            <a:off x="2677060" y="1234718"/>
+            <a:off x="2677060" y="1149434"/>
             <a:ext cx="2944304" cy="253916"/>
           </a:xfrm>
           <a:prstGeom prst="rect">
@@ -4201,7 +4201,7 @@
         </p:nvCxnSpPr>
         <p:spPr>
           <a:xfrm>
-            <a:off x="10797939" y="2548680"/>
+            <a:off x="10797939" y="2463396"/>
             <a:ext cx="276013" cy="773635"/>
           </a:xfrm>
           <a:prstGeom prst="bentConnector2">
@@ -4244,8 +4244,8 @@
         </p:nvCxnSpPr>
         <p:spPr>
           <a:xfrm rot="10800000" flipV="1">
-            <a:off x="9571419" y="2548679"/>
-            <a:ext cx="312121" cy="773635"/>
+            <a:off x="9571419" y="2463395"/>
+            <a:ext cx="312121" cy="783111"/>
           </a:xfrm>
           <a:prstGeom prst="bentConnector2">
             <a:avLst/>
@@ -4284,7 +4284,7 @@
         </p:nvSpPr>
         <p:spPr>
           <a:xfrm>
-            <a:off x="3273835" y="3377659"/>
+            <a:off x="3273835" y="3292375"/>
             <a:ext cx="914400" cy="640080"/>
           </a:xfrm>
           <a:prstGeom prst="rect">
@@ -4335,7 +4335,7 @@
         </p:nvCxnSpPr>
         <p:spPr>
           <a:xfrm>
-            <a:off x="6543574" y="1521592"/>
+            <a:off x="6543574" y="1436308"/>
             <a:ext cx="1804974" cy="707048"/>
           </a:xfrm>
           <a:prstGeom prst="bentConnector2">
@@ -4378,7 +4378,7 @@
         </p:nvCxnSpPr>
         <p:spPr>
           <a:xfrm rot="16200000" flipH="1">
-            <a:off x="4123355" y="2476399"/>
+            <a:off x="4123355" y="2391115"/>
             <a:ext cx="504126" cy="1288767"/>
           </a:xfrm>
           <a:prstGeom prst="bentConnector3">
@@ -4423,7 +4423,7 @@
         </p:nvCxnSpPr>
         <p:spPr>
           <a:xfrm rot="5400000">
-            <a:off x="3476566" y="3123189"/>
+            <a:off x="3476566" y="3037905"/>
             <a:ext cx="508939" cy="12700"/>
           </a:xfrm>
           <a:prstGeom prst="bentConnector3">
@@ -4468,7 +4468,7 @@
         </p:nvCxnSpPr>
         <p:spPr>
           <a:xfrm>
-            <a:off x="6543574" y="1521592"/>
+            <a:off x="6543574" y="1436308"/>
             <a:ext cx="3797165" cy="707048"/>
           </a:xfrm>
           <a:prstGeom prst="bentConnector2">
@@ -4511,7 +4511,7 @@
         </p:nvCxnSpPr>
         <p:spPr>
           <a:xfrm rot="5400000">
-            <a:off x="8101047" y="3115719"/>
+            <a:off x="8101047" y="3030435"/>
             <a:ext cx="494500" cy="503"/>
           </a:xfrm>
           <a:prstGeom prst="bentConnector3">
@@ -4552,7 +4552,7 @@
         </p:nvSpPr>
         <p:spPr>
           <a:xfrm>
-            <a:off x="6545035" y="1255170"/>
+            <a:off x="6545035" y="1169886"/>
             <a:ext cx="3795703" cy="253916"/>
           </a:xfrm>
           <a:prstGeom prst="rect">
@@ -4589,14 +4589,14 @@
           <p:nvPr>
             <p:extLst>
               <p:ext uri="{D42A27DB-BD31-4B8C-83A1-F6EECF244321}">
-                <p14:modId xmlns:p14="http://schemas.microsoft.com/office/powerpoint/2010/main" val="2308293172"/>
+                <p14:modId xmlns:p14="http://schemas.microsoft.com/office/powerpoint/2010/main" val="2778188379"/>
               </p:ext>
             </p:extLst>
           </p:nvPr>
         </p:nvGraphicFramePr>
         <p:xfrm>
-          <a:off x="119240" y="4975450"/>
-          <a:ext cx="11965278" cy="1828800"/>
+          <a:off x="94279" y="4345449"/>
+          <a:ext cx="11965278" cy="2438400"/>
         </p:xfrm>
         <a:graphic>
           <a:graphicData uri="http://schemas.openxmlformats.org/drawingml/2006/table">
@@ -4650,6 +4650,56 @@
                 <a:extLst>
                   <a:ext uri="{0D108BD9-81ED-4DB2-BD59-A6C34878D82A}">
                     <a16:rowId xmlns:a16="http://schemas.microsoft.com/office/drawing/2014/main" val="2056826157"/>
+                  </a:ext>
+                </a:extLst>
+              </a:tr>
+              <a:tr h="255166">
+                <a:tc>
+                  <a:txBody>
+                    <a:bodyPr/>
+                    <a:lstStyle/>
+                    <a:p>
+                      <a:r>
+                        <a:rPr lang="en-US" sz="1400" dirty="0"/>
+                        <a:t>Administrator</a:t>
+                      </a:r>
+                    </a:p>
+                  </a:txBody>
+                  <a:tcPr/>
+                </a:tc>
+                <a:tc>
+                  <a:txBody>
+                    <a:bodyPr/>
+                    <a:lstStyle/>
+                    <a:p>
+                      <a:pPr marL="0" marR="0" lvl="0" indent="0" algn="l" defTabSz="914400" rtl="0" eaLnBrk="1" fontAlgn="auto" latinLnBrk="0" hangingPunct="1">
+                        <a:lnSpc>
+                          <a:spcPct val="100000"/>
+                        </a:lnSpc>
+                        <a:spcBef>
+                          <a:spcPts val="0"/>
+                        </a:spcBef>
+                        <a:spcAft>
+                          <a:spcPts val="0"/>
+                        </a:spcAft>
+                        <a:buClrTx/>
+                        <a:buSzTx/>
+                        <a:buFontTx/>
+                        <a:buNone/>
+                        <a:tabLst/>
+                        <a:defRPr/>
+                      </a:pPr>
+                      <a:r>
+                        <a:rPr lang="en-US" sz="1400" dirty="0"/>
+                        <a:t>This role enables a user with it to administer organizations, users, and roles</a:t>
+                      </a:r>
+                    </a:p>
+                  </a:txBody>
+                  <a:tcPr/>
+                </a:tc>
+                <a:extLst>
+                  <a:ext uri="{0D108BD9-81ED-4DB2-BD59-A6C34878D82A}">
+                    <a16:rowId xmlns:a16="http://schemas.microsoft.com/office/drawing/2014/main" val="2568220106"/>
                   </a:ext>
                 </a:extLst>
               </a:tr>
@@ -4794,7 +4844,7 @@
                     <a:p>
                       <a:r>
                         <a:rPr lang="en-US" sz="1400" dirty="0"/>
-                        <a:t>Qualifier</a:t>
+                        <a:t>Qualifier Step 1</a:t>
                       </a:r>
                     </a:p>
                   </a:txBody>
@@ -4824,7 +4874,7 @@
                       </a:pPr>
                       <a:r>
                         <a:rPr lang="en-US" sz="1400" dirty="0"/>
-                        <a:t>This role enables a user with it to leverage the data on the zakat form to make an eligibility ruling on the zakat case</a:t>
+                        <a:t>This role enables a user with it to leverage the data on the zakat form to make an eligibility ruling on the zakat case (qualifier step 1)</a:t>
                       </a:r>
                     </a:p>
                   </a:txBody>
@@ -4844,7 +4894,7 @@
                     <a:p>
                       <a:r>
                         <a:rPr lang="en-US" sz="1400" dirty="0"/>
-                        <a:t>Administrator</a:t>
+                        <a:t>Qualifier Step 2</a:t>
                       </a:r>
                     </a:p>
                   </a:txBody>
@@ -4874,7 +4924,7 @@
                       </a:pPr>
                       <a:r>
                         <a:rPr lang="en-US" sz="1400" dirty="0"/>
-                        <a:t>This role enables a user with it to administer organizations, users, and roles</a:t>
+                        <a:t>This role enables a user with it to leverage the data on the zakat form to make an eligibility ruling on the zakat case (qualifier step 2)</a:t>
                       </a:r>
                     </a:p>
                   </a:txBody>
@@ -4882,7 +4932,57 @@
                 </a:tc>
                 <a:extLst>
                   <a:ext uri="{0D108BD9-81ED-4DB2-BD59-A6C34878D82A}">
-                    <a16:rowId xmlns:a16="http://schemas.microsoft.com/office/drawing/2014/main" val="4166663379"/>
+                    <a16:rowId xmlns:a16="http://schemas.microsoft.com/office/drawing/2014/main" val="3062147874"/>
+                  </a:ext>
+                </a:extLst>
+              </a:tr>
+              <a:tr h="255166">
+                <a:tc>
+                  <a:txBody>
+                    <a:bodyPr/>
+                    <a:lstStyle/>
+                    <a:p>
+                      <a:r>
+                        <a:rPr lang="en-US" sz="1400" dirty="0"/>
+                        <a:t>Financier</a:t>
+                      </a:r>
+                    </a:p>
+                  </a:txBody>
+                  <a:tcPr/>
+                </a:tc>
+                <a:tc>
+                  <a:txBody>
+                    <a:bodyPr/>
+                    <a:lstStyle/>
+                    <a:p>
+                      <a:pPr marL="0" marR="0" lvl="0" indent="0" algn="l" defTabSz="914400" rtl="0" eaLnBrk="1" fontAlgn="auto" latinLnBrk="0" hangingPunct="1">
+                        <a:lnSpc>
+                          <a:spcPct val="100000"/>
+                        </a:lnSpc>
+                        <a:spcBef>
+                          <a:spcPts val="0"/>
+                        </a:spcBef>
+                        <a:spcAft>
+                          <a:spcPts val="0"/>
+                        </a:spcAft>
+                        <a:buClrTx/>
+                        <a:buSzTx/>
+                        <a:buFontTx/>
+                        <a:buNone/>
+                        <a:tabLst/>
+                        <a:defRPr/>
+                      </a:pPr>
+                      <a:r>
+                        <a:rPr lang="en-US" sz="1400" dirty="0"/>
+                        <a:t>This role provides a user the ability to be notified about an approved zakat application so that funds can be dispersed</a:t>
+                      </a:r>
+                    </a:p>
+                  </a:txBody>
+                  <a:tcPr/>
+                </a:tc>
+                <a:extLst>
+                  <a:ext uri="{0D108BD9-81ED-4DB2-BD59-A6C34878D82A}">
+                    <a16:rowId xmlns:a16="http://schemas.microsoft.com/office/drawing/2014/main" val="85507403"/>
                   </a:ext>
                 </a:extLst>
               </a:tr>
@@ -4905,13 +5005,13 @@
           <p:nvPr>
             <p:extLst>
               <p:ext uri="{D42A27DB-BD31-4B8C-83A1-F6EECF244321}">
-                <p14:modId xmlns:p14="http://schemas.microsoft.com/office/powerpoint/2010/main" val="4101517247"/>
+                <p14:modId xmlns:p14="http://schemas.microsoft.com/office/powerpoint/2010/main" val="3143788738"/>
               </p:ext>
             </p:extLst>
           </p:nvPr>
         </p:nvGraphicFramePr>
         <p:xfrm>
-          <a:off x="119240" y="4609703"/>
+          <a:off x="94279" y="3975134"/>
           <a:ext cx="11965278" cy="365760"/>
         </p:xfrm>
         <a:graphic>
@@ -4985,7 +5085,7 @@
         </p:nvSpPr>
         <p:spPr>
           <a:xfrm>
-            <a:off x="1988528" y="3379929"/>
+            <a:off x="1988528" y="3294645"/>
             <a:ext cx="914400" cy="640080"/>
           </a:xfrm>
           <a:prstGeom prst="rect">
@@ -5036,7 +5136,7 @@
         </p:nvCxnSpPr>
         <p:spPr>
           <a:xfrm rot="5400000">
-            <a:off x="2832778" y="2481671"/>
+            <a:off x="2832778" y="2396387"/>
             <a:ext cx="511209" cy="1285307"/>
           </a:xfrm>
           <a:prstGeom prst="bentConnector3">
@@ -5078,7 +5178,7 @@
         </p:nvSpPr>
         <p:spPr>
           <a:xfrm>
-            <a:off x="5630635" y="2228640"/>
+            <a:off x="5630635" y="2143356"/>
             <a:ext cx="914400" cy="640080"/>
           </a:xfrm>
           <a:prstGeom prst="rect">
@@ -5133,7 +5233,7 @@
         </p:nvCxnSpPr>
         <p:spPr>
           <a:xfrm rot="16200000" flipH="1">
-            <a:off x="5893600" y="2034405"/>
+            <a:off x="5893600" y="1949121"/>
             <a:ext cx="387008" cy="1461"/>
           </a:xfrm>
           <a:prstGeom prst="bentConnector3">
@@ -5178,7 +5278,7 @@
         </p:nvCxnSpPr>
         <p:spPr>
           <a:xfrm flipV="1">
-            <a:off x="4188235" y="3692886"/>
+            <a:off x="4188235" y="3607602"/>
             <a:ext cx="374367" cy="4813"/>
           </a:xfrm>
           <a:prstGeom prst="bentConnector3">
@@ -5223,7 +5323,7 @@
         </p:nvCxnSpPr>
         <p:spPr>
           <a:xfrm flipH="1">
-            <a:off x="5477002" y="416290"/>
+            <a:off x="5477002" y="331006"/>
             <a:ext cx="1060223" cy="3276596"/>
           </a:xfrm>
           <a:prstGeom prst="bentConnector3">
@@ -5264,7 +5364,7 @@
         </p:nvSpPr>
         <p:spPr>
           <a:xfrm>
-            <a:off x="5483085" y="3429344"/>
+            <a:off x="5483085" y="3344060"/>
             <a:ext cx="1347537" cy="253916"/>
           </a:xfrm>
           <a:prstGeom prst="rect">

--- a/zakat.icclmd.team/zakat.icclmd.org.pptx
+++ b/zakat.icclmd.team/zakat.icclmd.org.pptx
@@ -20,6 +20,7 @@
     <p:sldId id="270" r:id="rId14"/>
     <p:sldId id="271" r:id="rId15"/>
     <p:sldId id="272" r:id="rId16"/>
+    <p:sldId id="275" r:id="rId17"/>
   </p:sldIdLst>
   <p:sldSz cx="12192000" cy="6858000"/>
   <p:notesSz cx="6858000" cy="9144000"/>
@@ -284,7 +285,7 @@
           <a:p>
             <a:fld id="{919D266F-1832-4AED-95A7-DB500E667DE8}" type="datetimeFigureOut">
               <a:rPr lang="en-US" smtClean="0"/>
-              <a:t>3/22/2020</a:t>
+              <a:t>4/5/2020</a:t>
             </a:fld>
             <a:endParaRPr lang="en-US"/>
           </a:p>
@@ -482,7 +483,7 @@
           <a:p>
             <a:fld id="{919D266F-1832-4AED-95A7-DB500E667DE8}" type="datetimeFigureOut">
               <a:rPr lang="en-US" smtClean="0"/>
-              <a:t>3/22/2020</a:t>
+              <a:t>4/5/2020</a:t>
             </a:fld>
             <a:endParaRPr lang="en-US"/>
           </a:p>
@@ -690,7 +691,7 @@
           <a:p>
             <a:fld id="{919D266F-1832-4AED-95A7-DB500E667DE8}" type="datetimeFigureOut">
               <a:rPr lang="en-US" smtClean="0"/>
-              <a:t>3/22/2020</a:t>
+              <a:t>4/5/2020</a:t>
             </a:fld>
             <a:endParaRPr lang="en-US"/>
           </a:p>
@@ -888,7 +889,7 @@
           <a:p>
             <a:fld id="{919D266F-1832-4AED-95A7-DB500E667DE8}" type="datetimeFigureOut">
               <a:rPr lang="en-US" smtClean="0"/>
-              <a:t>3/22/2020</a:t>
+              <a:t>4/5/2020</a:t>
             </a:fld>
             <a:endParaRPr lang="en-US"/>
           </a:p>
@@ -1163,7 +1164,7 @@
           <a:p>
             <a:fld id="{919D266F-1832-4AED-95A7-DB500E667DE8}" type="datetimeFigureOut">
               <a:rPr lang="en-US" smtClean="0"/>
-              <a:t>3/22/2020</a:t>
+              <a:t>4/5/2020</a:t>
             </a:fld>
             <a:endParaRPr lang="en-US"/>
           </a:p>
@@ -1428,7 +1429,7 @@
           <a:p>
             <a:fld id="{919D266F-1832-4AED-95A7-DB500E667DE8}" type="datetimeFigureOut">
               <a:rPr lang="en-US" smtClean="0"/>
-              <a:t>3/22/2020</a:t>
+              <a:t>4/5/2020</a:t>
             </a:fld>
             <a:endParaRPr lang="en-US"/>
           </a:p>
@@ -1840,7 +1841,7 @@
           <a:p>
             <a:fld id="{919D266F-1832-4AED-95A7-DB500E667DE8}" type="datetimeFigureOut">
               <a:rPr lang="en-US" smtClean="0"/>
-              <a:t>3/22/2020</a:t>
+              <a:t>4/5/2020</a:t>
             </a:fld>
             <a:endParaRPr lang="en-US"/>
           </a:p>
@@ -1981,7 +1982,7 @@
           <a:p>
             <a:fld id="{919D266F-1832-4AED-95A7-DB500E667DE8}" type="datetimeFigureOut">
               <a:rPr lang="en-US" smtClean="0"/>
-              <a:t>3/22/2020</a:t>
+              <a:t>4/5/2020</a:t>
             </a:fld>
             <a:endParaRPr lang="en-US"/>
           </a:p>
@@ -2094,7 +2095,7 @@
           <a:p>
             <a:fld id="{919D266F-1832-4AED-95A7-DB500E667DE8}" type="datetimeFigureOut">
               <a:rPr lang="en-US" smtClean="0"/>
-              <a:t>3/22/2020</a:t>
+              <a:t>4/5/2020</a:t>
             </a:fld>
             <a:endParaRPr lang="en-US"/>
           </a:p>
@@ -2405,7 +2406,7 @@
           <a:p>
             <a:fld id="{919D266F-1832-4AED-95A7-DB500E667DE8}" type="datetimeFigureOut">
               <a:rPr lang="en-US" smtClean="0"/>
-              <a:t>3/22/2020</a:t>
+              <a:t>4/5/2020</a:t>
             </a:fld>
             <a:endParaRPr lang="en-US"/>
           </a:p>
@@ -2693,7 +2694,7 @@
           <a:p>
             <a:fld id="{919D266F-1832-4AED-95A7-DB500E667DE8}" type="datetimeFigureOut">
               <a:rPr lang="en-US" smtClean="0"/>
-              <a:t>3/22/2020</a:t>
+              <a:t>4/5/2020</a:t>
             </a:fld>
             <a:endParaRPr lang="en-US"/>
           </a:p>
@@ -2934,7 +2935,7 @@
           <a:p>
             <a:fld id="{919D266F-1832-4AED-95A7-DB500E667DE8}" type="datetimeFigureOut">
               <a:rPr lang="en-US" smtClean="0"/>
-              <a:t>3/22/2020</a:t>
+              <a:t>4/5/2020</a:t>
             </a:fld>
             <a:endParaRPr lang="en-US"/>
           </a:p>
@@ -8405,6 +8406,1080 @@
 </p:sld>
 </file>
 
+<file path=ppt/slides/slide16.xml><?xml version="1.0" encoding="utf-8"?>
+<p:sld xmlns:a="http://schemas.openxmlformats.org/drawingml/2006/main" xmlns:r="http://schemas.openxmlformats.org/officeDocument/2006/relationships" xmlns:p="http://schemas.openxmlformats.org/presentationml/2006/main">
+  <p:cSld>
+    <p:spTree>
+      <p:nvGrpSpPr>
+        <p:cNvPr id="1" name=""/>
+        <p:cNvGrpSpPr/>
+        <p:nvPr/>
+      </p:nvGrpSpPr>
+      <p:grpSpPr>
+        <a:xfrm>
+          <a:off x="0" y="0"/>
+          <a:ext cx="0" cy="0"/>
+          <a:chOff x="0" y="0"/>
+          <a:chExt cx="0" cy="0"/>
+        </a:xfrm>
+      </p:grpSpPr>
+      <p:sp>
+        <p:nvSpPr>
+          <p:cNvPr id="4" name="Title 3">
+            <a:extLst>
+              <a:ext uri="{FF2B5EF4-FFF2-40B4-BE49-F238E27FC236}">
+                <a16:creationId xmlns:a16="http://schemas.microsoft.com/office/drawing/2014/main" id="{A01994A0-636B-49B7-B89E-CA18BB943014}"/>
+              </a:ext>
+            </a:extLst>
+          </p:cNvPr>
+          <p:cNvSpPr>
+            <a:spLocks noGrp="1"/>
+          </p:cNvSpPr>
+          <p:nvPr>
+            <p:ph type="title"/>
+          </p:nvPr>
+        </p:nvSpPr>
+        <p:spPr>
+          <a:xfrm>
+            <a:off x="0" y="1"/>
+            <a:ext cx="6095999" cy="447574"/>
+          </a:xfrm>
+        </p:spPr>
+        <p:txBody>
+          <a:bodyPr>
+            <a:noAutofit/>
+          </a:bodyPr>
+          <a:lstStyle/>
+          <a:p>
+            <a:r>
+              <a:rPr lang="en-US" sz="2000" b="1" dirty="0"/>
+              <a:t>zakat.icclmd.org – user role administration</a:t>
+            </a:r>
+          </a:p>
+        </p:txBody>
+      </p:sp>
+      <p:graphicFrame>
+        <p:nvGraphicFramePr>
+          <p:cNvPr id="34" name="Table 104">
+            <a:extLst>
+              <a:ext uri="{FF2B5EF4-FFF2-40B4-BE49-F238E27FC236}">
+                <a16:creationId xmlns:a16="http://schemas.microsoft.com/office/drawing/2014/main" id="{46761658-10A9-4DC9-AFCF-6D173578197A}"/>
+              </a:ext>
+            </a:extLst>
+          </p:cNvPr>
+          <p:cNvGraphicFramePr>
+            <a:graphicFrameLocks noGrp="1"/>
+          </p:cNvGraphicFramePr>
+          <p:nvPr/>
+        </p:nvGraphicFramePr>
+        <p:xfrm>
+          <a:off x="119240" y="535830"/>
+          <a:ext cx="11965278" cy="6103805"/>
+        </p:xfrm>
+        <a:graphic>
+          <a:graphicData uri="http://schemas.openxmlformats.org/drawingml/2006/table">
+            <a:tbl>
+              <a:tblPr firstRow="1" bandRow="1">
+                <a:tableStyleId>{93296810-A885-4BE3-A3E7-6D5BEEA58F35}</a:tableStyleId>
+              </a:tblPr>
+              <a:tblGrid>
+                <a:gridCol w="11965278">
+                  <a:extLst>
+                    <a:ext uri="{9D8B030D-6E8A-4147-A177-3AD203B41FA5}">
+                      <a16:colId xmlns:a16="http://schemas.microsoft.com/office/drawing/2014/main" val="3670719474"/>
+                    </a:ext>
+                  </a:extLst>
+                </a:gridCol>
+              </a:tblGrid>
+              <a:tr h="474731">
+                <a:tc>
+                  <a:txBody>
+                    <a:bodyPr/>
+                    <a:lstStyle/>
+                    <a:p>
+                      <a:pPr marL="0" marR="0" lvl="0" indent="0" algn="l" defTabSz="914400" rtl="0" eaLnBrk="1" fontAlgn="auto" latinLnBrk="0" hangingPunct="1">
+                        <a:lnSpc>
+                          <a:spcPct val="100000"/>
+                        </a:lnSpc>
+                        <a:spcBef>
+                          <a:spcPts val="0"/>
+                        </a:spcBef>
+                        <a:spcAft>
+                          <a:spcPts val="0"/>
+                        </a:spcAft>
+                        <a:buClrTx/>
+                        <a:buSzTx/>
+                        <a:buFontTx/>
+                        <a:buNone/>
+                        <a:tabLst/>
+                        <a:defRPr/>
+                      </a:pPr>
+                      <a:r>
+                        <a:rPr lang="en-US" dirty="0"/>
+                        <a:t>$$$                                                                                                                                            Users        Organizations          </a:t>
+                      </a:r>
+                      <a:r>
+                        <a:rPr lang="en-US" u="none" dirty="0"/>
+                        <a:t>Logout</a:t>
+                      </a:r>
+                      <a:endParaRPr lang="en-US" dirty="0"/>
+                    </a:p>
+                  </a:txBody>
+                  <a:tcPr/>
+                </a:tc>
+                <a:extLst>
+                  <a:ext uri="{0D108BD9-81ED-4DB2-BD59-A6C34878D82A}">
+                    <a16:rowId xmlns:a16="http://schemas.microsoft.com/office/drawing/2014/main" val="2056826157"/>
+                  </a:ext>
+                </a:extLst>
+              </a:tr>
+              <a:tr h="5629074">
+                <a:tc>
+                  <a:txBody>
+                    <a:bodyPr/>
+                    <a:lstStyle/>
+                    <a:p>
+                      <a:pPr marL="0" marR="0" lvl="0" indent="0" algn="l" defTabSz="914400" rtl="0" eaLnBrk="1" fontAlgn="auto" latinLnBrk="0" hangingPunct="1">
+                        <a:lnSpc>
+                          <a:spcPct val="100000"/>
+                        </a:lnSpc>
+                        <a:spcBef>
+                          <a:spcPts val="0"/>
+                        </a:spcBef>
+                        <a:spcAft>
+                          <a:spcPts val="0"/>
+                        </a:spcAft>
+                        <a:buClrTx/>
+                        <a:buSzTx/>
+                        <a:buFontTx/>
+                        <a:buNone/>
+                        <a:tabLst/>
+                        <a:defRPr/>
+                      </a:pPr>
+                      <a:endParaRPr lang="en-US" dirty="0"/>
+                    </a:p>
+                  </a:txBody>
+                  <a:tcPr/>
+                </a:tc>
+                <a:extLst>
+                  <a:ext uri="{0D108BD9-81ED-4DB2-BD59-A6C34878D82A}">
+                    <a16:rowId xmlns:a16="http://schemas.microsoft.com/office/drawing/2014/main" val="4207245423"/>
+                  </a:ext>
+                </a:extLst>
+              </a:tr>
+            </a:tbl>
+          </a:graphicData>
+        </a:graphic>
+      </p:graphicFrame>
+      <p:sp>
+        <p:nvSpPr>
+          <p:cNvPr id="5" name="Rectangle 4">
+            <a:hlinkClick r:id="rId2" action="ppaction://hlinksldjump"/>
+            <a:extLst>
+              <a:ext uri="{FF2B5EF4-FFF2-40B4-BE49-F238E27FC236}">
+                <a16:creationId xmlns:a16="http://schemas.microsoft.com/office/drawing/2014/main" id="{E4553F8D-A876-4ED3-B13B-DC89105680E7}"/>
+              </a:ext>
+            </a:extLst>
+          </p:cNvPr>
+          <p:cNvSpPr/>
+          <p:nvPr/>
+        </p:nvSpPr>
+        <p:spPr>
+          <a:xfrm>
+            <a:off x="119241" y="574608"/>
+            <a:ext cx="521622" cy="406400"/>
+          </a:xfrm>
+          <a:prstGeom prst="rect">
+            <a:avLst/>
+          </a:prstGeom>
+          <a:noFill/>
+          <a:ln>
+            <a:solidFill>
+              <a:schemeClr val="accent6"/>
+            </a:solidFill>
+          </a:ln>
+        </p:spPr>
+        <p:style>
+          <a:lnRef idx="2">
+            <a:schemeClr val="accent1">
+              <a:shade val="50000"/>
+            </a:schemeClr>
+          </a:lnRef>
+          <a:fillRef idx="1">
+            <a:schemeClr val="accent1"/>
+          </a:fillRef>
+          <a:effectRef idx="0">
+            <a:schemeClr val="accent1"/>
+          </a:effectRef>
+          <a:fontRef idx="minor">
+            <a:schemeClr val="lt1"/>
+          </a:fontRef>
+        </p:style>
+        <p:txBody>
+          <a:bodyPr rtlCol="0" anchor="ctr"/>
+          <a:lstStyle/>
+          <a:p>
+            <a:pPr algn="ctr"/>
+            <a:endParaRPr lang="en-US"/>
+          </a:p>
+        </p:txBody>
+      </p:sp>
+      <p:sp>
+        <p:nvSpPr>
+          <p:cNvPr id="6" name="Rectangle 5">
+            <a:hlinkClick r:id="rId3" action="ppaction://hlinksldjump"/>
+            <a:extLst>
+              <a:ext uri="{FF2B5EF4-FFF2-40B4-BE49-F238E27FC236}">
+                <a16:creationId xmlns:a16="http://schemas.microsoft.com/office/drawing/2014/main" id="{5B18DF0C-1B5C-40A0-B149-DE686C466F54}"/>
+              </a:ext>
+            </a:extLst>
+          </p:cNvPr>
+          <p:cNvSpPr/>
+          <p:nvPr/>
+        </p:nvSpPr>
+        <p:spPr>
+          <a:xfrm>
+            <a:off x="8828546" y="562927"/>
+            <a:ext cx="1456500" cy="406400"/>
+          </a:xfrm>
+          <a:prstGeom prst="rect">
+            <a:avLst/>
+          </a:prstGeom>
+          <a:noFill/>
+          <a:ln>
+            <a:solidFill>
+              <a:schemeClr val="accent6"/>
+            </a:solidFill>
+          </a:ln>
+        </p:spPr>
+        <p:style>
+          <a:lnRef idx="2">
+            <a:schemeClr val="accent1">
+              <a:shade val="50000"/>
+            </a:schemeClr>
+          </a:lnRef>
+          <a:fillRef idx="1">
+            <a:schemeClr val="accent1"/>
+          </a:fillRef>
+          <a:effectRef idx="0">
+            <a:schemeClr val="accent1"/>
+          </a:effectRef>
+          <a:fontRef idx="minor">
+            <a:schemeClr val="lt1"/>
+          </a:fontRef>
+        </p:style>
+        <p:txBody>
+          <a:bodyPr rtlCol="0" anchor="ctr"/>
+          <a:lstStyle/>
+          <a:p>
+            <a:pPr algn="ctr"/>
+            <a:endParaRPr lang="en-US"/>
+          </a:p>
+        </p:txBody>
+      </p:sp>
+      <p:sp>
+        <p:nvSpPr>
+          <p:cNvPr id="7" name="Rectangle 6">
+            <a:hlinkClick r:id="rId4" action="ppaction://hlinksldjump"/>
+            <a:extLst>
+              <a:ext uri="{FF2B5EF4-FFF2-40B4-BE49-F238E27FC236}">
+                <a16:creationId xmlns:a16="http://schemas.microsoft.com/office/drawing/2014/main" id="{384FB2AE-023A-4515-8899-64685061FE1C}"/>
+              </a:ext>
+            </a:extLst>
+          </p:cNvPr>
+          <p:cNvSpPr/>
+          <p:nvPr/>
+        </p:nvSpPr>
+        <p:spPr>
+          <a:xfrm>
+            <a:off x="7894608" y="562928"/>
+            <a:ext cx="629137" cy="406400"/>
+          </a:xfrm>
+          <a:prstGeom prst="rect">
+            <a:avLst/>
+          </a:prstGeom>
+          <a:noFill/>
+          <a:ln>
+            <a:solidFill>
+              <a:schemeClr val="accent6"/>
+            </a:solidFill>
+          </a:ln>
+        </p:spPr>
+        <p:style>
+          <a:lnRef idx="2">
+            <a:schemeClr val="accent1">
+              <a:shade val="50000"/>
+            </a:schemeClr>
+          </a:lnRef>
+          <a:fillRef idx="1">
+            <a:schemeClr val="accent1"/>
+          </a:fillRef>
+          <a:effectRef idx="0">
+            <a:schemeClr val="accent1"/>
+          </a:effectRef>
+          <a:fontRef idx="minor">
+            <a:schemeClr val="lt1"/>
+          </a:fontRef>
+        </p:style>
+        <p:txBody>
+          <a:bodyPr rtlCol="0" anchor="ctr"/>
+          <a:lstStyle/>
+          <a:p>
+            <a:pPr algn="ctr"/>
+            <a:endParaRPr lang="en-US"/>
+          </a:p>
+        </p:txBody>
+      </p:sp>
+      <p:sp>
+        <p:nvSpPr>
+          <p:cNvPr id="8" name="Rectangle 7">
+            <a:hlinkClick r:id="rId2" action="ppaction://hlinksldjump"/>
+            <a:extLst>
+              <a:ext uri="{FF2B5EF4-FFF2-40B4-BE49-F238E27FC236}">
+                <a16:creationId xmlns:a16="http://schemas.microsoft.com/office/drawing/2014/main" id="{CF5F1FD2-1D09-4201-A5AD-413CA31DB1C2}"/>
+              </a:ext>
+            </a:extLst>
+          </p:cNvPr>
+          <p:cNvSpPr/>
+          <p:nvPr/>
+        </p:nvSpPr>
+        <p:spPr>
+          <a:xfrm>
+            <a:off x="10589847" y="562922"/>
+            <a:ext cx="769815" cy="406400"/>
+          </a:xfrm>
+          <a:prstGeom prst="rect">
+            <a:avLst/>
+          </a:prstGeom>
+          <a:noFill/>
+          <a:ln>
+            <a:solidFill>
+              <a:schemeClr val="accent6"/>
+            </a:solidFill>
+          </a:ln>
+        </p:spPr>
+        <p:style>
+          <a:lnRef idx="2">
+            <a:schemeClr val="accent1">
+              <a:shade val="50000"/>
+            </a:schemeClr>
+          </a:lnRef>
+          <a:fillRef idx="1">
+            <a:schemeClr val="accent1"/>
+          </a:fillRef>
+          <a:effectRef idx="0">
+            <a:schemeClr val="accent1"/>
+          </a:effectRef>
+          <a:fontRef idx="minor">
+            <a:schemeClr val="lt1"/>
+          </a:fontRef>
+        </p:style>
+        <p:txBody>
+          <a:bodyPr rtlCol="0" anchor="ctr"/>
+          <a:lstStyle/>
+          <a:p>
+            <a:pPr algn="ctr"/>
+            <a:endParaRPr lang="en-US"/>
+          </a:p>
+        </p:txBody>
+      </p:sp>
+      <p:sp>
+        <p:nvSpPr>
+          <p:cNvPr id="9" name="TextBox 8">
+            <a:extLst>
+              <a:ext uri="{FF2B5EF4-FFF2-40B4-BE49-F238E27FC236}">
+                <a16:creationId xmlns:a16="http://schemas.microsoft.com/office/drawing/2014/main" id="{EF30373F-9E5A-47A5-A126-59E7CB38B3DA}"/>
+              </a:ext>
+            </a:extLst>
+          </p:cNvPr>
+          <p:cNvSpPr txBox="1"/>
+          <p:nvPr/>
+        </p:nvSpPr>
+        <p:spPr>
+          <a:xfrm>
+            <a:off x="1123545" y="1451896"/>
+            <a:ext cx="1426757" cy="369332"/>
+          </a:xfrm>
+          <a:prstGeom prst="rect">
+            <a:avLst/>
+          </a:prstGeom>
+          <a:noFill/>
+        </p:spPr>
+        <p:txBody>
+          <a:bodyPr wrap="square" rtlCol="0">
+            <a:spAutoFit/>
+          </a:bodyPr>
+          <a:lstStyle/>
+          <a:p>
+            <a:r>
+              <a:rPr lang="en-US" dirty="0"/>
+              <a:t>Artifact Type:</a:t>
+            </a:r>
+          </a:p>
+        </p:txBody>
+      </p:sp>
+      <p:sp>
+        <p:nvSpPr>
+          <p:cNvPr id="12" name="TextBox 11">
+            <a:extLst>
+              <a:ext uri="{FF2B5EF4-FFF2-40B4-BE49-F238E27FC236}">
+                <a16:creationId xmlns:a16="http://schemas.microsoft.com/office/drawing/2014/main" id="{5CAB4964-9569-479A-8F30-749D4BB77203}"/>
+              </a:ext>
+            </a:extLst>
+          </p:cNvPr>
+          <p:cNvSpPr txBox="1"/>
+          <p:nvPr/>
+        </p:nvSpPr>
+        <p:spPr>
+          <a:xfrm>
+            <a:off x="8111212" y="1453239"/>
+            <a:ext cx="1258678" cy="369332"/>
+          </a:xfrm>
+          <a:prstGeom prst="rect">
+            <a:avLst/>
+          </a:prstGeom>
+          <a:noFill/>
+        </p:spPr>
+        <p:txBody>
+          <a:bodyPr wrap="none" rtlCol="0">
+            <a:spAutoFit/>
+          </a:bodyPr>
+          <a:lstStyle/>
+          <a:p>
+            <a:r>
+              <a:rPr lang="en-US" u="sng" dirty="0">
+                <a:solidFill>
+                  <a:schemeClr val="accent5"/>
+                </a:solidFill>
+              </a:rPr>
+              <a:t>Choose File</a:t>
+            </a:r>
+            <a:endParaRPr lang="en-US" dirty="0"/>
+          </a:p>
+        </p:txBody>
+      </p:sp>
+      <p:sp>
+        <p:nvSpPr>
+          <p:cNvPr id="2" name="Rectangle 1">
+            <a:extLst>
+              <a:ext uri="{FF2B5EF4-FFF2-40B4-BE49-F238E27FC236}">
+                <a16:creationId xmlns:a16="http://schemas.microsoft.com/office/drawing/2014/main" id="{905F1134-BD45-4FB4-BCC4-2AEEC812CB71}"/>
+              </a:ext>
+            </a:extLst>
+          </p:cNvPr>
+          <p:cNvSpPr/>
+          <p:nvPr/>
+        </p:nvSpPr>
+        <p:spPr>
+          <a:xfrm>
+            <a:off x="6375315" y="1481495"/>
+            <a:ext cx="1698642" cy="312821"/>
+          </a:xfrm>
+          <a:prstGeom prst="rect">
+            <a:avLst/>
+          </a:prstGeom>
+        </p:spPr>
+        <p:style>
+          <a:lnRef idx="2">
+            <a:schemeClr val="accent6"/>
+          </a:lnRef>
+          <a:fillRef idx="1">
+            <a:schemeClr val="lt1"/>
+          </a:fillRef>
+          <a:effectRef idx="0">
+            <a:schemeClr val="accent6"/>
+          </a:effectRef>
+          <a:fontRef idx="minor">
+            <a:schemeClr val="dk1"/>
+          </a:fontRef>
+        </p:style>
+        <p:txBody>
+          <a:bodyPr rtlCol="0" anchor="ctr"/>
+          <a:lstStyle/>
+          <a:p>
+            <a:pPr algn="ctr"/>
+            <a:endParaRPr lang="en-US" dirty="0"/>
+          </a:p>
+        </p:txBody>
+      </p:sp>
+      <p:sp>
+        <p:nvSpPr>
+          <p:cNvPr id="19" name="Rectangle 18">
+            <a:hlinkClick r:id="rId5" action="ppaction://hlinksldjump"/>
+            <a:extLst>
+              <a:ext uri="{FF2B5EF4-FFF2-40B4-BE49-F238E27FC236}">
+                <a16:creationId xmlns:a16="http://schemas.microsoft.com/office/drawing/2014/main" id="{40CC151F-E5F3-47CC-8023-3D5283A69626}"/>
+              </a:ext>
+            </a:extLst>
+          </p:cNvPr>
+          <p:cNvSpPr/>
+          <p:nvPr/>
+        </p:nvSpPr>
+        <p:spPr>
+          <a:xfrm>
+            <a:off x="9820020" y="1375995"/>
+            <a:ext cx="1960176" cy="424357"/>
+          </a:xfrm>
+          <a:prstGeom prst="rect">
+            <a:avLst/>
+          </a:prstGeom>
+        </p:spPr>
+        <p:style>
+          <a:lnRef idx="0">
+            <a:schemeClr val="accent6"/>
+          </a:lnRef>
+          <a:fillRef idx="3">
+            <a:schemeClr val="accent6"/>
+          </a:fillRef>
+          <a:effectRef idx="3">
+            <a:schemeClr val="accent6"/>
+          </a:effectRef>
+          <a:fontRef idx="minor">
+            <a:schemeClr val="lt1"/>
+          </a:fontRef>
+        </p:style>
+        <p:txBody>
+          <a:bodyPr rtlCol="0" anchor="ctr"/>
+          <a:lstStyle/>
+          <a:p>
+            <a:pPr algn="ctr"/>
+            <a:r>
+              <a:rPr lang="en-US" b="1" dirty="0"/>
+              <a:t>Upload Artifact</a:t>
+            </a:r>
+          </a:p>
+        </p:txBody>
+      </p:sp>
+      <p:sp>
+        <p:nvSpPr>
+          <p:cNvPr id="20" name="Rectangle 19">
+            <a:extLst>
+              <a:ext uri="{FF2B5EF4-FFF2-40B4-BE49-F238E27FC236}">
+                <a16:creationId xmlns:a16="http://schemas.microsoft.com/office/drawing/2014/main" id="{E98DD714-0680-4587-9938-A973FD2CF9B1}"/>
+              </a:ext>
+            </a:extLst>
+          </p:cNvPr>
+          <p:cNvSpPr/>
+          <p:nvPr/>
+        </p:nvSpPr>
+        <p:spPr>
+          <a:xfrm>
+            <a:off x="2587557" y="1481495"/>
+            <a:ext cx="3229129" cy="312821"/>
+          </a:xfrm>
+          <a:prstGeom prst="rect">
+            <a:avLst/>
+          </a:prstGeom>
+        </p:spPr>
+        <p:style>
+          <a:lnRef idx="2">
+            <a:schemeClr val="accent6"/>
+          </a:lnRef>
+          <a:fillRef idx="1">
+            <a:schemeClr val="lt1"/>
+          </a:fillRef>
+          <a:effectRef idx="0">
+            <a:schemeClr val="accent6"/>
+          </a:effectRef>
+          <a:fontRef idx="minor">
+            <a:schemeClr val="dk1"/>
+          </a:fontRef>
+        </p:style>
+        <p:txBody>
+          <a:bodyPr rtlCol="0" anchor="ctr"/>
+          <a:lstStyle/>
+          <a:p>
+            <a:pPr algn="ctr"/>
+            <a:endParaRPr lang="en-US" dirty="0"/>
+          </a:p>
+        </p:txBody>
+      </p:sp>
+      <p:sp>
+        <p:nvSpPr>
+          <p:cNvPr id="18" name="Isosceles Triangle 17">
+            <a:extLst>
+              <a:ext uri="{FF2B5EF4-FFF2-40B4-BE49-F238E27FC236}">
+                <a16:creationId xmlns:a16="http://schemas.microsoft.com/office/drawing/2014/main" id="{4D9BDC58-F5CC-4150-BE88-4866C8754FC9}"/>
+              </a:ext>
+            </a:extLst>
+          </p:cNvPr>
+          <p:cNvSpPr/>
+          <p:nvPr/>
+        </p:nvSpPr>
+        <p:spPr>
+          <a:xfrm rot="10800000">
+            <a:off x="5549630" y="1546581"/>
+            <a:ext cx="228600" cy="179962"/>
+          </a:xfrm>
+          <a:prstGeom prst="triangle">
+            <a:avLst/>
+          </a:prstGeom>
+          <a:solidFill>
+            <a:schemeClr val="accent6"/>
+          </a:solidFill>
+          <a:ln>
+            <a:noFill/>
+          </a:ln>
+        </p:spPr>
+        <p:style>
+          <a:lnRef idx="2">
+            <a:schemeClr val="accent1">
+              <a:shade val="50000"/>
+            </a:schemeClr>
+          </a:lnRef>
+          <a:fillRef idx="1">
+            <a:schemeClr val="accent1"/>
+          </a:fillRef>
+          <a:effectRef idx="0">
+            <a:schemeClr val="accent1"/>
+          </a:effectRef>
+          <a:fontRef idx="minor">
+            <a:schemeClr val="lt1"/>
+          </a:fontRef>
+        </p:style>
+        <p:txBody>
+          <a:bodyPr rtlCol="0" anchor="ctr"/>
+          <a:lstStyle/>
+          <a:p>
+            <a:pPr algn="ctr"/>
+            <a:endParaRPr lang="en-US"/>
+          </a:p>
+        </p:txBody>
+      </p:sp>
+      <p:sp>
+        <p:nvSpPr>
+          <p:cNvPr id="22" name="Rectangle 21">
+            <a:extLst>
+              <a:ext uri="{FF2B5EF4-FFF2-40B4-BE49-F238E27FC236}">
+                <a16:creationId xmlns:a16="http://schemas.microsoft.com/office/drawing/2014/main" id="{C5C9199D-176D-4B13-BF7C-CC270CF2EC9E}"/>
+              </a:ext>
+            </a:extLst>
+          </p:cNvPr>
+          <p:cNvSpPr/>
+          <p:nvPr/>
+        </p:nvSpPr>
+        <p:spPr>
+          <a:xfrm>
+            <a:off x="3753811" y="1791628"/>
+            <a:ext cx="2062875" cy="2310247"/>
+          </a:xfrm>
+          <a:prstGeom prst="rect">
+            <a:avLst/>
+          </a:prstGeom>
+        </p:spPr>
+        <p:style>
+          <a:lnRef idx="2">
+            <a:schemeClr val="accent6"/>
+          </a:lnRef>
+          <a:fillRef idx="1">
+            <a:schemeClr val="lt1"/>
+          </a:fillRef>
+          <a:effectRef idx="0">
+            <a:schemeClr val="accent6"/>
+          </a:effectRef>
+          <a:fontRef idx="minor">
+            <a:schemeClr val="dk1"/>
+          </a:fontRef>
+        </p:style>
+        <p:txBody>
+          <a:bodyPr rtlCol="0" anchor="t"/>
+          <a:lstStyle/>
+          <a:p>
+            <a:r>
+              <a:rPr lang="en-US" dirty="0"/>
+              <a:t>Photo Identification</a:t>
+            </a:r>
+          </a:p>
+          <a:p>
+            <a:r>
+              <a:rPr lang="en-US" dirty="0"/>
+              <a:t>Lease/Mortgage Document</a:t>
+            </a:r>
+          </a:p>
+          <a:p>
+            <a:r>
+              <a:rPr lang="en-US" dirty="0"/>
+              <a:t>Utility Bill</a:t>
+            </a:r>
+          </a:p>
+          <a:p>
+            <a:r>
+              <a:rPr lang="en-US" dirty="0"/>
+              <a:t>Medical Bill</a:t>
+            </a:r>
+          </a:p>
+          <a:p>
+            <a:r>
+              <a:rPr lang="en-US" dirty="0"/>
+              <a:t>Tuition Bill</a:t>
+            </a:r>
+          </a:p>
+          <a:p>
+            <a:r>
+              <a:rPr lang="en-US" dirty="0"/>
+              <a:t>Eviction Notice</a:t>
+            </a:r>
+          </a:p>
+          <a:p>
+            <a:r>
+              <a:rPr lang="en-US" dirty="0"/>
+              <a:t>Other</a:t>
+            </a:r>
+          </a:p>
+        </p:txBody>
+      </p:sp>
+      <p:graphicFrame>
+        <p:nvGraphicFramePr>
+          <p:cNvPr id="21" name="Table 22">
+            <a:extLst>
+              <a:ext uri="{FF2B5EF4-FFF2-40B4-BE49-F238E27FC236}">
+                <a16:creationId xmlns:a16="http://schemas.microsoft.com/office/drawing/2014/main" id="{7FB5F9E2-3100-431E-8D8C-AA74B91967F5}"/>
+              </a:ext>
+            </a:extLst>
+          </p:cNvPr>
+          <p:cNvGraphicFramePr>
+            <a:graphicFrameLocks noGrp="1"/>
+          </p:cNvGraphicFramePr>
+          <p:nvPr>
+            <p:extLst>
+              <p:ext uri="{D42A27DB-BD31-4B8C-83A1-F6EECF244321}">
+                <p14:modId xmlns:p14="http://schemas.microsoft.com/office/powerpoint/2010/main" val="1773183011"/>
+              </p:ext>
+            </p:extLst>
+          </p:nvPr>
+        </p:nvGraphicFramePr>
+        <p:xfrm>
+          <a:off x="834002" y="4552924"/>
+          <a:ext cx="10946199" cy="1112520"/>
+        </p:xfrm>
+        <a:graphic>
+          <a:graphicData uri="http://schemas.openxmlformats.org/drawingml/2006/table">
+            <a:tbl>
+              <a:tblPr firstRow="1" bandRow="1">
+                <a:tableStyleId>{93296810-A885-4BE3-A3E7-6D5BEEA58F35}</a:tableStyleId>
+              </a:tblPr>
+              <a:tblGrid>
+                <a:gridCol w="1083479">
+                  <a:extLst>
+                    <a:ext uri="{9D8B030D-6E8A-4147-A177-3AD203B41FA5}">
+                      <a16:colId xmlns:a16="http://schemas.microsoft.com/office/drawing/2014/main" val="508749369"/>
+                    </a:ext>
+                  </a:extLst>
+                </a:gridCol>
+                <a:gridCol w="2465680">
+                  <a:extLst>
+                    <a:ext uri="{9D8B030D-6E8A-4147-A177-3AD203B41FA5}">
+                      <a16:colId xmlns:a16="http://schemas.microsoft.com/office/drawing/2014/main" val="1763228366"/>
+                    </a:ext>
+                  </a:extLst>
+                </a:gridCol>
+                <a:gridCol w="2465680">
+                  <a:extLst>
+                    <a:ext uri="{9D8B030D-6E8A-4147-A177-3AD203B41FA5}">
+                      <a16:colId xmlns:a16="http://schemas.microsoft.com/office/drawing/2014/main" val="3169779131"/>
+                    </a:ext>
+                  </a:extLst>
+                </a:gridCol>
+                <a:gridCol w="2465680">
+                  <a:extLst>
+                    <a:ext uri="{9D8B030D-6E8A-4147-A177-3AD203B41FA5}">
+                      <a16:colId xmlns:a16="http://schemas.microsoft.com/office/drawing/2014/main" val="2032974796"/>
+                    </a:ext>
+                  </a:extLst>
+                </a:gridCol>
+                <a:gridCol w="2465680">
+                  <a:extLst>
+                    <a:ext uri="{9D8B030D-6E8A-4147-A177-3AD203B41FA5}">
+                      <a16:colId xmlns:a16="http://schemas.microsoft.com/office/drawing/2014/main" val="923384235"/>
+                    </a:ext>
+                  </a:extLst>
+                </a:gridCol>
+              </a:tblGrid>
+              <a:tr h="370840">
+                <a:tc>
+                  <a:txBody>
+                    <a:bodyPr/>
+                    <a:lstStyle/>
+                    <a:p>
+                      <a:r>
+                        <a:rPr lang="en-US" dirty="0"/>
+                        <a:t>#</a:t>
+                      </a:r>
+                    </a:p>
+                  </a:txBody>
+                  <a:tcPr/>
+                </a:tc>
+                <a:tc>
+                  <a:txBody>
+                    <a:bodyPr/>
+                    <a:lstStyle/>
+                    <a:p>
+                      <a:r>
+                        <a:rPr lang="en-US" dirty="0"/>
+                        <a:t>Artifact Type</a:t>
+                      </a:r>
+                    </a:p>
+                  </a:txBody>
+                  <a:tcPr/>
+                </a:tc>
+                <a:tc>
+                  <a:txBody>
+                    <a:bodyPr/>
+                    <a:lstStyle/>
+                    <a:p>
+                      <a:r>
+                        <a:rPr lang="en-US" dirty="0"/>
+                        <a:t>Filename</a:t>
+                      </a:r>
+                    </a:p>
+                  </a:txBody>
+                  <a:tcPr/>
+                </a:tc>
+                <a:tc>
+                  <a:txBody>
+                    <a:bodyPr/>
+                    <a:lstStyle/>
+                    <a:p>
+                      <a:r>
+                        <a:rPr lang="en-US" dirty="0"/>
+                        <a:t>Content Type</a:t>
+                      </a:r>
+                    </a:p>
+                  </a:txBody>
+                  <a:tcPr/>
+                </a:tc>
+                <a:tc>
+                  <a:txBody>
+                    <a:bodyPr/>
+                    <a:lstStyle/>
+                    <a:p>
+                      <a:pPr algn="ctr"/>
+                      <a:r>
+                        <a:rPr lang="en-US" dirty="0"/>
+                        <a:t>Delete</a:t>
+                      </a:r>
+                    </a:p>
+                  </a:txBody>
+                  <a:tcPr/>
+                </a:tc>
+                <a:extLst>
+                  <a:ext uri="{0D108BD9-81ED-4DB2-BD59-A6C34878D82A}">
+                    <a16:rowId xmlns:a16="http://schemas.microsoft.com/office/drawing/2014/main" val="1138426943"/>
+                  </a:ext>
+                </a:extLst>
+              </a:tr>
+              <a:tr h="370840">
+                <a:tc>
+                  <a:txBody>
+                    <a:bodyPr/>
+                    <a:lstStyle/>
+                    <a:p>
+                      <a:r>
+                        <a:rPr lang="en-US" dirty="0"/>
+                        <a:t>0006</a:t>
+                      </a:r>
+                    </a:p>
+                  </a:txBody>
+                  <a:tcPr/>
+                </a:tc>
+                <a:tc>
+                  <a:txBody>
+                    <a:bodyPr/>
+                    <a:lstStyle/>
+                    <a:p>
+                      <a:r>
+                        <a:rPr lang="en-US" dirty="0"/>
+                        <a:t>Photo Identification</a:t>
+                      </a:r>
+                    </a:p>
+                  </a:txBody>
+                  <a:tcPr/>
+                </a:tc>
+                <a:tc>
+                  <a:txBody>
+                    <a:bodyPr/>
+                    <a:lstStyle/>
+                    <a:p>
+                      <a:r>
+                        <a:rPr lang="en-US" dirty="0"/>
+                        <a:t>Eiad.jpg</a:t>
+                      </a:r>
+                    </a:p>
+                  </a:txBody>
+                  <a:tcPr/>
+                </a:tc>
+                <a:tc>
+                  <a:txBody>
+                    <a:bodyPr/>
+                    <a:lstStyle/>
+                    <a:p>
+                      <a:r>
+                        <a:rPr lang="en-US" dirty="0"/>
+                        <a:t>Image</a:t>
+                      </a:r>
+                      <a:r>
+                        <a:rPr lang="en-US"/>
+                        <a:t>/jpg</a:t>
+                      </a:r>
+                      <a:endParaRPr lang="en-US" dirty="0"/>
+                    </a:p>
+                  </a:txBody>
+                  <a:tcPr/>
+                </a:tc>
+                <a:tc>
+                  <a:txBody>
+                    <a:bodyPr/>
+                    <a:lstStyle/>
+                    <a:p>
+                      <a:pPr algn="ctr"/>
+                      <a:r>
+                        <a:rPr lang="en-US" b="1" dirty="0">
+                          <a:solidFill>
+                            <a:srgbClr val="FF0000"/>
+                          </a:solidFill>
+                        </a:rPr>
+                        <a:t>X</a:t>
+                      </a:r>
+                    </a:p>
+                  </a:txBody>
+                  <a:tcPr/>
+                </a:tc>
+                <a:extLst>
+                  <a:ext uri="{0D108BD9-81ED-4DB2-BD59-A6C34878D82A}">
+                    <a16:rowId xmlns:a16="http://schemas.microsoft.com/office/drawing/2014/main" val="4218293730"/>
+                  </a:ext>
+                </a:extLst>
+              </a:tr>
+              <a:tr h="370840">
+                <a:tc>
+                  <a:txBody>
+                    <a:bodyPr/>
+                    <a:lstStyle/>
+                    <a:p>
+                      <a:r>
+                        <a:rPr lang="en-US" dirty="0"/>
+                        <a:t>0007</a:t>
+                      </a:r>
+                    </a:p>
+                  </a:txBody>
+                  <a:tcPr/>
+                </a:tc>
+                <a:tc>
+                  <a:txBody>
+                    <a:bodyPr/>
+                    <a:lstStyle/>
+                    <a:p>
+                      <a:r>
+                        <a:rPr lang="en-US" dirty="0"/>
+                        <a:t>Medical Bill</a:t>
+                      </a:r>
+                    </a:p>
+                  </a:txBody>
+                  <a:tcPr/>
+                </a:tc>
+                <a:tc>
+                  <a:txBody>
+                    <a:bodyPr/>
+                    <a:lstStyle/>
+                    <a:p>
+                      <a:r>
+                        <a:rPr lang="en-US" dirty="0"/>
+                        <a:t>Doctors Hospital Bill.pdf</a:t>
+                      </a:r>
+                    </a:p>
+                  </a:txBody>
+                  <a:tcPr/>
+                </a:tc>
+                <a:tc>
+                  <a:txBody>
+                    <a:bodyPr/>
+                    <a:lstStyle/>
+                    <a:p>
+                      <a:r>
+                        <a:rPr lang="en-US" dirty="0"/>
+                        <a:t>Document/pdf</a:t>
+                      </a:r>
+                    </a:p>
+                  </a:txBody>
+                  <a:tcPr/>
+                </a:tc>
+                <a:tc>
+                  <a:txBody>
+                    <a:bodyPr/>
+                    <a:lstStyle/>
+                    <a:p>
+                      <a:pPr algn="ctr"/>
+                      <a:r>
+                        <a:rPr lang="en-US" b="1" dirty="0">
+                          <a:solidFill>
+                            <a:srgbClr val="FF0000"/>
+                          </a:solidFill>
+                        </a:rPr>
+                        <a:t>X</a:t>
+                      </a:r>
+                    </a:p>
+                  </a:txBody>
+                  <a:tcPr/>
+                </a:tc>
+                <a:extLst>
+                  <a:ext uri="{0D108BD9-81ED-4DB2-BD59-A6C34878D82A}">
+                    <a16:rowId xmlns:a16="http://schemas.microsoft.com/office/drawing/2014/main" val="2978313922"/>
+                  </a:ext>
+                </a:extLst>
+              </a:tr>
+            </a:tbl>
+          </a:graphicData>
+        </a:graphic>
+      </p:graphicFrame>
+      <p:sp>
+        <p:nvSpPr>
+          <p:cNvPr id="25" name="TextBox 24">
+            <a:extLst>
+              <a:ext uri="{FF2B5EF4-FFF2-40B4-BE49-F238E27FC236}">
+                <a16:creationId xmlns:a16="http://schemas.microsoft.com/office/drawing/2014/main" id="{85CAA758-D405-4665-9FB3-37BB3311B9A6}"/>
+              </a:ext>
+            </a:extLst>
+          </p:cNvPr>
+          <p:cNvSpPr txBox="1"/>
+          <p:nvPr/>
+        </p:nvSpPr>
+        <p:spPr>
+          <a:xfrm>
+            <a:off x="772405" y="4119432"/>
+            <a:ext cx="7053497" cy="369332"/>
+          </a:xfrm>
+          <a:prstGeom prst="rect">
+            <a:avLst/>
+          </a:prstGeom>
+          <a:noFill/>
+        </p:spPr>
+        <p:txBody>
+          <a:bodyPr wrap="square" rtlCol="0">
+            <a:spAutoFit/>
+          </a:bodyPr>
+          <a:lstStyle/>
+          <a:p>
+            <a:r>
+              <a:rPr lang="en-US" b="1" dirty="0"/>
+              <a:t>Your Current List of Artifacts For This Application Are Shown Below:</a:t>
+            </a:r>
+            <a:endParaRPr lang="en-US" dirty="0"/>
+          </a:p>
+        </p:txBody>
+      </p:sp>
+    </p:spTree>
+    <p:extLst>
+      <p:ext uri="{BB962C8B-B14F-4D97-AF65-F5344CB8AC3E}">
+        <p14:creationId xmlns:p14="http://schemas.microsoft.com/office/powerpoint/2010/main" val="3590082790"/>
+      </p:ext>
+    </p:extLst>
+  </p:cSld>
+  <p:clrMapOvr>
+    <a:masterClrMapping/>
+  </p:clrMapOvr>
+</p:sld>
+</file>
+
 <file path=ppt/slides/slide2.xml><?xml version="1.0" encoding="utf-8"?>
 <p:sld xmlns:a="http://schemas.openxmlformats.org/drawingml/2006/main" xmlns:r="http://schemas.openxmlformats.org/officeDocument/2006/relationships" xmlns:p="http://schemas.openxmlformats.org/presentationml/2006/main">
   <p:cSld>

--- a/zakat.icclmd.team/zakat.icclmd.org.pptx
+++ b/zakat.icclmd.team/zakat.icclmd.org.pptx
@@ -21,6 +21,7 @@
     <p:sldId id="271" r:id="rId15"/>
     <p:sldId id="272" r:id="rId16"/>
     <p:sldId id="275" r:id="rId17"/>
+    <p:sldId id="276" r:id="rId18"/>
   </p:sldIdLst>
   <p:sldSz cx="12192000" cy="6858000"/>
   <p:notesSz cx="6858000" cy="9144000"/>
@@ -138,6 +139,387 @@
 </p:presentation>
 </file>
 
+<file path=ppt/ink/ink1.xml><?xml version="1.0" encoding="utf-8"?>
+<inkml:ink xmlns:inkml="http://www.w3.org/2003/InkML">
+  <inkml:definitions>
+    <inkml:context xml:id="ctx0">
+      <inkml:inkSource xml:id="inkSrc0">
+        <inkml:traceFormat>
+          <inkml:channel name="X" type="integer" min="-2.14748E9" max="2.14748E9" units="cm"/>
+          <inkml:channel name="Y" type="integer" min="-2.14748E9" max="2.14748E9" units="cm"/>
+          <inkml:channel name="F" type="integer" max="32767" units="dev"/>
+        </inkml:traceFormat>
+        <inkml:channelProperties>
+          <inkml:channelProperty channel="X" name="resolution" value="1000" units="1/cm"/>
+          <inkml:channelProperty channel="Y" name="resolution" value="1000" units="1/cm"/>
+          <inkml:channelProperty channel="F" name="resolution" value="0" units="1/dev"/>
+        </inkml:channelProperties>
+      </inkml:inkSource>
+      <inkml:timestamp xml:id="ts0" timeString="2020-05-09T21:07:37.890"/>
+    </inkml:context>
+    <inkml:brush xml:id="br0">
+      <inkml:brushProperty name="width" value="0.05" units="cm"/>
+      <inkml:brushProperty name="height" value="0.05" units="cm"/>
+    </inkml:brush>
+  </inkml:definitions>
+  <inkml:trace contextRef="#ctx0" brushRef="#br0">45 453 2304,'-9'-1'1384,"9"0"-1355,-1 1 0,1 0 0,-1 0 0,1 0 0,-1-1 1,0 1-1,1 0 0,-1 0 0,1 0 0,-1 0 0,1 0 0,-1 0 0,1 0 0,-1 0 1,0 0-1,1 0 0,-1 1 0,1-1 0,-1 0 0,1 0 0,-1 0 0,1 1 1,-1-1-1,1 0 0,-1 1 0,1-1 0,-1 0 0,1 1 0,0-1 0,-1 0 0,1 1 1,0-1-1,-1 1 0,1-1 0,0 1 0,-1-1 0,1 1 0,0-1 0,0 1 0,0-1 1,-1 1-1,1-1 0,0 1 0,0 0 0,0-1 0,0 1 0,0-1 0,0 1 1,0 0-30,-4 34-129,-1 32 129,1 2 17,1-38 16,2 0 1,1 1 0,2-1-34,-2-28-6,1 1 1,-1-1-1,1 0 0,0 1 1,0-1-1,0 0 0,0 1 1,1-1-1,-1 0 1,1 0-1,0 0 0,0 0 1,0-1-1,0 1 0,1 0 1,-1-1-1,1 0 1,0 2 5,7 3-14,-7-4 14,0 0 0,0-1 0,1 1-1,0-1 1,-1 0 0,1 0 0,0 0-1,0 0 1,0 0 0,0-1 0,0 0 0,4 1 0,34 4-12,74 8-55,-97-13 70,0-1 0,0-1 0,0 0 0,0-1 0,2-2-3,-19 4 10,0 0-1,0-1 1,1 1 0,-1-1 0,0 0 0,0 1 0,0-1 0,0 0 0,0 0 0,-1 0 0,1-1 0,0 1 0,1-1-10,-3 1-2,1 0-1,0-1 0,-1 1 1,1-1-1,-1 1 1,1 0-1,-1-1 0,0 1 1,0-1-1,0 1 0,1-1 1,-1 1-1,0-1 1,-1 1-1,1 0 0,0-1 1,0 1-1,-1-1 1,1 0 2,-8-49 1281,-1-46-1281,4 40 190,2-1 84,3 39-146,-1 0 0,-1 1 0,0-1-1,-2 0 1,0 1 0,-1-1-1,-2-2-127,7 20 14,-1-1 0,0 0 0,1 0 1,-1 0-1,0 0 0,0 1 0,-1-1 0,1 0 0,0 1 0,0-1 0,-2 0-14,2 1 26,-1 0 1,0 1 0,0-1-1,0 1 1,0-1 0,0 1 0,0 0-1,0-1 1,0 1 0,1 0-1,-1 0 1,-1 1-27,1-1 18,-54 0 98,-22 4-116,59-2 16,1 1 0,-1 1 0,1 0 0,0 2 0,0 0-1,0 1-15,17-7-30,-15 6-50,16-6 41,-1 1 1,1-1-1,0 0 0,0 0 1,-1 0-1,1 0 0,0 0 1,0 0-1,0 1 0,-1-1 0,1 0 1,0 0-1,0 0 0,-1 0 1,1 0-1,0 0 0,-1 0 1,1 0-1,0 0 0,0 0 0,-1 0 1,1 0-1,0 0 0,0-1 1,-1 1-1,1 0 0,0 0 1,0 0-1,0 0 0,-1 0 0,1 0 1,0-1-1,0 1 0,0 0 1,-1 0-1,1 0 0,0-1 1,0 1-1,0 0 0,0 0 0,-1 0 1,1-1-1,0 1 0,0 0 1,0 0-1,0-1 0,0 1 1,0 0-1,0 0 0,0-1 1,0 1-1,0 0 39,3-9-1872</inkml:trace>
+  <inkml:trace contextRef="#ctx0" brushRef="#br0" timeOffset="2.033">869 430 2560,'0'-8'1056,"0"9"-832,-2-2 160,2 1 0,0 0-160,0 0 32,0 0-32,0 0 96,0 0-160,0 1-32</inkml:trace>
+  <inkml:trace contextRef="#ctx0" brushRef="#br0" timeOffset="3.033">867 433 6048,'9'158'667,"-3"-80"-1457,-3 0-4047,-3-82 4101</inkml:trace>
+  <inkml:trace contextRef="#ctx0" brushRef="#br0" timeOffset="4.033">795 346 3072,'2'2'215,"0"0"1,1 1-1,-1-1 0,1 0 1,0 0-1,0 0 0,0-1 1,1 1-216,1-1-10,0 0 0,0-1 0,0 1 0,1-1 0,-1-1 1,0 1-1,0-1 0,0 0 0,0 0 0,4-1 10,21-4-339,8-2-1543,-17 3 506,-9 2 789</inkml:trace>
+  <inkml:trace contextRef="#ctx0" brushRef="#br0" timeOffset="5.033">843 727 2176,'8'-2'864,"-6"2"-672,4 2-32,-1-2-32,0 0 32,2 0 128,2 0 0,0 0 64,4-2-128,0-1 32,5 1-160,3-2 0,7-1-96,5 0-96,1 1 64,-3 0 64,-4 1-992,-1 1-448</inkml:trace>
+  <inkml:trace contextRef="#ctx0" brushRef="#br0" timeOffset="6.033">1293 462 2304,'-1'5'184,"0"-1"1,1 1 0,-1-1-1,1 1 1,1-1-1,-1 1 1,1-1-1,-1 0 1,2 4-185,1 13 104,-1 25 718,-3 0-1,-1 2-821,-1-31 394,5-78 6,0 43-298,4-23 360,-6 39-447,1 0-1,-1 0 1,1 0 0,0 0 0,-1 0 0,1 0-1,0 0 1,0 0 0,1 1 0,-1-1 0,0 0-1,1 1 1,-1-1 0,0 1 0,1-1-1,0 1-14,-1 1-1,0-1-1,0 1 0,0 0 0,0 0 0,0 0 0,-1 0 1,1 1-1,0-1 0,0 0 0,0 0 0,0 1 0,0-1 0,0 0 1,0 1-1,0-1 0,-1 1 0,1-1 0,0 1 0,0 0 2,20 13-104,-17-11 110,18 14-70,-2 0 0,0 1 0,-1 1 0,-1 1 0,-1 0 0,0 4 64,-12-18-240,19 21-3040,-17-21 1451</inkml:trace>
+  <inkml:trace contextRef="#ctx0" brushRef="#br0" timeOffset="7.033">1621 280 3072,'0'2'3138,"7"19"-2532,0 20-271,9 33-335,0-5 65,-3-7-141,1 5-2419,-2 2 2495,-12-59-1664,0-3-5</inkml:trace>
+  <inkml:trace contextRef="#ctx0" brushRef="#br0" timeOffset="8.033">1652 547 1920,'8'-3'593,"1"0"0,-1 1-1,1 0 1,-1 0 0,5 1-593,6-3 449,1 1-447,0 2 1,13-1-3,-11 1 11,21-3-11,-28 2 24,-1-1-1,1-1 0,-1-1 1,0 0-1,0 0 1,-1-2-24,-6 4 20,0 0 0,-1-1 1,0 0-1,0-1 1,0 0-1,-1 1 0,1-2 1,-1 1-1,0-1 0,-1 1 1,1-1-1,-1 0 0,0-1-20,-4 7 2,0-1 0,0 1 0,1 0-1,-1 0 1,0-1 0,0 1 0,0 0-1,0-1 1,0 1 0,1 0-1,-1-1 1,0 1 0,0 0 0,0-1-1,0 1 1,0 0 0,0-1-1,0 1 1,0 0 0,0-1 0,0 1-1,0 0 1,0-1 0,0 1 0,-1 0-1,1-1 1,0 1 0,0 0-1,0 0 1,0-1 0,-1 1 0,1 0-1,0-1 1,0 1 0,0 0-1,-1 0 1,1-1 0,0 1 0,0 0-1,-1 0-1,1 0 3,-1-1 0,1 1 0,-1 0 0,0 0-1,1 0 1,-1 0 0,1 0 0,-1 0-1,1 0 1,-1 1 0,1-1 0,-1 0 0,1 0-1,-1 0 1,1 0 0,-1 1 0,1-1 0,-1 0-1,1 0 1,0 1 0,-1-1 0,1 0 0,-1 1-1,1-1 1,-1 1-3,-4 5-46,0 1 0,0 0 0,0 0-1,1 1 1,0-1 0,1 1 0,-1 0 0,1 0-1,1 1 47,-2 3 17,1 1 0,1 0 0,0-1 0,1 1 0,0 9-17,1-17-20,0 0 0,1 0-1,0-1 1,0 1 0,0 0-1,0-1 1,1 1 0,0-1-1,0 0 1,0 1 0,0-1-1,1 1 21,-2-3-5,0-1-1,0 1 1,1-1-1,-1 0 1,0 0-1,0 1 1,1-1-1,-1 0 0,1 0 1,-1 0-1,1 0 1,-1 0-1,1-1 1,-1 1-1,1 0 1,0-1-1,-1 1 1,1-1-1,0 1 1,0-1-1,-1 0 1,1 0-1,0 0 1,0 0-1,0 0 1,-1 0-1,1-1 1,0 1-1,0 0 1,-1-1-1,1 0 1,0 1-1,-1-1 1,1 0 5,2-1-32,-1 0 0,0 0 1,0-1-1,0 1 1,0-1-1,0 0 0,0 1 1,-1-1-1,0-1 1,1 1-1,-1 0 0,0 0 1,0-1-1,-1 1 1,1-1-1,0-3 32,3-7-14,-1-1 1,-1 0-1,1-9 14,-3 18 19,2-50 55,2 64 594,0 7-451,5 18-99,2-1-1,1 0-117,-10-21 91,1 1-1,-1-1 1,-1 1 0,0 0-1,0 7-90,-2-32 111,1 0-1,0 1 0,1-1 0,0 0 1,1 1-1,0 0 0,2-5-110,-2 10 11,0 0 0,1 1 0,-1-1-1,1 0 1,0 1 0,1 0 0,0 0 0,0 0-1,0 1 1,0 0 0,1 0 0,0 0-1,1 0-10,1-1-56,1 1 0,1 0 0,-1 0 0,1 1 0,4-2 56,31-5-3730,-32 9 1954</inkml:trace>
+  <inkml:trace contextRef="#ctx0" brushRef="#br0" timeOffset="9.033">2540 371 1664,'4'22'3791,"2"11"-3737,-4 17-224,-2 42 170,-2-25 421,2-58-403,1 1 657,4-20-248,11-40-200,-13 36-105,1 0-1,1 1 1,0-1 0,0 1 0,2 1-1,0-1 1,0 1 0,1 0-1,1 0-121,-5 7 9,0 1-1,1-1 0,-1 1 0,1 1 0,0-1 0,0 0 0,0 1 0,1 0 0,4-2-8,-8 4 3,0 1 0,1-1 0,-1 0 0,0 1-1,0 0 1,0-1 0,1 1 0,-1 0 0,0 0 0,1 0-1,-1 0 1,0 0 0,0 1 0,1-1 0,-1 1 0,0 0-1,0-1 1,0 1 0,0 0 0,0 0 0,0 0 0,0 1-1,0-1 1,0 0 0,0 1 0,-1-1 0,2 2-3,4 6-75,0 1 0,0 0 0,-1 0 0,0 1 0,-1 0 0,0 0 0,-1 0 0,0 0 0,0 5 75,1 0-503,1 0-1,0-1 1,1 0 0,4 6 503,-11-21 0,12 15-1430,-12-14 1338,0-1 0,1 1 0,-1-1 0,0 0 0,1 1 0,-1-1 0,1 0 0,-1 0 0,1 1 0,-1-1 0,1 0 0,-1 0 0,1 0 1,-1 0-1,1 1 0,-1-1 0,1 0 0,-1 0 0,1 0 0,-1 0 0,1 0 0,-1 0 0,1 0 0,0-1 0,-1 1 0,1 0 1,-1 0-1,1 0 0,-1 0 0,0-1 0,1 1 0,-1 0 0,1-1 92,7-6-752</inkml:trace>
+  <inkml:trace contextRef="#ctx0" brushRef="#br0" timeOffset="10.033">3051 478 2560,'0'1'29,"1"-1"1,-1 0-1,0 0 1,0 0-1,0 0 1,1 0-1,-1 1 1,0-1-1,0 0 1,0 0-1,0 0 1,1 1-1,-1-1 0,0 0 1,0 0-1,0 0 1,0 1-1,0-1 1,0 0-1,0 0 1,0 1-1,0-1 1,0 0-1,0 0 1,0 1-1,0-1 1,0 0-1,0 0 0,0 1 1,0-1-1,0 0 1,0 0-1,0 1 1,0-1-1,0 0 1,0 0-1,0 0 1,0 1-1,0-1 1,-1 0-1,1 0 0,0 0 1,0 1-1,0-1 1,0 0-1,-1 0 1,1 0-1,0 0 1,0 1-1,0-1 1,-1 0-1,1 0 1,0 0-1,0 0 1,-1 0-1,1 0 0,0 0 1,0 0-1,-1 0 1,1 0-1,0 0 1,0 0-1,-1 0 1,1 0-30,-26 3 80,3-1-3,20 0-85,0 0 1,0 0-1,0 0 1,0 0-1,1 0 1,-1 1-1,1-1 1,-1 1 0,1 0-1,0-1 1,0 1-1,0 0 1,0 0-1,1 0 1,-1 1-1,1-1 1,0 0 0,0 1-1,0-1 1,0 0-1,1 1 1,-1 2 7,1-3 2,-1 0 0,1 0 1,0 0-1,0 0 0,0 0 1,1 0-1,-1-1 0,1 1 1,-1 0-1,1 0 0,0 0 1,0-1-1,0 1 0,1 0 0,-1-1 1,1 1-1,-1-1 0,1 0 1,0 1-1,0-1 0,0 0 1,0 0-1,0 0 0,0 0 1,1-1-1,-1 1 0,2 0-2,-1-1 26,-1 0 0,1 0 0,-1 0 0,1 0 0,-1-1 0,1 1 0,0-1 0,-1 0-1,1 0 1,0 0 0,-1 0 0,1 0 0,0 0 0,-1-1 0,1 1 0,0-1 0,-1 0 0,1 0 0,-1 0 0,3-1-26,3-3 119,0 0-1,-1 0 1,0-1 0,1 0 0,0-2-119,-1 2 18,-6 5-13,0 0 1,0 0-1,0 0 1,0 0-1,0 0 1,0 1-1,0-1 1,0 0-1,0 1 1,0-1-1,1 1 1,-1-1-1,0 1 1,0 0-1,1-1 1,-1 1-1,0 0 1,0 0-1,1 0 1,-1 0-1,0 0 1,1 0-1,-1 0 1,0 1-1,0-1 1,1 0-1,-1 1 1,0-1-1,0 1 1,0-1-1,1 1 1,-1 0-1,0-1 1,0 1-1,1 0-5,2 4 53,1 0 0,-1 0 0,0 0 0,0 1 0,0 0 0,2 3-53,5 9 82,-8-14-74,-1-1 0,1 0 0,0 1 1,1-1-1,-1 0 0,0-1 0,1 1 0,0-1 1,0 1-1,0-1 0,0 0 0,0-1 0,0 1 0,0-1 1,0 0-1,1 0 0,-1 0 0,0 0 0,1-1 1,-1 1-1,1-1 0,-1 0 0,0-1 0,1 1 1,0-1-9,6-1 0,0-1 0,-1 0 1,0-1-1,0 0 0,0 0 1,0-1-1,0 0 0,-1-1 1,8-6-1,-11 7-2,0-1 1,0 0-1,-1 0 1,0 0 0,0 0-1,0-1 1,-1 0-1,0 0 1,-1 0-1,1-1 1,-1 1 0,-1-1-1,2-6 2,2-8 19,-2-1 1,-1 1-1,0-1 0,-1-6-19,-2 17 71,0 1-1,0-1 1,-1 1-1,0 0 1,-1 0-1,0-1 1,-1 1-1,-1 1 1,1-1-1,-2 0 1,1 1-1,-2 0 1,1 0-1,-3-2-70,22 31-105,-2 1-1,-1 0 1,8 18 105,27 76-88,-17-41-297,-17-46 190,-7-17 72,0 1 0,0 0-1,-2 0 1,3 8 123,-6-12-603,-2-2-826</inkml:trace>
+  <inkml:trace contextRef="#ctx0" brushRef="#br0" timeOffset="11.033">3415 531 2816,'-1'-2'75,"-2"1"67,1-1 1,-1 0 0,1 0-1,0 0 1,0 0 0,0 0-1,0 0 1,0 0 0,1-1-1,-1 1 1,1-1 0,-2-1-143,4 3 66,0-1 1,0 1 0,0 0 0,-1 0 0,1 0 0,0 1 0,0-1-1,1 0 1,-1 0 0,0 0 0,0 1 0,0-1 0,2 0-67,19-8 97,0 1-1,16-4-96,-13 5 57,26-7-17,0 2 0,34-2-40,-83 13-2,1 1-1,0 0 0,-1-1 0,1 1 0,0 0 0,0 1 0,-1-1 0,1 0 0,0 1 0,-1 0 0,1-1 0,0 1 3,-2 0 15,0 0-1,1 0 0,-1 0 0,0 0 0,0 0 0,0 0 0,0 0 0,0 0 0,0 1 1,0-1-1,-1 0 0,1 0 0,0 1 0,-1-1 0,1 1 0,-1-1 0,1 0 0,-1 1 1,1-1-1,-1 1 0,0 1-14,4 22 51,-2-10-82,0 0 1,1-1-1,1 1 1,0-1-1,2 4 31,30 59-1407,-33-65-620,-3-12 651</inkml:trace>
+  <inkml:trace contextRef="#ctx0" brushRef="#br0" timeOffset="12.033">3977 391 1536,'1'0'111,"3"-1"2769,-3-8-1230,-1 8-1731,0 1 88,0-1 0,0 1 1,0-1-1,0 1 0,0-1 1,0 1-1,0 0 0,0-1 1,-1 1-1,1-1 0,0 1 1,0 0-1,0-1 0,0 1 1,0-1-1,-1 1 0,1 0 1,0-1-1,0 1 0,-1 0 0,1-1 1,0 1-8,-7 2 323,-5 13 137,7-4-471,1 1 0,0 0 0,0 0 0,1 0 0,0 0 0,1 1 0,1-1 0,0 1 0,1 0 0,0-1 0,1 1 0,0-1 0,1 1-1,0-1 1,2 3 11,-3-12-3,0 0-1,1 1 0,-1-1 1,0 0-1,1 0 0,0 0 0,0 0 1,0-1-1,0 1 0,0 0 1,1-1-1,-1 0 0,1 1 0,0-1 1,-1 0-1,2 0 4,-2-1 15,0 0 0,0-1 1,0 1-1,0 0 0,1-1 0,-1 0 0,0 0 1,0 1-1,0-1 0,0 0 0,0-1 0,0 1 1,1 0-1,-1-1 0,0 1 0,0-1 1,0 1-1,0-1 0,0 0 0,0 0 0,0 0 1,-1 0-1,1 0 0,0-1 0,-1 1 0,2-1-15,0-1 29,1-1 0,-1 0-1,0 0 1,0 0 0,0 0-1,0 0 1,0-1 0,-1 1-1,0-1 1,0 1 0,-1-1-1,1 0 1,-1 0 0,0 0-1,0 0 1,0 0 0,-1 0-1,0 0-28,1-3 22,-1 0-1,0 0 1,-1 0-1,0 0 1,0 0-1,-1 0 1,0 0-1,0 0 0,-1 1 1,0-1-1,-1 1-21,2 1-74,-1 1-1,0-1 1,-1 1-1,1 0 1,-1 1-1,0-1 0,0 0 1,-3-1 74,6 5-170,-1 0 0,0 0 0,1 0 0,-1 0 0,0 0 0,1 1 0,-1-1 0,0 0 1,0 1-1,0-1 0,0 1 0,0 0 0,0 0 0,1-1 0,-1 1 0,0 1 0,0-1 0,0 0 0,0 0 0,0 1 0,0-1 0,0 1 1,1-1-1,-1 1 0,0 0 0,0 0 0,1 0 0,-2 0 170,-7 6-1456</inkml:trace>
+  <inkml:trace contextRef="#ctx0" brushRef="#br0" timeOffset="13.033">4136 353 3072,'0'1'51,"-1"-1"0,1 0 0,-1 1 0,1-1-1,0 1 1,-1-1 0,1 0 0,0 1 0,-1-1 0,1 1 0,0-1 0,0 1 0,0-1 0,-1 1 0,1-1-1,0 1 1,0 0 0,0-1 0,0 1 0,0-1 0,0 1 0,0-1 0,0 1 0,0-1 0,0 1-1,0 0 1,0-1 0,0 1 0,1-1 0,-1 1 0,0-1 0,0 1 0,0-1 0,1 1 0,-1-1 0,0 1-1,1-1 1,-1 0 0,1 1 0,-1-1 0,0 1 0,1-1-51,23 21 147,-17-15 186,-2-1-289,-1 0 0,0 0 0,0 0 0,0 0 0,0 0 0,-1 1 0,0-1 0,0 2-44,18 49-152,-14-35 160,1 13 72,-6-20-74</inkml:trace>
+  <inkml:trace contextRef="#ctx0" brushRef="#br0" timeOffset="14.033">4239 592 6080,'-1'0'24,"1"-1"0,-1 1 0,1 0 0,0-1 0,-1 1 0,1-1 0,0 1 0,0-1 0,-1 1 0,1-1 0,0 1 1,0-1-1,0 1 0,0-1 0,0 1 0,0-1 0,0 0 0,-1 1 0,2-1 0,-1 0-24,-1-14 143,1-3-120,1 0 0,1 0 0,1-6-23,-1 16 37,-1 0 1,2 1-1,-1-1 0,1 1 1,0 0-1,0-1 0,1 2 1,0-1-1,1 0-37,-4 5 0,0 0-1,0 1 0,0 0 1,0-1-1,1 1 1,-1 0-1,0-1 1,1 1-1,-1 0 1,1 0-1,-1 0 0,1 0 1,0 0-1,-1 1 1,1-1-1,0 0 1,0 1-1,0-1 1,0 1 1,-1 0-1,0 0 1,1 0 0,-1 1-1,0-1 1,1 0 0,-1 1-1,0-1 1,1 1 0,-1-1-1,0 1 1,0 0 0,1-1-1,-1 1 1,0 0-1,0 0 1,0 0 0,0 0-1,0 0 0,3 4 12,0-1 0,-1 2-1,1-1 1,-1 0-1,0 1 1,0-1 0,-1 1-1,0 0 1,1 3-12,8 37-14,-7-26-534,1-1 0,1 1 548,0-6-1914</inkml:trace>
+  <inkml:trace contextRef="#ctx0" brushRef="#br0" timeOffset="15.033">4554 373 2560,'0'0'49,"0"0"0,0 0 1,0 0-1,0 0 0,0 0 1,0 0-1,0 0 0,0 0 0,0 0 1,0 0-1,0 0 0,0 0 0,0 0 1,0 0-1,0 0 0,0 0 1,0-1-1,0 1 0,0 0 0,0 0 1,0 0-1,0 0 0,0 0 1,0 0-1,0 0 0,0 0 0,0 0 1,0 0-1,0 0 0,0 0 0,0 0 1,0 0-1,0 0 0,0 0 1,0 0-1,0 0 0,0 0 0,0 0 1,0-1-1,0 1 0,0 0 0,0 0 1,0 0-1,1 0 0,-1 0 1,0 0-1,0 0 0,0 0 0,0 0 1,0 0-1,0 0 0,0 0 0,0 0-49,-9-4 726,7 3-741,0 0 1,-1 0-1,1 1 0,-1-1 1,1 1-1,-1 0 0,1-1 1,-1 1-1,0 0 15,0 1-8,1 0 0,0 0-1,0 0 1,-1 0 0,1 0-1,0 0 1,0 1 0,0-1-1,0 1 1,0-1 0,1 1 0,-1 0-1,0 0 1,1 0 0,-1 0-1,1 0 1,0 0 0,0 0-1,0 0 1,0 1 0,0-1 0,0 0-1,0 1 1,1-1 0,-1 1 8,-1 5-29,0 1 1,1 0-1,0 0 1,0 0-1,1 0 1,0 4 28,0-10 2,1 1 0,-1-1 1,1 1-1,0-1 1,-1 1-1,2-1 1,-1 0-1,0 0 1,1 1-1,-1-1 1,1 0-1,1 1-2,-3-3 4,1-1-1,-1 1 1,1-1-1,-1 1 1,1-1-1,0 1 1,-1-1-1,1 1 1,0-1-1,-1 0 1,1 1-1,0-1 1,-1 0-1,1 1 1,0-1-1,0 0 1,-1 0-1,1 0 1,0 0-1,0 0 0,0 0-3,1 0 0,-1 0-1,0-1 0,1 1 0,-1-1 1,0 0-1,0 1 0,1-1 0,-1 0 1,0 0-1,0 1 0,0-1 0,0 0 0,0 0 1,0 0-1,0-1 0,0 1 1,1-3-14,0 1 0,0-1 0,-1 1 0,1-1 0,-1 0 0,0 0 0,0 0 0,0 1 0,-1-1 0,0 0 0,1 0 0,-1 0 0,-1 0 0,1 0 0,0 0 0,-1 0 0,0 0 0,0 0 0,-1-2 14,6 17-264,-2-4 195,0 0 1,1-1-1,0 1 1,0-1-1,0 0 1,1 1-1,0-1 1,0-1 0,2 2 68,2 1-459,0-1 0,0 0 1,1-1-1,0 0 0,0 0 1,5 1 458,10 3-907</inkml:trace>
+  <inkml:trace contextRef="#ctx0" brushRef="#br0" timeOffset="16.033">4804 1 4480,'-1'0'1782,"0"5"-740,1 17-474,2 27-536,-2-48-18,4 56 162,3 0 1,3-1 0,10 33-177,15 16-43,-14-45-2698,10 50 2741,-27-85-2059,-3-3 22</inkml:trace>
+</inkml:ink>
+</file>
+
+<file path=ppt/ink/ink10.xml><?xml version="1.0" encoding="utf-8"?>
+<inkml:ink xmlns:inkml="http://www.w3.org/2003/InkML">
+  <inkml:definitions>
+    <inkml:context xml:id="ctx0">
+      <inkml:inkSource xml:id="inkSrc0">
+        <inkml:traceFormat>
+          <inkml:channel name="X" type="integer" min="-2.14748E9" max="2.14748E9" units="cm"/>
+          <inkml:channel name="Y" type="integer" min="-2.14748E9" max="2.14748E9" units="cm"/>
+          <inkml:channel name="F" type="integer" max="32767" units="dev"/>
+        </inkml:traceFormat>
+        <inkml:channelProperties>
+          <inkml:channelProperty channel="X" name="resolution" value="1000" units="1/cm"/>
+          <inkml:channelProperty channel="Y" name="resolution" value="1000" units="1/cm"/>
+          <inkml:channelProperty channel="F" name="resolution" value="0" units="1/dev"/>
+        </inkml:channelProperties>
+      </inkml:inkSource>
+      <inkml:timestamp xml:id="ts0" timeString="2020-05-09T21:07:37.975"/>
+    </inkml:context>
+    <inkml:brush xml:id="br0">
+      <inkml:brushProperty name="width" value="0.05" units="cm"/>
+      <inkml:brushProperty name="height" value="0.05" units="cm"/>
+    </inkml:brush>
+  </inkml:definitions>
+  <inkml:trace contextRef="#ctx0" brushRef="#br0">5 55 2176,'0'0'864,"-2"-3"-672,2 3 320,0 0 64</inkml:trace>
+  <inkml:trace contextRef="#ctx0" brushRef="#br0" timeOffset="1">3 52 5184,'-2'-2'2239,"6"3"-1117,6 3-179,-7-3-856,-1 0 0,1 0 1,-1 0-1,1 1 0,-1-1 1,1 1-1,-1-1 0,1 2-87,-2-2 25,0 0-1,1 0 0,-1 1 1,1-1-1,0 0 0,-1-1 0,1 1 1,0 0-1,-1 0 0,1-1 1,0 1-1,0-1 0,0 1 0,-1-1 1,1 0-1,0 0 0,0 0 1,1 0-25,27-2 162,0 1 1,2 2-163,6 0 59,-7-7 2,-11 1-21,-4 4-21,0 0-1,0 1 1,2 1-19,-7-1 63,0 1 1,0-1 0,0-1-1,0 0 1,0-1 0,0 0-1,3-1-63,-3-1-7,1 2 1,-1 0-1,1 0 0,0 1 0,-1 0 0,1 1 0,1 0 7,47-5 182,-43 3-86,0 0 0,0 1 0,6 1-96,35 2 210,0-3 1,25-4-211,5-7 552,-47 6-649,1 2-1,17 0 98,8 1 214,-43 0-326,1 2 0,12 1 112,9 1-107,-46 0 35,0-1 1,0 0-1,0 0 0,0 1 1,0-1-1,0 0 0,0 0 0,0 1 1,0-1-1,0 0 0,0 0 1,0 1-1,-1-1 0,1 0 1,0 0-1,0 0 0,0 1 1,0-1-1,0 0 0,-1 0 1,1 0-1,0 0 0,0 1 1,-1-1-1,1 0 0,0 0 0,0 0 1,0 0-1,-1 0 0,1 0 1,0 0-1,0 0 0,-1 0 1,1 0 71,-4 0-5435,4 0 2694</inkml:trace>
+</inkml:ink>
+</file>
+
+<file path=ppt/ink/ink11.xml><?xml version="1.0" encoding="utf-8"?>
+<inkml:ink xmlns:inkml="http://www.w3.org/2003/InkML">
+  <inkml:definitions>
+    <inkml:context xml:id="ctx0">
+      <inkml:inkSource xml:id="inkSrc0">
+        <inkml:traceFormat>
+          <inkml:channel name="X" type="integer" min="-2.14748E9" max="2.14748E9" units="cm"/>
+          <inkml:channel name="Y" type="integer" min="-2.14748E9" max="2.14748E9" units="cm"/>
+          <inkml:channel name="F" type="integer" max="32767" units="dev"/>
+        </inkml:traceFormat>
+        <inkml:channelProperties>
+          <inkml:channelProperty channel="X" name="resolution" value="1000" units="1/cm"/>
+          <inkml:channelProperty channel="Y" name="resolution" value="1000" units="1/cm"/>
+          <inkml:channelProperty channel="F" name="resolution" value="0" units="1/dev"/>
+        </inkml:channelProperties>
+      </inkml:inkSource>
+      <inkml:timestamp xml:id="ts0" timeString="2020-05-09T21:07:37.977"/>
+    </inkml:context>
+    <inkml:brush xml:id="br0">
+      <inkml:brushProperty name="width" value="0.05" units="cm"/>
+      <inkml:brushProperty name="height" value="0.05" units="cm"/>
+    </inkml:brush>
+  </inkml:definitions>
+  <inkml:trace contextRef="#ctx0" brushRef="#br0">85 108 1408,'6'-15'577,"-5"10"-312,-2 7 1842,1-2-1909,2-11 1241,-2 11-1392,0 0 0,0 0 0,0-1 0,0 1 0,0 0 0,0 0 0,0 0 0,0 0 0,0-1 0,0 1 0,0 0 0,0 0 0,-1 0 0,1 0 0,0 0-1,0-1 1,0 1 0,0 0 0,0 0 0,0 0 0,-1 0 0,1 0 0,0 0 0,0 0 0,0 0 0,0 0 0,0-1 0,-1 1 0,1 0 0,0 0 0,0 0-1,0 0 1,0 0 0,-1 0 0,1 0 0,0 0 0,0 0 0,0 0 0,-1 0 0,1 0 0,0 0 0,0 1 0,0-1 0,0 0 0,0 0 0,-1 0 0,1 0-1,0 0 1,0 0-47,-15 7 319,-13 13-58,23-15-273,0 0-1,0 0 0,1 1 1,0-1-1,0 1 0,0 0 1,0 1 12,2-5 4,1 0 0,0 1 0,0-1 0,0 1 0,1-1 0,-1 1 1,0 0-1,1-1 0,0 1 0,0 0 0,-1-1 0,2 1 0,-1 0 0,0-1 0,0 1 0,1 0 1,0-1-1,-1 1 0,2 1-4,0 0 3,-1 1 1,2-1-1,-1 0 0,1 0 1,-1 0-1,1 0 0,0 0 1,0 0-1,1-1 1,-1 1-1,1-1 0,0 0 1,0 0-4,0-1 56,0 0 1,0 0-1,0-1 1,0 1-1,0-1 0,0 0 1,0 0-1,0-1 1,0 1-1,1-1 1,-1 0-1,0 0 1,0 0-1,1 0 0,-1-1-56,34-9-2042,-33 9-198</inkml:trace>
+  <inkml:trace contextRef="#ctx0" brushRef="#br0" timeOffset="1">225 183 2816,'7'-5'1344,"0"0"264,-8 5-1566,1-1 0,0 1 0,0 0 0,0 0 0,0 0 0,0-1 0,0 1 1,-1 0-1,1 0 0,0 0 0,0 0 0,0 0 0,0-1 0,-1 1 0,1 0 0,0 0 0,0 0 0,-1 0 0,1 0 0,0 0 0,0 0 0,0 0 0,-1 0 0,1 0 0,0 0 0,0 0 0,-1 0 0,1 0 0,0 0 0,0 0 0,-1 0 0,1 0 1,0 0-1,0 0 0,0 0 0,-1 0 0,1 0 0,0 0 0,0 0-42,-1 0 19,1 0 1,-1 0-1,1 0 1,0 0-1,-1 0 1,1 0-1,-1 0 1,1 1-1,0-1 1,-1 0-1,1 0 1,0 0 0,-1 0-1,1 0 1,-1 1-1,1-1 1,0 0-1,0 0 1,-1 1-1,1-1 1,0 0-1,-1 0 1,1 1-1,0-1 1,0 0-1,-1 1 1,1-1-1,0 0 1,0 1-1,0-1 1,0 1-1,-1-1 1,1 0-20,0 2-1,0-1 1,0 0-1,0 0 0,0 0 1,0 0-1,1 1 1,-1-1-1,0 0 0,0 0 1,1 0-1,-1 0 1,1 1 0,0 0 13,-1 0 0,1 0 1,0-1-1,0 1 0,0 0 1,1-1-1,-1 1 1,0 0-1,1-1 0,-1 0 1,1 1-1,-1-1 0,1 0 1,-1 0-1,3 1-13,-2-2 54,-1 0 0,1 0 0,0 0-1,0 0 1,0 0 0,-1-1 0,1 1 0,0 0 0,0-1-1,-1 0 1,1 1 0,0-1 0,-1 0 0,1 0-1,0 0 1,-1 0 0,0 0 0,1-1 0,-1 1 0,0 0-1,1-1 1,-1 1 0,0 0 0,0-1 0,0 0-54,0 1 8,-1 1 1,1-1 0,-1 0-1,1 1 1,-1-1 0,1 0-1,-1 0 1,0 1 0,1-1-1,-1 0 1,0 0 0,0 0-1,1 0 1,-1 1-1,0-1 1,0 0 0,0 0-1,0 0 1,0 0 0,0 0-1,-1 1 1,1-1 0,0 0-1,0 0 1,0 0 0,-1 0-1,1 1 1,0-1-1,-1 0 1,1 0 0,-1 1-1,1-1 1,-1 0 0,1 1-1,-1-1 1,0 0 0,1 1-1,-1-1 1,0 1 0,1-1-1,-1 1 1,0-1 0,0 1-1,0 0 1,1-1-1,-1 1 1,0 0 0,0 0-1,0 0 1,0-1 0,0 1-9,-1 0-78,1 0 0,-1 0 0,0 0 0,1 0 0,-1 0 1,0 0-1,1 0 0,-1 1 0,0-1 0,1 1 0,-1-1 1,1 1-1,-1 0 0,1-1 0,-2 2 78,-19 15-4379,21-16 2283,2-1 635</inkml:trace>
+  <inkml:trace contextRef="#ctx0" brushRef="#br0" timeOffset="2">406 139 4608,'-1'3'451,"0"0"1,1 0 0,0 0-1,0 0 1,0 0-1,0 0 1,0 0 0,0 0-1,1 2-451,0-2 84,-1 0 0,1 0 0,0-1 0,0 1 0,0 0-1,0-1 1,0 1 0,1-1 0,-1 1 0,1-1 0,0 0 0,0 1 0,0-1-1,0 0 1,2 1-84,-4-2 34,1-1-1,-1 0 1,1 0-1,-1 0 0,1 0 1,-1 0-1,1 0 1,-1 0-1,1 0 0,-1-1 1,1 1-1,-1 0 1,1 0-1,-1 0 0,1-1 1,-1 1-1,1 0 1,-1 0-1,1-1 0,-1 1 1,0 0-1,1-1 1,-1 1-1,0 0 0,1-1 1,-1 1-1,0-1 1,1 1-1,-1-1 0,0 1 1,0 0-1,1-1 1,-1 1-1,0-1 0,0 1 1,0-1-1,0 1 1,0-1-35,7-21 194,-5 17-384,1-15 557,-2 19-593,-1 0-1,0 0 0,0 0 0,0 1 1,0-1-1,0 0 0,0 0 0,-1 0 1,1 0-1,0 0 0,0 0 0,0 0 1,-1 1-1,1-1 0,-1 0 1,1 0-1,-1 0 228,1 1-1200</inkml:trace>
+  <inkml:trace contextRef="#ctx0" brushRef="#br0" timeOffset="3">530 134 2688,'3'-1'1630,"6"-1"1589,-9 3-3195,0-1 0,0 0 0,0 0 0,1 0 0,-1 0 1,0 0-1,0 1 0,0-1 0,0 0 0,1 0 0,-1 0 0,0 0 0,0 1 0,0-1 0,0 0 1,0 0-1,0 1 0,0-1 0,0 0 0,1 0 0,-1 0 0,0 1 0,0-1 0,0 0 0,0 0 0,0 1 1,0-1-1,0 0 0,0 0 0,-1 0 0,1 1 0,0-1 0,0 0 0,0 0 0,0 1 0,0-1 1,0 0-1,0 0 0,0 0 0,-1 1 0,1-1 0,0 0-24,-1 5 117,0 0 0,0 1 0,0-1 0,0 0-1,1 1-116,0-1 86,0 0 0,-1 0 0,0 0-1,0 0 1,0-1 0,-1 3-86,-1-4 261,2-3-218</inkml:trace>
+  <inkml:trace contextRef="#ctx0" brushRef="#br0" timeOffset="4">525 190 6912,'2'-3'223,"-1"1"0,1-1 1,-1 1-1,1 0 0,0-1 0,0 1 1,0 0-1,0 0 0,0 1 0,0-1 0,1 0 1,-1 1-1,0-1 0,1 1 0,0 0 1,-1 0-1,2-1-223,2 0-58,0 0-1,0 0 1,0 0-1,1 1 1,-1-1 0,0 1-1,4 1 59,-9 0 0,0 0-1,0 0 1,0 0-1,0 0 1,1 0-1,-1 0 1,0 1-1,0-1 1,0 0-1,0 1 1,0-1-1,0 1 1,0-1-1,0 1 0,0 0 1,0-1-1,0 1 1,0 0-1,0 0 1,-1-1-1,1 1 1,0 0-1,0 1 1,1 1-3,-1 0 0,1 1 1,-1-1-1,0 1 0,0-1 0,0 4 3,0-4-474,-1 1-1,1-1 1,0 1 0,0-1 0,1 0-1,-1 0 1,2 3 474,-1-4-1957</inkml:trace>
+  <inkml:trace contextRef="#ctx0" brushRef="#br0" timeOffset="5">765 7 4224,'0'-1'103,"0"1"-1,0 0 1,0-1-1,-1 1 1,1 0 0,0-1-1,0 1 1,-1 0 0,1-1-1,0 1 1,0 0 0,-1 0-1,1-1 1,0 1 0,-1 0-1,1 0 1,0 0 0,-1-1-1,1 1 1,0 0 0,-1 0-1,1 0 1,-1 0 0,1 0-1,0 0 1,-1 0 0,1 0-1,-1 0-102,1 0 71,0 0-1,-1 1 0,1-1 0,0 0 1,-1 1-1,1-1 0,0 1 1,-1-1-1,1 1 0,0-1 1,0 0-1,0 1 0,-1-1 0,1 1 1,0-1-1,0 1 0,0-1 1,0 1-71,-2 26 601,2-25-510,2 47 521,0-30-641,-2-1 0,0 1 0,-1-1 0,-2 13 29,3-31-10,-5 16-775,-2-8-3257,5-8 1407</inkml:trace>
+  <inkml:trace contextRef="#ctx0" brushRef="#br0" timeOffset="6">707 117 4608,'1'-2'1760,"0"5"-1376,3-6 256,-1 3 0,1 0-384,2 2-64,2-1-128,3 1-64,0-4 32,1 2-32,-1-1 64,0-2-384,-1 2-96,-1 1-736,-1 1-1408,-1 0 224</inkml:trace>
+  <inkml:trace contextRef="#ctx0" brushRef="#br0" timeOffset="7">862 142 3456,'-3'11'3835,"4"11"-3569,0-11-63,-2 4 365,1-8 253,1-16-397,0 0-367,0 1 0,1 0 1,0-1-1,2-7-57,-3 13-164,1 0 1,-1 0-1,0 0 0,1 0 1,0 0-1,-1 0 0,1 1 1,0-1-1,1 1 0,-1-1 1,0 1-1,1 0 0,2-2 164,-4 3-258,-1 1 0,1 0-1,0-1 1,-1 1-1,1 0 1,0 0 0,-1-1-1,1 1 1,0 0 0,0 0-1,-1 0 1,1 0-1,0 0 1,-1 0 0,1 0-1,0 0 1,0 1-1,-1-1 1,1 0 0,0 0 258,3 1-1547</inkml:trace>
+  <inkml:trace contextRef="#ctx0" brushRef="#br0" timeOffset="8">935 135 3968,'0'4'1127,"1"1"-521,0 0 0,0-1 0,0 1 0,0 0 0,1 0 0,0 0-606,-1-4 28,0 0 0,-1 0 0,1 0 0,-1 0 0,1 0 0,0 0 0,0 0 0,0 0 0,0 0 0,0-1 0,0 1 0,0 0-1,0 0 1,0-1 0,0 1 0,0-1 0,0 1 0,0-1 0,0 1 0,0-1 0,1 0 0,-1 0 0,0 0 0,0 1 0,1-1 0,-1 0 0,0 0 0,1-1-28,-1 1 34,1 0 0,0 0 0,-1-1 0,1 1 0,-1 0-1,1-1 1,0 0 0,-1 1 0,0-1 0,1 0 0,-1 0-1,1 0 1,-1 0 0,0 0 0,0 0 0,1 0 0,-1 0-1,0-1-33,1-1 10,1-1-1,-1 0 1,0 0-1,0 0 1,1-3-10,8-15-1,-9 25-28,1 0 0,-1 0-1,0 0 1,0 0 0,0 1-1,1 2 30,7 17 178,0 2-351,7 24 173,-15-42-9,0 0-1,0 1 1,-1-1-1,0 1 1,-1-1 0,0 1-1,0-1 1,0 0-1,-1 3 10,-5 4 56,6-14-54,0 1 1,0-1 0,0 0-1,-1 0 1,1 0 0,0 1-1,0-1 1,-1 0 0,1 0-1,0 0 1,0 0 0,-1 0-1,1 0 1,0 1 0,0-1-1,-1 0 1,1 0 0,0 0-1,0 0 1,-1 0 0,1 0-1,0 0 1,0 0 0,-1 0-1,1 0 1,0 0 0,-1 0-1,1-1 1,0 1-3,-1 0 6,0-1 1,0 0-1,0 0 0,0 0 0,0 0 1,0 0-1,0 0 0,1 0 0,-1 0 1,0 0-1,1 0 0,-1-1 0,1 1 1,-1 0-1,1 0 0,-1-1 0,1 1 1,0-1-7,-1-2-4,0-1 0,0 1 0,1 0 0,0-1 0,0 1 0,0-1-1,0 1 1,1-1 0,-1 1 0,1 0 0,0-1 0,0 1 0,2-3 4,0 2-19,-1 0-1,1 0 1,0 1-1,0-1 1,1 1-1,-1 0 1,1 0-1,0 0 1,0 1 0,0-1-1,2 0 20,45-31-1525,-25 13-731</inkml:trace>
+</inkml:ink>
+</file>
+
+<file path=ppt/ink/ink2.xml><?xml version="1.0" encoding="utf-8"?>
+<inkml:ink xmlns:inkml="http://www.w3.org/2003/InkML">
+  <inkml:definitions>
+    <inkml:context xml:id="ctx0">
+      <inkml:inkSource xml:id="inkSrc0">
+        <inkml:traceFormat>
+          <inkml:channel name="X" type="integer" min="-2.14748E9" max="2.14748E9" units="cm"/>
+          <inkml:channel name="Y" type="integer" min="-2.14748E9" max="2.14748E9" units="cm"/>
+          <inkml:channel name="F" type="integer" max="32767" units="dev"/>
+        </inkml:traceFormat>
+        <inkml:channelProperties>
+          <inkml:channelProperty channel="X" name="resolution" value="1000" units="1/cm"/>
+          <inkml:channelProperty channel="Y" name="resolution" value="1000" units="1/cm"/>
+          <inkml:channelProperty channel="F" name="resolution" value="0" units="1/dev"/>
+        </inkml:channelProperties>
+      </inkml:inkSource>
+      <inkml:timestamp xml:id="ts0" timeString="2020-05-09T21:07:37.907"/>
+    </inkml:context>
+    <inkml:brush xml:id="br0">
+      <inkml:brushProperty name="width" value="0.05" units="cm"/>
+      <inkml:brushProperty name="height" value="0.05" units="cm"/>
+    </inkml:brush>
+  </inkml:definitions>
+  <inkml:trace contextRef="#ctx0" brushRef="#br0">21 109 2816,'-1'-10'589,"3"8"744,-1 3-1185,0 0 1,0 0 0,-1 0-1,1 0 1,-1 0 0,1 0-1,-1 1 1,1-1 0,-1 0-1,1 0 1,-1 1-149,1 4 36,0-1-1,-1 1 1,0-1 0,0 7-36,0 5 22,1 46 284,-2 0 0,-8 46-306,8-103 2,-2 14 60,2-12 70,0-1 0,0 1 0,1-1 0,0 1 0,0 0 0,1-1 0,0 2-132,-1-8 11,1 0-1,-1 0 0,0 0 0,1 0 0,0 0 0,-1-1 1,1 1-1,0 0 0,-1 0 0,1-1 0,0 1 1,0 0-1,-1-1 0,1 1 0,0-1 0,0 1 0,0-1 1,0 0-1,0 1 0,0-1 0,0 0 0,0 1 0,0-1 1,0 0-1,0 0-10,27 2-184,-25-2 167,40 0 284,106-3-246,-117 2 24,1-3 0,-1-1 1,0-1-1,28-9-45,-58 14 2,0 1 0,0-1-1,0 1 1,-1-1 0,1 0 0,0 0-1,-1 0 1,1 0 0,-1 0 0,1 0-1,-1 0 1,1 0 0,-1-1 0,0 1-1,0-1 1,0 1 0,1-1 0,-1 1 0,-1-1-1,1 1 1,0-1 0,0 0 0,-1 0-1,1 1 1,-1-1 0,1 0 0,-1 0-1,0 0 1,1 0 0,-1 1 0,0-1-1,-1-1-1,0-6-5,-1 1 0,0 0-1,0 0 1,-1-1-1,0 2 1,-3-7 5,-5-14-195,5 10 245,2 0 0,0 0 0,1 0 0,1-1-1,1 1 1,0-1 0,1 0 0,1 1-1,3-14-49,2-1 49,-3 13 74,0-1-1,0-15-122,-3 35 6,0 0 0,0 0 0,0 0 0,0 0 0,-1 0 0,1 0 1,0 0-1,0 0 0,0 1 0,-1-1 0,1 0 0,0 0 0,-1 0 0,1 0 0,-1 1 1,1-1-1,-1 0 0,1 0 0,-1 1 0,0-1 0,1 0 0,-1 1 0,-1-1-6,1 0 11,0 0 0,-1 1 0,1 0 0,-1-1-1,1 1 1,-1 0 0,1-1 0,-1 1 0,1 0 0,-1 0 0,1 0-1,-1 0 1,-1 1-11,-6 1 29,1 0 0,-1 1-1,0 0 1,-6 3-29,10-4-18,-53 23 96,-71 27-156,-19 0 190,129-48-74,10-5-553,9 1 451,0-1-1,-1 1 1,1 0-1,0 0 1,0-1 0,0 1-1,0 0 1,0 0-1,0 0 1,0-1 0,0 1-1,0 0 1,0 0-1,0-1 1,0 1 0,0 0-1,0 0 1,0-1-1,0 1 1,0 0 0,0 0-1,0-1 1,0 1-1,0 0 1,0 0 0,0-1-1,0 1 1,0 0-1,1 0 1,-1-1 0,0 1-1,0 0 1,0 0 64,7-8-2160</inkml:trace>
+</inkml:ink>
+</file>
+
+<file path=ppt/ink/ink3.xml><?xml version="1.0" encoding="utf-8"?>
+<inkml:ink xmlns:inkml="http://www.w3.org/2003/InkML">
+  <inkml:definitions>
+    <inkml:context xml:id="ctx0">
+      <inkml:inkSource xml:id="inkSrc0">
+        <inkml:traceFormat>
+          <inkml:channel name="X" type="integer" min="-2.14748E9" max="2.14748E9" units="cm"/>
+          <inkml:channel name="Y" type="integer" min="-2.14748E9" max="2.14748E9" units="cm"/>
+          <inkml:channel name="F" type="integer" max="32767" units="dev"/>
+        </inkml:traceFormat>
+        <inkml:channelProperties>
+          <inkml:channelProperty channel="X" name="resolution" value="1000" units="1/cm"/>
+          <inkml:channelProperty channel="Y" name="resolution" value="1000" units="1/cm"/>
+          <inkml:channelProperty channel="F" name="resolution" value="0" units="1/dev"/>
+        </inkml:channelProperties>
+      </inkml:inkSource>
+      <inkml:timestamp xml:id="ts0" timeString="2020-05-09T21:07:37.908"/>
+    </inkml:context>
+    <inkml:brush xml:id="br0">
+      <inkml:brushProperty name="width" value="0.05" units="cm"/>
+      <inkml:brushProperty name="height" value="0.05" units="cm"/>
+    </inkml:brush>
+  </inkml:definitions>
+  <inkml:trace contextRef="#ctx0" brushRef="#br0">143 452 3584,'-2'-17'3044,"2"11"-1752,0 14-1164,10 111-6,-10 137-954,0-255 251,0-6-2416,0-3 901</inkml:trace>
+  <inkml:trace contextRef="#ctx0" brushRef="#br0" timeOffset="1">4 430 4864,'-3'2'1612,"5"-2"-577,11-1-225,4 0-929,16 2 85,12 3 34,23 2-88,36-7-19,-74 0-250</inkml:trace>
+  <inkml:trace contextRef="#ctx0" brushRef="#br0" timeOffset="2">38 811 3712,'10'0'703,"-1"-1"0,1 0 0,-1-1 0,1 0-1,4-1-702,-4 1 14,1 1 0,-1 0-1,1 1 1,-1 0-1,1 0 1,1 2-14,14-1 36,149-3-335,-156 1-346</inkml:trace>
+  <inkml:trace contextRef="#ctx0" brushRef="#br0" timeOffset="3">541 579 3072,'0'1'226,"-1"0"1,1 0-1,-1 0 1,1 0-1,-1 1 1,1-1-1,0 0 0,0 0 1,0 1-1,0-1 1,0 0-1,0 0 1,0 2-227,0 29 616,0-21-470,0 131 36,1-153-166,0 0 0,1 0-1,1-3-15,1-5 17,-2 7 4,1-5 225,1-1 0,0 1-1,4-8-245,-7 21 34,1 0-1,-1 1 0,1 0 1,-1-1-1,1 1 0,0 0 1,0 0-1,1 0 0,-1 0 1,1 0-1,-1 0 0,1 1 1,0-1-1,0 1 0,0 0 1,0 0-1,1 0 0,-1 0 1,0 1-34,1 0 1,0 0 0,-1 0 0,1 1 0,-1-1 0,1 1 0,0 0 0,-1 0 0,1 1 0,0-1 0,-1 1 0,1-1 0,-1 1 0,1 0 0,-1 1 0,1-1 0,-1 1 1,0-1-1,0 1 0,0 0 0,0 0 0,0 0 0,0 1 0,0-1 0,-1 1 0,2 1-1,8 9-746,0 1-1,-1 0 1,-1 1 0,6 11 746,-3-6-3185,-1 0 1713</inkml:trace>
+  <inkml:trace contextRef="#ctx0" brushRef="#br0" timeOffset="4">1068 394 4480,'-6'-15'1664,"9"7"-1312,-6-2 352,3 6 32,-11 7-160,2-3 0,0 0-128,0 1-32</inkml:trace>
+  <inkml:trace contextRef="#ctx0" brushRef="#br0" timeOffset="5">990 394 7040,'-2'8'2624,"4"2"-2048,1 6-224,-1-11-256,3 8-128,-2 8 64,2 8 0,1 5-32,-2 3 32,2-3-384,-1 1-160,-2-4-96,-3-6 32,0-25-4192</inkml:trace>
+  <inkml:trace contextRef="#ctx0" brushRef="#br0" timeOffset="6">944 608 3584,'-2'-6'1420,"5"8"98,-2-1-1367,1 0-1,0 0 0,0-1 0,1 1 1,-1 0-1,0-1 0,0 0 0,0 1 0,0-1 1,1 0-151,28 2 44,24-6 180,51-1-91,-53 2-463,-33 1 463,0 2 0,1 0 1,3 1-134,-22-1 10,0 1-1,0-1 1,0 0 0,-1 0 0,1 0 0,0-1 0,0 1-1,0 0 1,0-1 0,-1 1 0,1-1 0,0 1 0,0-1 0,-1 0-1,1 0 1,0 0 0,-1 0 0,1 0 0,-1 0 0,1 0-1,-1-1 1,0 1 0,0 0 0,1-1 0,-1 1 0,0-1 0,0 1-1,0-1 1,-1 0 0,1 1 0,0-1 0,0-1-10,0 0 18,-1 1 0,0-1 0,1 1 0,-1-1 0,0 1 0,0-1 0,0 0 0,-1 1 0,1-1 0,0 1 0,-1-1 0,0 1 0,0-1 0,1 1 0,-2 0 0,1-1-1,0 1 1,0 0 0,-1 0 0,1 0 0,-1 0 0,1 0 0,-1 0 0,-1-1-18,2 2-5,0 0 1,1 1-1,-1-1 0,0 0 0,0 1 0,0-1 0,1 0 0,-1 1 0,0-1 0,0 1 0,0 0 0,0-1 0,0 1 1,0 0-1,0-1 0,0 1 0,0 0 0,-1 0 0,1 0 0,-1 0 5,2 0-8,-1 1-1,0-1 1,0 0-1,1 1 1,-1-1-1,0 1 1,1-1-1,-1 1 1,0-1-1,1 1 1,-1 0 0,1-1-1,-1 1 1,1 0-1,-1-1 1,1 1-1,-1 0 1,1-1-1,0 1 1,-1 0 8,-1 5-38,1 0 0,-1-1 0,1 1 0,0 0-1,1 0 1,-1 3 38,0 10 9,1-1-1,1 1 0,2 12-8,-2-24-174,0 0-1,1 0 1,0 0 0,0 0 0,0 0 0,1-1 0,0 1-1,0-1 1,1 0 0,2 4 174,-4-8-3541</inkml:trace>
+  <inkml:trace contextRef="#ctx0" brushRef="#br0" timeOffset="7">1545 546 4096,'-5'15'1727,"4"-12"-1630,1-1-1,-1 1 1,0 0-1,1 0 1,-1 0-1,1 0 1,0 0-1,0 0 1,0 0-1,0 0 1,1 0-1,0 2-96,1 6 18,0 0 0,1-1 0,0 1 0,1-1 1,0 0-1,1 0 0,0 0 0,0-1 0,3 3-18,14 28 24,-24-46 16,1 0 1,-1 1-1,1-1 1,0 0-1,0 0 0,1-4-40,-2-42 291,2 42-213,0-1 1,1 0-1,1 0 1,-1 0-1,2 0 0,-1 1 1,2-1-1,3-8-78,-5 15-101,0-1 1,1 1-1,-1 0 0,1 0 0,0 0 1,0 0-1,0 1 0,1-1 1,-1 1-1,1 0 0,0 0 0,0 0 1,0 1-1,0-1 0,0 1 1,1 0-1,-1 0 0,1 0 1,0 1-1,-1 0 0,2-1 101,14-1-2346,0 1 143</inkml:trace>
+  <inkml:trace contextRef="#ctx0" brushRef="#br0" timeOffset="8">2014 633 3712,'-3'-3'531,"0"1"1,0 0 0,0-1-1,0 0 1,0 0-1,1 0 1,-1 0-1,1 0 1,-1-1-532,-3-8 435,1 4-52,7 19-252,2 9-124,9 33 66,10 26-73,-18-71-45,-2-12-66,1-21-153,-3 14 183,5-24 23,-4 19 78,1 0 0,0 0 0,2 0 0,-1 1 0,6-11-20,-9 23 4,0 1 0,1 0 0,-1 0 0,0 0 0,0 1 0,1-1 0,0 0 0,-1 0 0,1 1 0,0-1 0,-1 1 0,1-1-1,0 1 1,0 0 0,0 0 0,0 0 0,1 0 0,-1 0 0,0 0 0,0 1 0,1-1 0,-1 1 0,0 0 0,0-1 0,1 1 0,-1 0-1,0 0 1,1 0 0,-1 1 0,0-1 0,1 1 0,-1-1 0,0 1 0,0 0 0,1-1 0,-1 1 0,0 1 0,0-1-4,9 6 3,0 0 1,0 1 0,-1 1 0,-1 0-1,1 0 1,-1 0 0,-1 1 0,0 1-1,0-1 1,4 10-4,-1 2-719,0 0 0,0 5 719,-5-10-1623,-1-8-313</inkml:trace>
+  <inkml:trace contextRef="#ctx0" brushRef="#br0" timeOffset="9">2492 590 2944,'14'-9'1135,"-4"11"-315,-7-1-706,26 1 4019,-55 0-3519,16 2-670,1 1 1,0 0-1,-1 0 1,2 1-1,-4 2 56,9-6-53,1 0-1,0 1 0,-1-1 0,1 1 0,0-1 0,0 1 0,1 0 0,-1-1 1,1 1-1,-1 0 0,1 0 0,0 0 0,0 0 0,0 0 0,0 1 1,1-1-1,-1 0 0,1 0 0,0 1 0,0 1 54,0-5-8,0 1 0,0-1-1,0 0 1,0 1 0,0-1 0,0 0 0,0 1-1,0-1 1,0 0 0,0 1 0,1-1-1,-1 0 1,0 0 0,0 1 0,0-1 0,0 0-1,1 0 1,-1 1 0,0-1 0,0 0-1,1 0 1,-1 1 0,0-1 0,0 0 0,1 0-1,-1 0 1,0 0 0,1 1 0,-1-1-1,0 0 1,1 0 0,-1 0 8,9-6-195,6-15 194,-7 1 71,-5 11-5,2-1 1,-1 0-1,1 1 0,4-6-65,-9 15 0,0 0-1,1-1 0,-1 1 1,0 0-1,1-1 1,-1 1-1,0 0 1,1-1-1,-1 1 1,1 0-1,-1 0 1,1-1-1,-1 1 1,0 0-1,1 0 0,-1 0 1,1 0-1,-1-1 1,1 1-1,-1 0 1,1 0-1,-1 0 1,1 0-1,-1 0 1,1 0-1,-1 1 0,1-1 1,-1 0-1,1 0 1,-1 0-1,1 0 1,-1 0-1,1 1 1,-1-1-1,0 0 1,1 1-1,-1-1 1,1 0-1,-1 0 0,0 1 1,1-1-1,-1 1 1,0-1-1,1 0 1,-1 1-1,0-1 1,0 1-1,1-1 1,-1 1 0,14 24 2,-12-23 11,3 10-3,2 0-1,-1-1 0,2 0 1,-1 0-1,2-1 0,6 7-9,-13-14-17,0-1 0,0 0 0,0-1 0,0 1 0,0 0 0,1-1 0,-1 1 0,1-1 0,-1 0 0,1 1 0,0-1 0,-1-1 0,1 1 0,0 0 0,0-1 0,0 1 0,-1-1-1,1 0 1,0 0 0,0 0 0,0 0 0,0 0 0,-1-1 0,1 1 0,0-1 0,0 0 0,-1 0 0,1 0 0,0 0 0,-1-1 0,1 1 0,-1 0 0,2-2 17,2-2-66,0 0 1,0-1-1,0 0 0,-1 0 1,0 0-1,0 0 1,0-1-1,-1 0 0,3-6 66,6-15-261,10-29 261,-15 36 52,1-2 29,-2 0 0,4-21-81,-9 35 271,0 0-1,-1-1 0,0 1 1,-1 0-1,0-1 0,0 1 1,-1-1-1,-2-7-270,-1 7 544,4 9-527,0 1-1,0 0 1,0 0-1,0-1 1,-1 1-1,1 0 0,0 0 1,0 0-1,0-1 1,-1 1-1,1 0 1,0 0-1,0 0 1,0-1-1,-1 1 1,1 0-1,0 0 1,0 0-1,-1 0 1,1 0-1,0 0 0,-1 0 1,1 0-1,0-1 1,0 1-1,-1 0 1,1 0-1,0 0 1,-1 0-1,1 0 1,0 1-1,0-1 1,-1 0-1,1 0-16,-3 2 139</inkml:trace>
+  <inkml:trace contextRef="#ctx0" brushRef="#br0" timeOffset="10">2787 421 6912,'5'25'2624,"-5"-25"-2048,8 48-224,-3-28-256,0 10-640,0 0-128,0 1-4448</inkml:trace>
+  <inkml:trace contextRef="#ctx0" brushRef="#br0" timeOffset="11">2769 560 4352,'5'-2'1664,"-5"-10"-1312,8 12 0,-3-2-64,3 2-192,2-4-64,3 4 0,0-3-32,2 1 0,3 0 0,3-1 64,2-1-96,5 4 0,5-2-1952</inkml:trace>
+  <inkml:trace contextRef="#ctx0" brushRef="#br0" timeOffset="12">3210 517 3712,'0'0'106,"-1"0"1,1 0-1,-1 0 1,1 0-1,0 0 1,-1 0-1,1 0 1,-1 0-1,1 0 1,-1 0-1,1 0 1,-1 0 0,1 1-1,0-1 1,-1 0-1,1 0 1,-1 0-1,1 1 1,0-1-1,-1 0-106,0 11 2059,1-6-1742,1 11 43,0 0-1,2-1 1,0 2-360,2 15 148,10 90-2431,-15-112 209</inkml:trace>
+  <inkml:trace contextRef="#ctx0" brushRef="#br0" timeOffset="13">3221 416 3584,'0'-4'1408,"3"-1"-1120,-3 3-64,0 2-96,0-3-640,1 1-128,-1 0-736,3 0-320</inkml:trace>
+  <inkml:trace contextRef="#ctx0" brushRef="#br0" timeOffset="14">3462 519 3072,'-8'-1'342,"1"0"-1,-1 0 1,1 1 0,0 0-1,-1 1 1,1-1 0,-1 2 0,1-1-1,0 1 1,0 0 0,0 0-1,0 1 1,0 0 0,-4 2-342,8-2-3,-1 0 1,1 0 0,0 0-1,0 0 1,0 1 0,0-1-1,1 1 1,-1 0 0,1 0-1,0 0 1,0 0 0,0 0-1,-1 5 3,0 2-55,0 0 0,0 0 0,1 0 0,0 11 55,2-17-24,0 1 0,0-1 0,0 0-1,1 0 1,-1 0 0,2 1 0,-1-1 0,0 0 0,1 0-1,0-1 1,2 6 24,-3-9-5,0 1-1,0 0 1,1 0-1,-1-1 1,0 1-1,1 0 0,-1-1 1,1 1-1,0-1 1,-1 0-1,1 0 1,0 1-1,0-1 1,0 0-1,0 0 1,0-1-1,0 1 0,0 0 1,0-1-1,0 1 1,0-1-1,0 0 1,0 0-1,1 0 1,-1 0-1,0 0 1,0 0-1,0 0 0,2-1 6,1 0 27,-1 0 0,0-1-1,0 0 1,0 1-1,0-1 1,0-1-1,0 1 1,0 0-1,0-1 1,-1 0 0,0 0-1,1 0 1,-1 0-1,0-1 1,0 1-1,-1-1 1,1 1-1,-1-1 1,0 0 0,0 0-1,0 0 1,0-1-1,-1 1 1,0 0-1,0 0 1,0-1-1,0 1 1,-1-1 0,1 1-1,-1-1 1,0 1-1,-1-1 1,1 1-1,-1-1 1,0 1-1,0 0 1,0-1 0,-1 1-1,1 0 1,-1 0-1,0 0 1,0 0-1,-1 0 1,1 0-1,-1 1 1,0-1 0,0 1-1,-2-2-26,0 0-14,-1 0-1,0 0 1,0 0 0,-2 0 14,5 3-91,1 1 0,-1-1 0,0 1 1,1 0-1,-1 0 0,0 0 0,0 1 1,1-1-1,-1 1 0,0-1 0,0 1 1,0 0-1,0 0 91,-6 4-1168,2 2-688</inkml:trace>
+  <inkml:trace contextRef="#ctx0" brushRef="#br0" timeOffset="15">3588 480 3200,'2'14'2090,"1"0"1,3 11-2091,1 3-203,3 23 203,-9-42 47,2 22-60,2 1 1,2 1 12,-3-96 37,-2 41 48,-2 13 111,1 0 0,0 1 0,0-1 0,0 0 0,1 1 0,1-1 0,0 1 0,1-4-196,-3 11 12,-1 0-1,1 0 0,-1 0 0,1 1 0,-1-1 0,1 0 0,0 0 0,-1 0 0,1 1 1,0-1-1,0 0 0,0 1 0,-1-1 0,1 1 0,0-1 0,0 1 0,0-1 1,0 1-1,0 0 0,0-1 0,0 1 0,0 0 0,0 0 0,0 0 0,0 0 0,0 0 1,0 0-1,0 0 0,0 0 0,0 0 0,0 0 0,0 1 0,0-1 0,0 0 0,0 1 1,0-1-1,0 0 0,-1 1 0,1-1 0,0 1 0,0 0 0,0-1 0,0 1 1,0 0-12,5 5 34,1 0 1,-2 0-1,1 0 1,-1 1 0,2 1-35,-4-3 25,27 37-114,7 9-1322,-7-20-2704,-17-21 1848</inkml:trace>
+  <inkml:trace contextRef="#ctx0" brushRef="#br0" timeOffset="16">4101 483 2944,'0'0'65,"1"-1"0,-1 1 1,1 0-1,-1 0 0,1 0 0,-1-1 1,1 1-1,-1 0 0,1 0 0,-1 0 1,1 0-1,-1 0 0,1 0 1,-1 0-1,1 0 0,-1 0 0,1 0 1,-1 1-1,1-1 0,-1 0 0,1 0 1,-1 0-1,1 1-65,8 1 2307,-17 2-1087,7-3-1226,0 0-1,0-1 0,0 1 0,0 0 0,1-1 1,-1 1-1,0-1 0,0 0 0,0 1 0,0-1 1,0 0-1,-1 1 0,1-1 0,0 0 7,-18-1-124,13 1 106,0 0 0,0 0 0,0 0 0,0 0 0,-5 2 18,9-1-11,0-1 1,0 1 0,1 0-1,-1-1 1,0 1 0,1 0-1,-1 0 1,1 0-1,-1 0 1,1 0 0,0 1-1,-1-1 1,1 0 0,0 1-1,0-1 1,0 1 0,0-1-1,0 1 1,0-1-1,0 1 1,0 1 10,-1 2-72,0 1 1,0-1-1,1 1 1,-1 0-1,1 0 0,0 0 1,1 0-1,0 0 1,0 0-1,0 0 0,0 0 1,1 0-1,0-1 0,1 2 72,-2-6-1,0-1-1,0 1 0,0-1 0,0 1 0,1-1 0,-1 1 0,0-1 0,1 1 0,-1-1 1,0 1-1,1-1 0,-1 1 0,0-1 0,1 1 0,-1-1 0,1 0 0,-1 1 0,1-1 1,-1 0-1,1 1 0,-1-1 0,1 0 0,-1 0 0,1 0 0,-1 1 0,1-1 2,0 0 3,-1-1-1,1 1 0,-1 0 0,1 0 0,0-1 1,-1 1-1,1 0 0,-1-1 0,1 1 1,-1 0-1,1-1 0,-1 1 0,1-1 0,-1 1 1,1-1-1,-1 1 0,0-1 0,1 0 0,-1 1-2,3-6 55,0 0-1,0 0 0,0 0 0,-1-1-54,-1 4 36,4-14 166,3-5 220,-8 21-418,0 1 0,0 0 0,0 0 0,0 0 0,0 0 0,0 0 0,0 0 0,0-1 0,0 1 0,1 0 0,-1 0 0,0 0 1,0 0-1,0 0 0,0 0 0,0 0 0,0-1 0,1 1 0,-1 0 0,0 0 0,0 0 0,0 0 0,0 0 0,1 0 0,-1 0 0,0 0 0,0 0 0,0 0 0,0 0 0,0 0 1,1 0-1,-1 0 0,0 0 0,0 0 0,0 0 0,1 0-4,4 6 58,3 14-87,-5-13 3,1 2-47,1 1-1,0-1 1,0 0 0,1 0-1,7 7 74,-9-11-297,0-1-1,1 0 0,0 0 1,0 0-1,0-1 0,0 1 0,1-1 1,-1-1-1,1 1 0,4 1 298,15 3-2229</inkml:trace>
+  <inkml:trace contextRef="#ctx0" brushRef="#br0" timeOffset="17">4471 1 5888,'-1'0'148,"1"0"0,0 1 0,-1-1 0,1 0 0,0 1 0,-1-1 0,1 0 0,0 1 0,0-1 0,-1 1 1,1-1-1,0 0 0,0 1 0,-1-1 0,1 1 0,0-1 0,0 0 0,0 1 0,0-1 0,0 1 0,0-1 0,0 1 0,0-1 0,0 1 0,0-1 0,0 1-148,-1 18 907,1-12-591,-3 41-89,2 0 0,3 0 0,1 2-227,21 143 79,-7-72-615,-11-78 28,-2-21-125,-1-1 0,-2 1 0,0 0 0,-1 21 633,-2-34-1126,1-6-868</inkml:trace>
+</inkml:ink>
+</file>
+
+<file path=ppt/ink/ink4.xml><?xml version="1.0" encoding="utf-8"?>
+<inkml:ink xmlns:inkml="http://www.w3.org/2003/InkML">
+  <inkml:definitions>
+    <inkml:context xml:id="ctx0">
+      <inkml:inkSource xml:id="inkSrc0">
+        <inkml:traceFormat>
+          <inkml:channel name="X" type="integer" min="-2.14748E9" max="2.14748E9" units="cm"/>
+          <inkml:channel name="Y" type="integer" min="-2.14748E9" max="2.14748E9" units="cm"/>
+          <inkml:channel name="F" type="integer" max="32767" units="dev"/>
+        </inkml:traceFormat>
+        <inkml:channelProperties>
+          <inkml:channelProperty channel="X" name="resolution" value="1000" units="1/cm"/>
+          <inkml:channelProperty channel="Y" name="resolution" value="1000" units="1/cm"/>
+          <inkml:channelProperty channel="F" name="resolution" value="0" units="1/dev"/>
+        </inkml:channelProperties>
+      </inkml:inkSource>
+      <inkml:timestamp xml:id="ts0" timeString="2020-05-09T21:07:37.926"/>
+    </inkml:context>
+    <inkml:brush xml:id="br0">
+      <inkml:brushProperty name="width" value="0.05" units="cm"/>
+      <inkml:brushProperty name="height" value="0.05" units="cm"/>
+    </inkml:brush>
+  </inkml:definitions>
+  <inkml:trace contextRef="#ctx0" brushRef="#br0">7 643 2816,'-6'-10'1291,"15"18"-337,-9-8-538,0 0-16,0 0-32,0 0 0,0 0-32,0 0 11,0 0 10,0 0-10,15 5-347,-13-4 48,-1 0 0,1 0 0,-1 1 0,1-1 0,-1 0 0,0 1 0,1-1 1,-1 1-1,0-1 0,0 1 0,0 0 0,0-1 0,-1 1 0,1 0 0,0 0 0,-1-1 0,1 1-48,8 37 62,-7-24 93,0-4-75,2 1 755,-4-12-804,1 0 0,0 0 1,-1 0-1,1 0 0,-1 0 0,1-1 0,-1 1 0,0 0 0,1 0 0,-1-1 0,1 1 0,-1 0 1,1 0-1,-1-1 0,0 1 0,1-1 0,-1 1 0,0 0 0,1-1 0,-1 1 0,0-1 1,1 1-1,-1-1 0,0 1 0,0-1 0,0 1 0,1-1-31,17-24 406,1 2-1,17-17-405,-9 11 101,6-10-101,-8 5 25,187-229-445,-54 80-1804,-74 78-394</inkml:trace>
+</inkml:ink>
+</file>
+
+<file path=ppt/ink/ink5.xml><?xml version="1.0" encoding="utf-8"?>
+<inkml:ink xmlns:inkml="http://www.w3.org/2003/InkML">
+  <inkml:definitions>
+    <inkml:context xml:id="ctx0">
+      <inkml:inkSource xml:id="inkSrc0">
+        <inkml:traceFormat>
+          <inkml:channel name="X" type="integer" min="-2.14748E9" max="2.14748E9" units="cm"/>
+          <inkml:channel name="Y" type="integer" min="-2.14748E9" max="2.14748E9" units="cm"/>
+          <inkml:channel name="F" type="integer" max="32767" units="dev"/>
+        </inkml:traceFormat>
+        <inkml:channelProperties>
+          <inkml:channelProperty channel="X" name="resolution" value="1000" units="1/cm"/>
+          <inkml:channelProperty channel="Y" name="resolution" value="1000" units="1/cm"/>
+          <inkml:channelProperty channel="F" name="resolution" value="0" units="1/dev"/>
+        </inkml:channelProperties>
+      </inkml:inkSource>
+      <inkml:timestamp xml:id="ts0" timeString="2020-05-09T21:07:37.927"/>
+    </inkml:context>
+    <inkml:brush xml:id="br0">
+      <inkml:brushProperty name="width" value="0.05" units="cm"/>
+      <inkml:brushProperty name="height" value="0.05" units="cm"/>
+    </inkml:brush>
+  </inkml:definitions>
+  <inkml:trace contextRef="#ctx0" brushRef="#br0">6 70 1152,'-5'-4'663,"7"3"131,8-5 762,0 0 483,-9 6-1967,-1 0 1,1 0-1,-1 0 0,1 0 1,-1 0-1,1-1 0,-1 1 1,1 0-1,-1 0 0,1-1 1,-1 1-1,0 0 0,1-1 1,-1 1-1,0 0 0,1-1 1,-1 1-1,0-1 0,1 1-72,-1-1 60,1 0-1,-1 0 1,0 0-1,1 0 1,0 0-1,-1 0 0,1 0 1,-1 1-1,1-1 1,0 0-1,0 0 1,0 1-1,-1-1 0,1 1 1,0-1-1,0 0 1,0 1-1,0 0 1,0-1-1,0 1 0,0-1 1,0 1-1,0 0 1,0 0-60,29-3 289,-13 2-143,-7 0-97,0 1 0,0 0 0,0 0 0,3 1-49,-1 0 131,0-1 0,11-1-131,-8 0 101,0-1-1,0 2 0,1 0 0,-1 0 1,13 3-101,-25-2 47,0 0 0,0-1 0,0 1 0,0-1 0,-1 0 0,1 0 0,0 0 0,0 0 0,1-1-47,8 0 57,70-2 351,5-4-408,54-2 101,-108 8-113,0 2 1,0 2-1,10 2 12,101 12 164,127-1-164,-244-15 2,69 7-40,1 4 0,31 12 38,-5-3-52,4-4 52,118 10 121,34 3-159,-140-20 589,2-6-551,495-1 523,-250-11-112,-207 5-476,88 2 674,-66-5-265,-63 0-139,7-2 69,28 1-68,-114 5-137,0-3 1,-1-2-1,0-3 0,0-2 1,1-3-70,66-12-5,-36 9 10,19-2 69,60-2-74,-83 12 54,156-11-134,-94 21 58,-119 1 51,0 2-1,0 0 1,-1 2-1,1 1 0,-1 1 1,24 9-29,-9-1 35,1-2 0,0-2 0,0-2 1,1-2-1,19 0-35,-50-6-121,0 0 0,0 1 0,5 3 121,-17-5-85,0 0-1,0 0 1,0 1-1,0-1 1,-1 0-1,1 1 1,0-1 0,0 1-1,-1-1 1,1 1-1,0 0 1,0-1-1,-1 1 1,1 0-1,-1-1 1,1 1-1,-1 0 1,1 0-1,-1-1 1,1 1-1,-1 0 1,0 0 0,1 0-1,-1 0 1,0-1-1,0 1 1,1 0-1,-1 0 1,0 0-1,0 1 86,0 0-255,0 0 0,-1 0-1,1 0 1,0 0 0,-1 0-1,1 0 1,-1 0 0,0-1-1,0 1 1,0 0 0,0 0-1,0 0 1,0-1 0,0 2 255,-13 10-2608</inkml:trace>
+</inkml:ink>
+</file>
+
+<file path=ppt/ink/ink6.xml><?xml version="1.0" encoding="utf-8"?>
+<inkml:ink xmlns:inkml="http://www.w3.org/2003/InkML">
+  <inkml:definitions>
+    <inkml:context xml:id="ctx0">
+      <inkml:inkSource xml:id="inkSrc0">
+        <inkml:traceFormat>
+          <inkml:channel name="X" type="integer" min="-2.14748E9" max="2.14748E9" units="cm"/>
+          <inkml:channel name="Y" type="integer" min="-2.14748E9" max="2.14748E9" units="cm"/>
+          <inkml:channel name="F" type="integer" max="32767" units="dev"/>
+        </inkml:traceFormat>
+        <inkml:channelProperties>
+          <inkml:channelProperty channel="X" name="resolution" value="1000" units="1/cm"/>
+          <inkml:channelProperty channel="Y" name="resolution" value="1000" units="1/cm"/>
+          <inkml:channelProperty channel="F" name="resolution" value="0" units="1/dev"/>
+        </inkml:channelProperties>
+      </inkml:inkSource>
+      <inkml:timestamp xml:id="ts0" timeString="2020-05-09T21:07:37.928"/>
+    </inkml:context>
+    <inkml:brush xml:id="br0">
+      <inkml:brushProperty name="width" value="0.05" units="cm"/>
+      <inkml:brushProperty name="height" value="0.05" units="cm"/>
+    </inkml:brush>
+  </inkml:definitions>
+  <inkml:trace contextRef="#ctx0" brushRef="#br0">90 593 512,'-13'-10'256,"10"4"-192,-5-1-160,8 2-96,-2 0 0,-1-1 64</inkml:trace>
+  <inkml:trace contextRef="#ctx0" brushRef="#br0" timeOffset="1">43 450 2304,'3'-18'4816,"-4"17"-4697,1 0 1,0 0 0,-1 0-1,0 0 1,1 0-1,-1 0 1,1 0 0,-1 0-1,0 1 1,0-1 0,0 0-1,1 0 1,-1 1-1,0-1 1,0 0 0,0 1-1,0-1 1,0 1-1,0-1 1,0 1 0,0 0-1,0-1 1,-1 1 0,1 0-1,0 0 1,0 0-1,0 0 1,-1 0-120,1 2 21,0 0 0,1 1 1,-1-1-1,1 0 0,0 1 0,0-1 1,-1 0-1,2 1 0,-1-1 0,0 1 0,1 0-21,-1 4 44,2 40-102,2 0-1,4 7 59,3 43-416,-8-70 321,-1-3 60,0 18 35,-2-36 108,0 0 1,-1 0 0,0 0-1,0 0 1,0 0 0,-1 0 0,1 0-1,-1 0 1,-1 0-109,3-6 4,0 0 1,0 0-1,0 1 0,0-1 0,0 0 1,0 0-1,-1 0 0,1 0 0,0 0 1,0 0-1,0 0 0,0 1 0,0-1 1,0 0-1,0 0 0,0 0 0,-1 0 1,1 0-1,0 0 0,0 0 0,0 0 1,0 0-1,0 0 0,0 0 0,-1 0 1,1 0-1,0 0 0,0 0 0,0 0 1,0 0-1,0 0 0,0 0 1,-1 0-1,1 0 0,0 0 0,0 0 1,0 0-1,0 0 0,0 0 0,-1 0 1,1 0-1,0 0 0,0 0 0,0 0 1,0 0-1,0 0 0,0 0 0,0-1 1,0 1-1,-1 0 0,1 0 0,0 0 1,0 0-1,0 0 0,0 0 0,0 0 1,0-1-1,0 1 0,0 0 1,0 0-1,0 0 0,0 0 0,0 0 1,0 0-1,0-1 0,0 1 0,0 0-4,-4-11 174,-2-34-229,2 1 0,2-1 0,1 0 0,3 1 0,2-1 1,1 1-1,10-35 55,-14 73-6,1 0 0,0 0 0,0-1 0,1 1 1,-1 1-1,1-1 0,0 0 0,1 1 0,-1-1 0,1 1 1,3-3 5,-4 6-4,0-1 1,0 1 0,0-1-1,0 1 1,0 0-1,1 0 1,-1 0 0,1 1-1,0-1 1,-1 1 0,1 0-1,0 0 1,0 0 0,0 1-1,-1-1 1,1 1-1,0 0 1,0 0 0,3 0 3,0 1-20,0 1 1,-1 0 0,1-1 0,-1 2 0,0-1-1,0 1 1,0 0 0,0 0 0,0 1 0,3 2 19,-1 0-43,0 0 0,0 1 1,-1 0-1,0 0 0,0 0 1,4 8 42,-9-12-25,0 0 1,0 0 0,0 0-1,-1 0 1,0 0-1,1 0 1,-1 1 0,0-1-1,0 1 1,-1-1-1,1 1 1,-1-1 0,0 1-1,0-1 1,0 1 0,0-1-1,-1 1 1,1-1-1,-1 1 1,0-1 0,0 0-1,0 1 1,-1 2 24,-1-1-35,0 0 1,-1 1 0,1-1-1,-1 0 1,0-1-1,0 1 1,-1-1 0,1 1-1,-1-1 1,0-1 0,0 1-1,0-1 1,-2 1 34,-8 4 31,-1 0-1,0-1 1,0-1 0,-1 0 0,-8 1-31,19-5-29,0-1 0,0 0 0,0 0 0,0 0 1,0-1-1,0 0 0,0 0 0,0-1 0,0 1 0,0-1 1,0-1-1,0 1 0,0-1 0,1 0 0,-1 0 1,0-1-1,-2-1 29,7 4-194,0-1-1,1 1 1,-1-1 0,0 1 0,0-1 0,1 1 0,-1-1-1,0 0 1,1 1 0,-1-1 0,0 0 0,1 1 0,-1-1-1,1 0 1,0 0 0,-1 0 0,1 1 0,-1-1 0,1 0-1,0 0 1,0 0 0,0 0 0,-1 0 0,1 0 0,0 0-1,0 1 1,0-2 194,3-7-2309</inkml:trace>
+  <inkml:trace contextRef="#ctx0" brushRef="#br0" timeOffset="2">505 337 4224,'-1'-1'169,"0"1"1,0 0-1,0 0 0,0 0 0,0 1 1,0-1-1,-1 0 0,1 0 1,0 0-1,0 1 0,0-1 1,0 1-1,0-1 0,0 1 1,0-1-1,0 1 0,0 0 1,0-1-1,1 1 0,-1 0 1,0 0-1,0-1 0,1 1 1,-1 0-1,0 0 0,1 0 0,-1 0 1,0 1-170,-2 2 153,0 1 1,1 0 0,-1 0-1,1 1 1,-1 2-154,-2 11 16,1 1 1,1 0-1,1 0 1,1 0-1,1 0 1,1 10-17,-1 5 93,2-30 39,1-9-81,3-9 1,-3 5-55,-1-1 1,2 1-1,-1 0 1,4-5 2,6-13 52,-8 12-13,1 1-1,1 1 0,0-1 0,5-5-38,-9 14 52,0-1-1,1 1 0,0 0 1,0 0-1,0 0 1,0 1-1,1-1 1,-1 1-1,1 0 0,0 0 1,0 1-1,0-1 1,1 1-52,-3 1 7,0 1 0,-1 0 0,1 0 0,-1 0 0,1 0 0,-1 0 0,1 0 0,0 1-1,-1-1 1,1 1 0,-1 0 0,0 0 0,1 0 0,-1 0 0,0 0 0,1 0 0,-1 1 0,0-1 0,0 1 0,0-1 0,1 2-7,3 2-24,1 1 0,-1 0 0,-1 1 0,1-1 0,3 7 24,62 90-2832,-70-101-1322</inkml:trace>
+  <inkml:trace contextRef="#ctx0" brushRef="#br0" timeOffset="3">949 111 3968,'-7'-14'903,"0"1"1,1-1-1,0 0 1,2-1-1,-4-12-903,8 26 34,0 1 0,0-1 0,0 1 0,0-1 0,0 0-1,0 1 1,-1-1 0,1 1 0,0-1 0,0 1 0,0-1 0,-1 1 0,1-1 0,0 1 0,-1-1-1,1 1 1,0 0 0,-1-1 0,1 1 0,-1-1 0,1 1 0,-1 0 0,1-1 0,0 1 0,-1 0-1,1 0 1,-1-1 0,0 1 0,1 0 0,-1 0 0,1 0 0,-1 0 0,0 0-34,1 0 15,-1 0 0,0 0 1,0 1-1,1-1 0,-1 1 1,0-1-1,1 0 0,-1 1 1,1-1-1,-1 1 0,0 0 1,1-1-1,-1 1 0,1-1 1,0 1-1,-1 0 0,1-1 1,-1 1-1,1 0 0,0 0 1,0-1-1,-1 1-15,-1 8 7,-1-1-1,1 1 1,1-1 0,0 1-1,0 0 1,1 0-1,0 5-6,2 14 45,4 21-45,-1-7 58,4 32-50,4 2-8,-7-45-72,2-1 0,1 0 0,13 26 72,1-3-1653,-16-44 421,5-5-837</inkml:trace>
+</inkml:ink>
+</file>
+
+<file path=ppt/ink/ink7.xml><?xml version="1.0" encoding="utf-8"?>
+<inkml:ink xmlns:inkml="http://www.w3.org/2003/InkML">
+  <inkml:definitions>
+    <inkml:context xml:id="ctx0">
+      <inkml:inkSource xml:id="inkSrc0">
+        <inkml:traceFormat>
+          <inkml:channel name="X" type="integer" min="-2.14748E9" max="2.14748E9" units="cm"/>
+          <inkml:channel name="Y" type="integer" min="-2.14748E9" max="2.14748E9" units="cm"/>
+          <inkml:channel name="F" type="integer" max="32767" units="dev"/>
+        </inkml:traceFormat>
+        <inkml:channelProperties>
+          <inkml:channelProperty channel="X" name="resolution" value="1000" units="1/cm"/>
+          <inkml:channelProperty channel="Y" name="resolution" value="1000" units="1/cm"/>
+          <inkml:channelProperty channel="F" name="resolution" value="0" units="1/dev"/>
+        </inkml:channelProperties>
+      </inkml:inkSource>
+      <inkml:timestamp xml:id="ts0" timeString="2020-05-09T21:07:37.932"/>
+    </inkml:context>
+    <inkml:brush xml:id="br0">
+      <inkml:brushProperty name="width" value="0.05" units="cm"/>
+      <inkml:brushProperty name="height" value="0.05" units="cm"/>
+    </inkml:brush>
+  </inkml:definitions>
+  <inkml:trace contextRef="#ctx0" brushRef="#br0">2 234 2176,'2'-2'387,"-1"0"0,0-1 1,0 1-1,0-1 0,0 1 1,0-1-1,-1 1 0,1-1 0,-1 0 1,1 1-1,-1-1 0,0-2-387,-1-1 279,0-1-1,0 0 1,-1 0-1,0-1-278,-2-9 649,34 91 231,-20-36-923,-1 0-1,0 18 44,9 41-46,-13-79 90,0 0 0,1-1 0,1 0 0,4 7-44,-6-11 76,-4-10-57,0-1 0,0 1 0,1 0-1,-1-1 1,0 1 0,1 0 0,0-1-1,0 0 1,-1 1 0,1-1 0,1 1-19,-4-6-189,0 1 0,-1-1 0,1 1 0,0-1 0,0 1 0,1-1 1,-1 0-1,0-2 189,-1-4-361,-29-110-832,17 63 2343,-9-21-1150,16 56 519,2 8-105,0 0 0,1 0 0,1 0 0,0 0 0,1-1 0,-1-5-414,3 18 32,0 0 0,0 0 1,0 0-1,0 0 0,0 0 1,1 0-1,-1 0 0,0 0 1,0 0-1,1 0 0,-1 0 1,0 0-1,1 0 1,-1 0-1,1 0 0,0 1 1,-1-1-1,1 0 0,-1 0 1,1 1-1,0-1 0,0 0 1,0 1-1,-1-1 0,2 0-32,0 0 20,0 1 0,0-1 0,0 1-1,0-1 1,0 1 0,0 0-1,0 0 1,0-1 0,0 2 0,0-1-1,1 0 1,0 0-20,7 3 9,0-1 1,1 1-1,-1 1 0,6 3-9,0 0-9,-1 1 0,0 1-1,-1 0 1,0 1 0,0 1-1,12 11 10,8 13 66,23 30-66,7 9-31,-55-65 0,-3-3 35,0 0 0,0 1 1,-1-1-1,0 1 1,0 0-1,1 4-4,-5-10-6,0 0 0,-1 1 0,1-1 1,-1 1-1,1-1 0,-1 1 0,1 0 1,-1-1-1,0 1 0,0-1 0,0 1 0,0 0 1,0-1-1,0 1 0,-1-1 0,1 1 1,0 0-1,-1-1 0,1 1 0,-1-1 0,1 1 1,-1-1-1,0 0 0,0 1 0,0-1 0,0 0 1,0 1-1,0-1 0,0 0 0,0 0 1,0 0-1,-1 0 0,1 0 0,0 0 0,-1 0 1,1 0 5,-10 4-23,-1 1-1,1-2 1,-1 1 0,0-2 0,0 0 0,-1 0 0,1-1 0,0 0 0,-13-1 23,17-1-90,-1 0 1,1 0 0,-1-1-1,-2-1 90,9 2-36,-1-1 1,1 1-1,0-1 0,0 1 0,-1-1 0,1 0 0,0 0 1,0 0-1,0 0 0,0 0 0,0-1 0,0 1 0,1-1 0,-1 1 1,0-1-1,1 0 0,-1 1 0,1-1 36,0 0-92,1 1-1,-1 0 1,1 0 0,-1 0-1,1 0 1,0-1 0,0 1-1,-1 0 1,1 0 0,0-1-1,0 1 1,0 0 0,1 0-1,-1-1 1,0 1 0,0-1 92,5-13-944</inkml:trace>
+  <inkml:trace contextRef="#ctx0" brushRef="#br0" timeOffset="1">711 321 4608,'0'0'340,"-1"1"-189,1-1 0,0 0 0,0 0 0,0 1 0,0-1 0,-1 0 0,1 1 1,0-1-1,0 0 0,-1 0 0,1 0 0,0 1 0,0-1 0,-1 0 0,1 0 0,0 0 0,0 0 0,-1 1 0,1-1 1,0 0-1,-1 0 0,1 0 0,0 0 0,-1 0 0,1 0 0,0 0 0,-1 0 0,1 0 0,0 0 0,-1 0 1,1 0-1,0 0 0,-1 0-151,-2-1-217,-3 2 386,0 1 1,0-1-1,0 1 0,0 0 1,0 0-1,1 1 0,-1 0 1,-3 2-170,-7 3 58,11-6-65,1 1 0,-1 1 1,1-1-1,0 1 0,0-1 0,0 1 0,0 0 0,1 0 0,-1 1 0,1-1 0,0 1 0,1 0 0,-3 3 7,3-4-7,0 1 0,0-1 0,1 0 0,-1 0 0,1 1 1,0-1-1,0 1 0,1-1 0,-1 1 0,1-1 0,0 1 0,0-1 0,1 1 0,-1-1 0,1 1 0,0-1 0,0 1 7,0-3-1,0 0-1,0 0 0,1 0 1,-1-1-1,0 1 1,1 0-1,-1 0 0,1-1 1,0 1-1,-1-1 0,1 0 1,0 1-1,0-1 1,0 0-1,0 0 0,0 0 1,0 0-1,0 0 1,0-1-1,0 1 0,1-1 1,-1 1-1,1-1 2,1 1 0,0-1-1,0 0 1,0 0-1,1 0 1,-1 0-1,0-1 1,0 1-1,0-1 1,0 0 0,0 0-1,-1-1 1,3 0 0,1-2 53,0 1 1,0-2 0,0 1-1,0-1 1,-1 0 0,0 0-1,0-1 1,3-3-54,-8 8 18,1-1-1,-1 0 1,1-1-1,-1 1 1,0 0-1,0 0 1,0-1-1,0 1 1,0 0 0,0-1-1,-1 1 1,1-1-1,-1 1 1,0-1-1,0 1 1,0-1 0,0 1-1,0-1 1,0 1-1,-1-1 1,1 1-1,-1-1 1,0 1-1,1 0 1,-1-1 0,0 1-1,0 0 1,-1-1-1,1 1-17,-3-4-184,-1 0 0,1 1-1,-1-1 1,0 1-1,-1 0 1,1 1 0,-1-1-1,0 1 1,0 0 0,0 1-1,0-1 1,-1 1-1,1 1 1,-7-3 184,8 3-1253,4 2 1186,1 0 1,0-1 0,0 1-1,0 0 1,0 0 0,0 0-1,0 0 1,0 0 0,0 0-1,0 0 1,0 0 0,0 0-1,-1 0 1,1 0 0,0 0-1,0 0 1,0 0-1,0 0 1,0-1 0,0 1-1,0 0 1,0 0 0,0 0-1,0 0 1,0 0 0,0 0-1,0 0 1,0 0 0,0 0-1,0-1 1,0 1 0,0 0-1,0 0 1,0 0 0,0 0-1,0 0 1,0 0-1,0 0 1,0 0 0,0 0-1,0 0 1,0-1 0,0 1-1,0 0 1,0 0 0,1 0-1,-1 0 1,0 0 0,0 0-1,0 0 1,0 0 0,0 0-1,0 0 1,0 0-1,0 0 1,0 0 0,0 0-1,0 0 1,1 0 0,-1 0-1,0-1 1,0 1 0,0 0-1,0 0 1,0 0 0,0 0-1,0 0 1,0 0 66,8-1-2064</inkml:trace>
+  <inkml:trace contextRef="#ctx0" brushRef="#br0" timeOffset="2">909 296 6016,'-5'2'2854,"5"-2"-2776,-1 0-1,0 0 1,1 0 0,-1 0 0,0 0 0,1 1 0,-1-1 0,1 0 0,-1 0 0,0 1 0,1-1 0,-1 0 0,1 1 0,-1-1 0,0 1 0,1-1 0,-1 1 0,1-1-1,0 1 1,-1-1 0,1 1-78,-1 2 1,2-1-1,-1 1 1,0-1 0,0 1-1,1 0 1,0-1-1,-1 1 1,1-1-1,0 0 1,0 1-1,0-1 1,1 0-1,0 3 0,5 9-17,-2 2-25,-1 0-1,0 1 1,-1-1 0,-1 2 42,3 16-55,-3-17 44,-2-13-2,0 0 0,1 0 0,-1-1 0,1 1 0,0 0 0,0 0 0,1 0 13,-2-4-1,0 0-1,0 0 0,0 0 0,0 0 0,0 0 0,0 0 1,0 1-1,0-1 0,0 0 0,0 0 0,0 0 0,1 0 1,-1 0-1,0 0 0,0 0 0,0 0 0,0 1 0,0-1 1,0 0-1,1 0 0,-1 0 0,0 0 0,0 0 0,0 0 1,0 0-1,0 0 0,0 0 0,1 0 0,-1 0 0,0 0 1,0 0-1,0 0 0,0 0 0,0 0 0,1 0 0,-1 0 1,0 0-1,0 0 0,0 0 0,0 0 0,0 0 0,1-1 1,-1 1-1,0 0 2,6-7-105,3-10-24,3-28 127,0 0 2,-11 41 2,1 0-1,0 0 0,0 0 1,0 0-1,0 0 0,0 1 1,1-1-1,0 1 0,0-1-1,-2 3 1,-1 1 1,1-1-1,0 0 0,-1 1 0,1-1 0,0 1 0,0 0 0,-1-1 0,1 1 0,0 0 0,0-1 1,0 1-1,-1 0 0,1 0 0,0-1 0,0 1 0,0 0 0,0 0 0,-1 0 0,1 0 1,0 0-1,0 1 0,0-1 0,0 0 0,-1 0 0,1 0 0,0 1 0,0-1 0,0 0 0,-1 1 1,1-1-1,0 1 0,-1-1 0,1 1 0,0-1 0,-1 1 0,1-1 0,0 1-1,3 4-5,1 0-1,-1 0 1,-1 0-1,1 0 1,0 2 5,3 3 65,-7-9-62,4 4 3,-1 0 0,1-1-1,0 1 1,0-1 0,4 3-6,-7-6 5,0 0 0,0-1 1,0 1-1,0-1 0,0 1 1,-1-1-1,1 1 0,0-1 1,0 1-1,0-1 0,0 0 1,1 1-1,-1-1 1,0 0-1,0 0 0,0 0 1,0 0-1,0 0 0,0 0 1,0 0-1,0-1 0,0 1 1,0 0-1,0 0 0,0-1 1,0 1-1,0-1 1,0 1-1,0-1 0,0 1 1,0-1-1,0 0 0,-1 1 1,1-1-1,0 0-5,3-4 24,-1 1 0,0-1 0,0 0 0,-1 0 0,1 0 0,-1-1 0,0 1 0,-1 0 0,1-1 0,-1 1 0,0-1 0,0-1-24,0-1 52,1-1 0,0 1 0,1 0 0,3-8-52,-6 15 4,1 0 1,-1-1-1,1 1 1,0 0-1,-1 0 1,1 0-1,0 0 0,0 0 1,-1 0-1,1 0 1,0 1-1,0-1 1,0 0-1,0 0 0,0 1 1,1-1-5,-1 1-8,0 0-1,0 0 1,-1 0 0,1 0 0,0 0 0,0 0-1,0 0 1,0 0 0,0 0 0,0 1 0,0-1-1,0 0 1,0 1 0,0-1 0,0 1 0,-1-1-1,1 1 1,0-1 0,0 1 0,-1 0 0,2 0 8,39 33-15,-25-19 36,2-1 0,0 0 0,1-1 0,0-2 0,13 7-21,-30-17 0,-1 0-1,1-1 1,-1 1-1,1-1 1,-1 0-1,1 1 1,-1-1-1,1 0 1,0 0-1,-1 0 1,1 0 0,-1 0-1,1 0 1,-1-1-1,1 1 1,-1 0-1,1-1 1,-1 1-1,1-1 1,-1 0-1,1 1 1,0-2 0,6-4 48</inkml:trace>
+  <inkml:trace contextRef="#ctx0" brushRef="#br0" timeOffset="3">1476 327 7040,'5'-6'2624,"-2"1"-2048,0 1-224,-1 1-192,1 1-160,-1 0 0,0-3 0,-2 1 64</inkml:trace>
+  <inkml:trace contextRef="#ctx0" brushRef="#br0" timeOffset="4">1453 273 6656,'-3'4'164,"1"0"0,0 0 1,0 1-1,1-1 0,-1 0 0,1 1 1,0-1-1,0 1 0,0-1 0,1 1 1,-1 0-1,1-1 0,0 1 1,1-1-1,-1 1 0,1-1 0,0 1 1,0 0-1,0-1 0,1 0 0,0 3-164,0-2-43,1-1-1,-1 1 0,1 0 0,0-1 0,0 1 1,0-1-1,0 0 0,1 0 0,0 0 0,0 0 1,0-1-1,0 0 0,1 0 0,-1 0 0,1 0 1,0-1-1,-1 1 0,3-1 44,3 1-206,0 0 1,0-1-1,0 0 1,0-1-1,0 0 0,0-1 1,1 0-1,-1-1 0,1 0 206,13-1-1994</inkml:trace>
+  <inkml:trace contextRef="#ctx0" brushRef="#br0" timeOffset="5">1987 225 5120,'-3'-1'198,"0"0"0,1 0 0,-1 0 0,0 0 0,0 1 0,0-1 0,0 1 1,0-1-1,1 1 0,-1 0 0,0 1 0,0-1 0,0 0 0,0 1 0,0-1 0,-2 2-198,-8 2-33,0 0 0,-11 6 33,22-9 123,0 0-90,-34 17 883,34-16-847,0-1 1,0 0 0,-1 1 0,2 0 0,-1-1-1,0 1 1,0 0 0,0 0 0,1 0 0,-1 0-1,1 0 1,0 1 0,0-1 0,-1 1-70,2-3 23,0 1 0,0 0 0,0-1 0,0 1 0,0-1 0,1 1 0,-1 0 1,0-1-1,0 1 0,0 0 0,1-1 0,-1 1 0,0-1 0,0 1 0,1-1 0,-1 1 0,1-1 1,-1 1-1,0-1 0,1 1 0,-1-1 0,1 1 0,-1-1 0,1 0 0,-1 1 0,1-1 1,0 0-1,-1 1 0,1-1 0,-1 0 0,1 0-23,24 10 169,-17-7-121,17 5 15,15 7-147,-37-14 80,0 1 0,0 0 0,0 0 1,0 0-1,0 0 0,-1 0 0,1 1 1,-1-1-1,1 1 0,0 1 4,-2-2 1,0-1-1,0 1 0,0 0 1,0-1-1,-1 1 0,1 0 1,-1 0-1,0 0 0,1 0 1,-1-1-1,0 1 0,0 0 1,0 0-1,0 0 0,0 0 0,0 0 1,-1 0-1,1-1 0,-1 1 1,0 1-1,-2 4-67,0 0 0,0 0-1,0 0 1,-3 2 67,3-4-84,2-4 43,1 0 1,-1 0 0,0 0 0,1 0 0,-1 0-1,0 0 1,0 0 0,0-1 0,0 1 0,0 0-1,0-1 1,0 1 0,0 0 0,0-1 0,-1 1 40,-3 1-107,4 0-8,-1-1 0,1 0-1,-1 0 1,0 0 0,0 0-1,1 0 1,-1 0-1,0 0 1,0-1 0,0 1-1,0-1 1,0 0 0,0 1-1,0-1 1,0 0 0,0 0-1,0 0 1,0 0-1,-1-1 116,-5-4-4026</inkml:trace>
+  <inkml:trace contextRef="#ctx0" brushRef="#br0" timeOffset="6">2211 4 6144,'-2'-3'635,"0"7"56,0 18 687,0 30 142,10 109-4451,-1-1-1125,-7-134 2051</inkml:trace>
+  <inkml:trace contextRef="#ctx0" brushRef="#br0" timeOffset="7">2177 358 4480,'2'-3'179,"-1"1"0,1-1 0,-1 1 0,1 0 1,0 0-1,0 0 0,0 0 0,0 0 0,0 0 0,1 0 0,-1 1 1,0-1-1,1 1 0,-1-1 0,1 1 0,0 0 0,-1 0 0,1 0 1,1 0-180,9-2-102,0 0 1,0 1-1,9 0 102,-12 1 47,153-19-1140,-162 20 1129,1-1 0,-1 1 0,0 0 0,1 1 0,-1-1 0,0 0 0,1 0 0,-1 1 1,0-1-1,0 0 0,1 1 0,-1-1 0,0 1 0,0 0 0,0-1 0,0 1 0,0 0 0,0 0 0,0 0 0,0 0 0,0-1 0,0 1 0,0 1 0,0-1 0,0 0 0,-1 0 0,1 0-36,2 5 12,-1 0-1,0-1 1,0 1-1,-1 0 1,1 4-12,2 5-12,15 46-604,-3-23-3344,-10-27 2200</inkml:trace>
+  <inkml:trace contextRef="#ctx0" brushRef="#br0" timeOffset="8">2508 186 4736,'-2'0'1824,"4"-2"-1408,0 2-128,-2 0-128,0 0-2016,6 2-736,-1 1 1088,2-1 544</inkml:trace>
+  <inkml:trace contextRef="#ctx0" brushRef="#br0" timeOffset="9">2841 236 6400,'0'-11'2021,"0"11"-2009,0 0 1,0 0-1,0 0 0,0-1 1,0 1-1,0 0 0,0 0 1,0 0-1,0-1 0,0 1 1,0 0-1,0 0 0,0 0 0,0 0 1,0-1-1,0 1 0,0 0 1,0 0-1,0 0 0,-1 0 1,1 0-1,0-1 0,0 1 1,0 0-1,0 0 0,0 0 1,-1 0-1,1 0 0,0 0 0,0 0 1,0 0-1,0 0 0,0-1 1,-1 1-1,1 0 0,0 0 1,0 0-1,0 0 0,-1 0 1,1 0-1,0 0 0,0 0 1,0 0-1,0 0 0,-1 0 0,1 0 1,0 0-1,0 1 0,0-1 1,0 0-1,-1 0 0,1 0 1,0 0-1,0 0 0,0 0 1,0 0-1,0 0 0,-1 0 1,1 1-1,0-1 0,0 0 0,0 0 1,0 0-1,0 0 0,0 0 1,0 1-1,0-1 0,-1 0-12,-1 2 53,-1 0-1,0 0 0,1 0 0,-1 0 0,0-1 0,0 1 0,-1-1 0,1 0 0,0 0 1,-2 1-53,-15 5 230,14-4-219,0 1 0,0 0 0,1 0-1,-1 0 1,1 1 0,0-1 0,0 2-1,0-1 1,1 0 0,-4 6-11,6-7 11,-1 0-1,1 0 1,0 0-1,0 0 1,1 0 0,-1 1-1,1-1 1,0 0-1,0 1 1,0-1 0,1 1-1,-1 0 1,1-1 0,1 1-1,-1-1 1,0 1-1,1 1-10,0-4 41,-1 1 0,1-1 1,0 1-1,0-1 0,0 0 0,0 1 0,0-1 0,1 0 0,-1 0 0,0 0 0,1 0 0,0 0 0,0 0 0,-1 0 0,1 0 0,0-1 1,0 1-1,1 0-41,0-1 51,1 1 1,-1-1 0,1 1 0,-1-1-1,1 0 1,0-1 0,-1 1 0,1 0 0,0-1-1,-1 0 1,4 0-52,6-1-367,-1-1 1,0 0-1,0-1 0,0 0 0,0-1 0,-1 0 1,4-2 366,6-3-2032</inkml:trace>
+</inkml:ink>
+</file>
+
+<file path=ppt/ink/ink8.xml><?xml version="1.0" encoding="utf-8"?>
+<inkml:ink xmlns:inkml="http://www.w3.org/2003/InkML">
+  <inkml:definitions>
+    <inkml:context xml:id="ctx0">
+      <inkml:inkSource xml:id="inkSrc0">
+        <inkml:traceFormat>
+          <inkml:channel name="X" type="integer" min="-2.14748E9" max="2.14748E9" units="cm"/>
+          <inkml:channel name="Y" type="integer" min="-2.14748E9" max="2.14748E9" units="cm"/>
+          <inkml:channel name="F" type="integer" max="32767" units="dev"/>
+        </inkml:traceFormat>
+        <inkml:channelProperties>
+          <inkml:channelProperty channel="X" name="resolution" value="1000" units="1/cm"/>
+          <inkml:channelProperty channel="Y" name="resolution" value="1000" units="1/cm"/>
+          <inkml:channelProperty channel="F" name="resolution" value="0" units="1/dev"/>
+        </inkml:channelProperties>
+      </inkml:inkSource>
+      <inkml:timestamp xml:id="ts0" timeString="2020-05-09T21:07:37.942"/>
+    </inkml:context>
+    <inkml:brush xml:id="br0">
+      <inkml:brushProperty name="width" value="0.05" units="cm"/>
+      <inkml:brushProperty name="height" value="0.05" units="cm"/>
+    </inkml:brush>
+  </inkml:definitions>
+  <inkml:trace contextRef="#ctx0" brushRef="#br0">114 6855 3328,'-1'0'115,"0"0"-1,0-1 1,-1 1 0,1 0-1,0 0 1,0-1 0,-1 1-1,1 0 1,0-1 0,0 1-1,-1-1-114,2-4 580,8-3-107,-4 4-399,0 1-1,-1-1 0,1 0 0,-1 0 0,0-1 0,2-3-73,-2 4 87,0-1 0,-1 1 0,1 0 0,1 1 0,-1-1 0,0 0 0,1 1 0,0 0 0,1-1-87,5-1 133,0-1 1,0 2 0,1-1-1,0 2 1,-1-1-1,1 1 1,6 0-134,21-3 441,21 0-441,-49 6 48,149-7 1028,10 0-659,684-43 63,-817 49-427,336 9-127,31 25 158,-6 16 8,-291-36-98,101 9 692,0-10-1,147-12-685,-206-2 117,110 13-117,-127 2-82,102 8 39,-166-19 50,0-2-1,34-6-6,166-27 182,-69 7-678,66 5 496,-152 18-159,545-28 248,-596 26-101,140-13-82,-145 12-46,53 1 140,-85 5 2,0 1 0,-1 2 0,1 0 0,-1 2 0,0 1 0,5 2-2,12 3 40,11 0-40,-29-7-110,-21-4 19,-1 1-1,1-1 0,-1 0 1,1 0-1,-1 0 0,1 0 0,-1 1 1,1-1-1,-1 0 0,1 0 1,-1 1-1,1-1 0,-1 0 1,1 1-1,-1-1 0,0 0 1,1 1-1,-1-1 0,0 1 1,1-1-1,-1 1 0,0-1 0,0 1 1,1-1-1,-1 1 0,0-1 1,0 1-1,0-1 0,1 1 1,-1-1-1,0 1 0,0-1 1,0 1-1,0 0 0,0-1 1,0 1-1,0-1 0,-1 1 0,1-1 1,0 1-1,0-1 0,0 1 1,0-1-1,-1 1 0,1-1 1,0 1-1,0-1 0,-1 1 1,1-1-1,0 1 0,-1-1 0,1 1 92,-5 2-1754</inkml:trace>
+  <inkml:trace contextRef="#ctx0" brushRef="#br0" timeOffset="1">9052 1390 4736,'-1'0'140,"1"-1"0,-1 0 0,1 0-1,-1 0 1,1 0 0,-1 1 0,1-1 0,-1 0 0,1 0 0,0 0 0,-1 0 0,1 0 0,0 0 0,0 0 0,0 0-1,0 0 1,0 0 0,0 0 0,0 0 0,0 0 0,0 0 0,0 0 0,1 0 0,-1 0 0,0 0 0,1 0-1,-1 0 1,0 0 0,1 0 0,0 0 0,-1 1 0,1-1 0,-1 0 0,2 0-140,2-5 43,1 1-1,0 0 1,0 0 0,5-3-43,-6 5 229,23-17-13,1 2 0,0 0-1,1 2 1,18-6-216,-10 4-45,-1-1 0,26-19 45,23-26-193,12-9-604,-77 59 487,2 1 0,0 1 0,20-7 310,14-4-864,-33 11 118</inkml:trace>
+  <inkml:trace contextRef="#ctx0" brushRef="#br0" timeOffset="2">9997 836 3968,'-1'-1'437,"-3"-3"2005,4 4-2420,0 0-1,0 0 1,0 0-1,0 0 1,0 0 0,0 0-1,0 0 1,0 0-1,0 0 1,0 0-1,0 0 1,0-1 0,0 1-1,0 0 1,0 0-1,-1 0 1,1 0 0,0 0-1,0 0 1,0 0-1,0 0 1,1 0 0,-1 0-1,0 0 1,0 0-1,0 0 1,0 0 0,0-1-1,0 1 1,0 0-1,0 0 1,0 0-1,0 0 1,0 0 0,0 0-1,0 0 1,0 0-1,0 0 1,0 0 0,0 0-1,0 0 1,0 0-1,0 0 1,0 0 0,0 0-1,0 0 1,0 0-1,1 0 1,-1 0 0,0 0-1,0 0 1,0 0-1,0 0 1,0 0-1,0 0 1,0 0 0,0 0-1,0 0 1,0 0-1,0 0 1,0 0 0,0 0-1,0 0 1,0 0-1,1 0-21,-1 0 400,21-9 486,-18 8-880,-1 0 0,1 1 0,-1-1 0,1 0 0,-1 1 0,1 0 0,-1-1 0,1 1 0,0 0 0,-1 1 0,1-1 0,-1 0 0,1 1 0,0-1 0,-1 1 0,1 0 0,-1 0 0,0 0 0,1 0 0,-1 0-6,2 2 6,-1-1 1,1 1-1,-1 0 1,0 0-1,0 0 1,0 1 0,-1-1-1,1 1 1,-1 0-1,0-1 1,2 5-7,-1-1 64,0 0 0,0 1 0,-1 0 0,0-1 0,0 1 0,-1 0 0,0 3-64,0 13 704,-1 18-704,0-16 138,-12-51 1382,6 4-1479,0-1 1,1 0-1,2 0 0,0 0 0,1 0 0,2-23-41,1 31-41,0-1-1,1 1 1,1 0 0,1-1-1,0 1 1,0 1 0,2-1-1,-1 1 1,2 0 0,0 0-1,2-2 42,0 1-6,0 1 0,1 1 0,7-9 6,-12 17-26,0 0 0,-1-1 0,2 1 0,-1 1 0,0-1 1,1 1-1,0 0 0,0 0 0,0 1 0,2-1 26,-6 2-14,0 1-1,0-1 1,0 1 0,-1-1 0,1 1-1,0 0 1,0 0 0,0 0 0,0 0-1,0 1 1,-1-1 0,1 0 0,0 1-1,0-1 1,0 1 0,-1-1 0,1 1-1,0 0 1,0 1 14,1 0-29,0 0 1,-1 0-1,0 0 0,1 0 1,-1 1-1,0-1 0,0 1 0,0 0 1,-1 0-1,1-1 0,-1 1 29,3 6-90,0-1 0,-1 1 1,-1 0-1,0 0 0,0 0 0,0 0 0,-1 7 90,0-7-44,-1-1-1,-1 1 1,1-1 0,-1 0-1,-1 0 1,0 1-1,0-1 1,0 0 0,-3 4 44,3-8-8,0 0 0,0 0 1,0 0-1,0 0 0,-1-1 0,0 1 1,0 0-1,0-1 0,0 0 0,0 0 1,-1 0-1,0 0 0,1-1 0,-1 1 1,0-1-1,0 0 0,0 0 0,-2 0 8,-2 1-206,1-1 0,-1 0 0,-1-1-1,1 0 1,0 0 0,0-1 0,0 0 0,0 0-1,0-1 1,-1 0 0,1 0 0,0-1 0,0 0-1,1 0 1,-2-2 206,-1-2-2117</inkml:trace>
+  <inkml:trace contextRef="#ctx0" brushRef="#br0" timeOffset="3">10477 560 6144,'0'0'69,"-1"1"-1,1-1 1,0 0 0,-1 0 0,1 0-1,0 0 1,-1 0 0,1 1 0,0-1-1,0 0 1,-1 0 0,1 1 0,0-1-1,0 0 1,-1 0 0,1 1 0,0-1-1,0 0 1,0 1 0,0-1 0,0 0-1,-1 0 1,1 1 0,0-1 0,0 0-1,0 1 1,0-1 0,0 0 0,0 1-1,0-1 1,0 0 0,0 1 0,0-1-1,0 0 1,0 1 0,0-1 0,0 0-1,1 1 1,-1-1 0,0 0 0,0 1-1,0-1 1,0 0 0,1 0 0,-1 1-69,16 9-279,-3-1 184,-9-1 139,-1-1 0,0 1 0,0-1 1,0 1-1,-1 0 0,0 0 0,-1 1 0,0-1 1,0 0-1,-1 4-44,6 34 315,9 10-43,-19-58 557,-2-8-490,4 4-302,1-1 1,1 0-1,-1 0 1,1 1-1,0-1 1,1 0-1,0 0 0,0 1 1,0-1-1,1 0 1,0-1-38,1-3-37,1 1 0,1 0 1,-1-1-1,1 2 1,1-1-1,4-5 37,-8 11-11,1 1 1,0 0-1,-1 0 0,1 0 1,0 0-1,0 1 0,1-1 1,-1 1-1,0 0 0,1 0 1,-1 0-1,1 0 0,1 0 11,-4 2-3,1-1-1,0 1 1,0 0 0,-1 0-1,1-1 1,0 1-1,0 0 1,-1 1-1,1-1 1,0 0-1,0 0 1,-1 1 0,1-1-1,0 1 1,-1 0-1,1-1 1,-1 1-1,1 0 1,-1 0 0,1 0-1,-1 0 1,1 0-1,-1 0 1,0 1-1,0-1 1,0 0-1,0 1 1,1-1 0,-2 0-1,1 1 1,0 0 3,8 14-21,-2 0 1,0 0-1,0 1 1,-2 0-1,4 15 21,-2-4-52,3 16-851,-9-32-2615,-1-19 1502</inkml:trace>
+  <inkml:trace contextRef="#ctx0" brushRef="#br0" timeOffset="4">10779 369 5120,'8'9'3396,"10"20"-2862,-10-14-217,15 32 50,-1 1 0,5 22-367,32 96-576,-58-163 505,-1-1-55,1 1 0,0-1 1,-1 1-1,1-1 0,1 0 0,-1 1 1,0-1-1,0 0 0,1 0 0,0 0 1,-1 0-1,1 0 0,0 0 1,0 0-1,1 1 126,5-2-2064</inkml:trace>
+  <inkml:trace contextRef="#ctx0" brushRef="#br0" timeOffset="5">11295 448 2304,'0'0'24,"0"0"0,0 0 0,0 0 0,0 0 0,0 0 0,0 0 0,0 0 0,0 0 0,0 0 0,0 0 0,0 0 0,0 0 0,0 0 0,0 0 0,0 0 0,0 0 0,0 0 0,0 0 0,0 0 0,0 0 0,0 0 0,0 0 0,0 0 0,0 0 0,0 0 0,0 0 0,0 0 0,0 0 0,0 0 0,0 0 0,0 0 0,0 0 0,0 0 0,0 0 0,0 0 0,-1 0 0,1 0 0,0 0-1,0 0 1,0 0-24,1-7 754,0 5-347,-1-1 0,1 1 1,-1 0-1,0-1 0,0 1 0,0-1 0,0 1 0,0-1 0,0 1 1,-1-1-1,0 0-407,1 3 19,0-1-1,-1 0 1,1 1 0,-1-1 0,1 1 0,-1-1 0,1 1 0,-1-1-1,1 1 1,-1-1 0,0 1 0,1-1 0,-1 1 0,0 0-1,1 0 1,-1-1 0,0 1 0,1 0 0,-1 0 0,0-1-19,0 2 19,0-1 0,1 0 0,-1 0 0,1 0 1,-1 0-1,1 1 0,-1-1 0,1 0 0,-1 0 1,1 1-1,-1-1 0,1 0 0,0 1 0,-1-1 1,1 1-1,-1-1 0,1 0 0,0 1 0,-1-1 1,1 1-1,0-1-19,-1 2 37,0 1 1,0-1 0,0 0-1,0 0 1,0 0 0,1 1-1,-1-1 1,1 1 0,0-1-1,-1 0 1,1 1 0,0-1-38,15 109 106,-8-63-174,1 1 0,7 18 68,-7-32-136,-4-21-2770,-2-18 858</inkml:trace>
+  <inkml:trace contextRef="#ctx0" brushRef="#br0" timeOffset="6">11139 416 6656,'-3'-2'2528,"9"-1"-1952,-1 3-224,2 0-224,1 0-128,8-1 64,1-2-96,11 1 0,4 0 32,1-1-288,-3 1-64,1-1-160,-2 3-96,-3 0-160,-4 3-64,-1-1-1248</inkml:trace>
+  <inkml:trace contextRef="#ctx0" brushRef="#br0" timeOffset="7">11237 791 6656,'4'4'2528,"10"-1"-1952,-2-2-160,4 2-224,4-3-480,4 0-64,1-3-224,1-1-128,0-3 384,-1 0-192,-2 1-32,-2-4 0,-1 6 0,-4-3-320,-4 0-1024,-1 1 128</inkml:trace>
+  <inkml:trace contextRef="#ctx0" brushRef="#br0" timeOffset="8">11542 595 6144,'-1'0'148,"1"1"1,-1 0 0,0 0-1,1 0 1,-1 0-1,1 0 1,-1-1 0,1 1-1,0 0 1,-1 0-1,1 0 1,0 0 0,0 0-1,-1 1 1,1-1-1,0 0 1,0 0-1,0 0 1,0 0 0,1 0-1,-1 0 1,0 0-1,0 0 1,1 0 0,-1 0-1,0 0 1,1 0-1,-1 0 1,1 0-149,1 4 10,3 8-21,0 1-1,-1-1 1,-1 1-1,0 0 1,-1 0-1,0 4 12,-2-47-545,3-18 545,-2 38-31,0 0-1,1 1 1,0-1 0,0 1 0,1 0 0,0 0 0,1 0 0,0-2 31,-3 8-4,0 1 0,0-1 1,1 0-1,-1 1 0,0-1 1,0 1-1,1 0 0,-1-1 1,1 1-1,-1 0 0,1 0 1,0 0-1,-1 0 0,1 0 1,0 0-1,0 0 0,0 1 1,-1-1-1,1 1 0,0-1 1,0 1-1,0 0 0,0 0 1,0-1-1,0 2 0,0-1 1,0 0-1,0 0 0,0 0 0,0 1 1,0-1-1,0 1 0,-1 0 1,1 0-1,0-1 0,0 1 4,3 2-7,0 0 0,0 0-1,0 1 1,0-1 0,0 1-1,-1 0 1,0 0-1,0 0 1,0 1 0,0-1-1,1 5 8,27 51 16,-23-41-92,1-1 0,0 1-1,4 2 77,-1-8-847,-12-13 738,-1 0 1,0 0-1,1 0 1,-1 1-1,1-1 0,-1 0 1,0 0-1,1 0 1,-1 0-1,1 0 0,-1 0 1,1 0-1,-1 0 1,1 0-1,-1 0 0,1 0 1,-1 0-1,0 0 1,1 0-1,-1 0 0,1 0 1,-1 0-1,1-1 1,-1 1-1,0 0 0,1 0 1,-1 0-1,1-1 1,-1 1-1,0 0 0,1-1 1,-1 1-1,0 0 1,1-1-1,-1 1 0,0 0 1,0-1-1,1 1 1,-1-1 108,7-13-2299</inkml:trace>
+  <inkml:trace contextRef="#ctx0" brushRef="#br0" timeOffset="9">11840 335 6144,'-3'-12'2958,"5"12"-2250,1 7-625,10 25-55,-1 1-1,-2 0 1,-1 0-1,-2 1 1,-1 0-1,-1 6-27,3 8-492,-3-29-761,-2 0 0,-1 0 1,0 7 1252,-2-27-1712</inkml:trace>
+  <inkml:trace contextRef="#ctx0" brushRef="#br0" timeOffset="10">11842 517 5376,'3'0'2786,"12"2"-2148,10 4-613,0-2 1,1-1-1,-1 0 1,1-2-1,-1-1 1,1-1-1,-1-1 1,1-2-1,6-2-25,-24 5 9,-1-2-1,1 1 1,-1-1-1,0 0 1,1-1-1,-2 0 1,1 0-1,0 0 1,-1-1-1,3-2-8,-7 2-285,-7 5-14,-10 5-130,8-1 406,1 1 1,0 0-1,1 1 0,-1-1 0,1 1 0,0 0 1,0 0-1,0 1 0,1 0 0,0-1 1,1 1-1,-1 1 0,1-1 0,0 1 23,2-3 20,0-1 0,0 1-1,0 0 1,0-1 0,1 1-1,-1 0 1,1 0 0,0 0-1,1-1 1,-1 1-1,1 0 1,0-1 0,0 1-1,0 0 1,1-1 0,0 1-1,0-1 1,0 0 0,0 0-1,1 0 1,-1 0 0,1 0-1,3 3-19,-4-5-53,0 0 0,-1 0-1,1-1 1,0 1 0,0-1-1,0 1 1,1-1 0,-1 0-1,0 0 1,0 0-1,1 0 1,-1 0 0,1 0-1,-1-1 1,1 1 0,-1-1-1,1 1 1,-1-1 0,1 0-1,2 0 54,-2-1-326,1 0 1,0 0-1,0 0 0,-1 0 1,1-1-1,-1 1 0,1-1 1,-1 0-1,1 0 0,-1 0 1,0 0-1,0-1 0,2-1 326,12-14-1717</inkml:trace>
+  <inkml:trace contextRef="#ctx0" brushRef="#br0" timeOffset="11">12353 473 3840,'0'0'93,"0"0"0,-1 0 0,1 0 0,0 0 0,0 0 0,-1 1 1,1-1-1,0 0 0,0 0 0,0 0 0,-1 0 0,1 0 0,0 0 0,0 1 0,0-1 0,0 0 0,-1 0 0,1 0 1,0 1-1,0-1 0,0 0 0,0 0 0,0 0 0,0 1 0,0-1 0,-1 0 0,1 0 0,0 0 0,0 1 1,0-1-1,0 0 0,0 1-93,0 12 1125,6 19-1204,-4-23 342,2 12-91,2-1 1,1 1 0,1 2-173,13 38 415,-18-50 192,-4-17 163,-4-18-3,5 23-758,-6-18 418,2-2 0,0 1 1,1-4-428,3 18-27,0 0 1,0 0 0,0 0 0,0 0-1,1 0 1,0 0 0,1 1 0,-1-1-1,1 0 1,0 1 0,0-1 0,1 1-1,1-3 27,-2 5-100,1 0-1,-1 0 0,1 0 1,0 1-1,0-1 0,0 1 1,0 0-1,0 0 1,0 0-1,1 0 0,-1 1 1,1-1-1,1 0 101,4-1-581,-1 1 0,0 0 0,0 0 0,1 1 0,4 0 581,2 0-1531,-1 1-495</inkml:trace>
+  <inkml:trace contextRef="#ctx0" brushRef="#br0" timeOffset="12">12594 480 4736,'2'6'5262,"6"25"-5356,0 1 337,-1 1 1,-2-1-1,1 34-243,-6-82 89,1 0 0,1 0 0,0 0 0,1 0 0,3-7-89,-5 18-25,1-1 0,0 0 0,0 1-1,1 0 1,-1-1 0,1 1 0,0 0 0,0 0 0,1 1 0,0-1 0,0 1-1,0-1 1,0 1 0,0 1 0,1-1 0,3-2 25,-7 6-37,1-1 0,-1 0 1,0 1-1,1-1 0,-1 1 0,0-1 1,1 1-1,-1 0 0,1 0 0,-1 0 1,1 0-1,-1 0 0,1 0 0,-1 0 0,0 0 1,1 0-1,-1 1 0,1-1 0,-1 0 1,0 1-1,1-1 0,-1 1 0,0 0 0,1-1 1,-1 1-1,0 0 0,0 0 0,0 0 1,0 0-1,0 0 0,0 0 0,0 0 1,0 0 36,4 6-95,0 0 0,0 0 0,-1 0 0,0 1 0,1 3 95,0 0 3,7 14-142,15 28-1039,-24-49 689,0 1 0,0-1 0,0 0 0,1 1 0,0-1 0,0-1 0,0 1 1,0-1-1,2 2 489,15 5-1963</inkml:trace>
+  <inkml:trace contextRef="#ctx0" brushRef="#br0" timeOffset="13">13090 468 6528,'-4'2'509,"0"-1"0,0 1 0,0-1 0,0 0 0,0-1 0,-1 1-509,2-1-104,0 1 0,0-1 1,0 1-1,0 0 1,0 0-1,0 0 0,0 0 1,0 0-1,1 0 0,-1 1 1,0 0-1,1-1 0,-1 2 104,-1 1-2,-1 0 0,2 1 0,-1 0 0,0-1 0,1 1 0,0 1 0,0-1 0,0 0 0,1 1 0,0 0 2,0-2 0,1 0 0,0 0 1,0 0-1,0 0 0,0 1 1,1-1-1,0 0 0,0 0 1,0 1-1,0-1 0,1 0 1,-1 0-1,1 0 0,1 3 0,-2-6 21,1 0 0,-1-1 0,0 1 0,0 0 0,0-1-1,1 1 1,-1 0 0,0-1 0,1 1 0,-1-1-1,1 1 1,-1 0 0,1-1 0,-1 1 0,1-1 0,-1 1-1,1-1 1,0 0 0,-1 1 0,1-1 0,-1 0 0,1 1-1,0-1 1,-1 0 0,1 0 0,0 1 0,0-1-21,0 0 30,0-1 1,0 1-1,0 0 1,1 0-1,-1-1 1,0 1-1,0-1 1,0 1-1,0-1 1,0 1-1,0-1 1,0 0-1,0 1 1,0-1 0,0 0-31,5-5 99,-1 0 0,1-1 0,-1 1 0,2-5-99,-6 9-9,-1 2 11,15-17-65,-15 17 59,1-1-1,-1 1 1,0 0 0,0 0-1,1 0 1,-1 0 0,0-1-1,1 1 1,-1 0 0,0 0-1,0 0 1,1 0 0,-1 0 0,0 0-1,1 0 1,-1 0 0,0 0-1,1 0 1,-1 0 0,0 0-1,1 0 1,-1 0 0,0 0-1,1 0 1,-1 0 4,0 1-9,1-1-1,-1 1 1,1 0-1,-1-1 1,1 1-1,-1-1 1,1 1-1,-1-1 1,0 1-1,1 0 1,-1-1-1,0 1 1,0 0-1,0 0 1,1-1-1,-1 1 1,0 0 9,2 9 28,1 0 0,0 0 1,1 0-1,2 3-28,-5-10-39,0-1 0,0 0 1,0 0-1,1 0 0,-1 0 0,0 0 0,1 0 0,-1 0 0,1 0 1,0-1-1,0 1 0,-1-1 0,1 1 0,0-1 0,0 0 1,1 1-1,-1-1 0,0 0 0,0-1 0,1 1 0,-1 0 0,0 0 39,0-2-144,1 1 1,-1 0-1,0 0 0,0-1 0,0 1 0,0-1 0,0 1 0,0-1 0,0 0 0,-1 0 0,1 0 0,0 0 0,0 0 0,0-1 144,25-20-2527,-13 10 1166,14-10-266</inkml:trace>
+  <inkml:trace contextRef="#ctx0" brushRef="#br0" timeOffset="14">13298 93 6656,'-2'0'207,"1"0"0,-1 0 0,0 0-1,1 0 1,-1 0 0,1 0 0,-1 1 0,1-1 0,-1 1 0,1-1 0,-1 1 0,1 0 0,0-1 0,-1 1 0,0 0-207,2 0 47,-1 0 0,0 0 0,1 0 0,-1 0 0,0 0 0,1 0 0,-1 0 0,1 0 0,-1 1-1,1-1 1,0 0 0,0 0 0,-1 0 0,1 0 0,0 1 0,0-1 0,0 0 0,0 0 0,0 0 0,1 1 0,-1 0-47,4 17 2,0 0-1,2 0 0,0-1 1,3 5-2,-5-10 0,25 59-271,-12-31-477,-2 1 1,9 36 747,-17-43-2482,-1 0-1,0 15 2483,-5-17-2261</inkml:trace>
+  <inkml:trace contextRef="#ctx0" brushRef="#br0" timeOffset="15">13247 521 5760,'0'-14'2176,"1"10"-1664,5 0 96,-1 1 32,2 1-448,4-1-192,2 1-96,2 0-32,1-1 96,2 2-416,0-2-192,2 1-224,0 0-32,1 2-928,-3 0-640,0-3 1024</inkml:trace>
+  <inkml:trace contextRef="#ctx0" brushRef="#br0" timeOffset="16">13567 483 5760,'-3'6'2176,"3"1"-1664,3 2-32,-3-2-32,0 0-256,3 4-32,-1 0-64,1 6-96,1-1 32,2 0-128,-1 0 0,1-3-384,4-1-160,-2-1-2912,4-18 800</inkml:trace>
+  <inkml:trace contextRef="#ctx0" brushRef="#br0" timeOffset="17">13657 341 7552,'-18'2'2880,"13"-4"-2240,0 7 64,5-5-192,0 0-864,0 0-224,5 4-640,2 1-192,4 1-1376,2-1-544</inkml:trace>
+  <inkml:trace contextRef="#ctx0" brushRef="#br0" timeOffset="18">13772 462 3968,'11'39'4608,"20"35"-4011,-31-73-568,1 0 0,-1 0 1,0 0-1,1 0 0,-1-1 0,1 1 0,-1 0 0,1 0 0,-1-1 1,1 1-1,-1 0 0,1-1 0,0 1 0,0 0 0,-1-1 1,1 1-1,0-1 0,0 1 0,-1-1 0,1 0 0,0 1 1,0-1-1,0 0 0,1 1-29,-1-2 49,0 1 1,0 0-1,0 0 1,-1-1-1,1 1 1,0 0-1,0-1 1,0 1-1,0-1 1,0 1-1,0-1 1,0 1-1,-1-1 1,1 0-1,0 1 1,0-1-1,-1 0 1,1 0-50,2-3 54,-1 1 1,1-1 0,-1 0 0,0 1 0,0-1-1,-1 0 1,1 0 0,-1 0 0,0-1 0,0 1-55,0 2-75,-1 0 1,0 0-1,0 0 1,0 0 0,0 0-1,0 0 1,-1 1-1,1-1 1,0 0-1,-1 0 1,0 0 0,1 0-1,-1 1 1,0-1-1,0 0 1,0 1 0,0-1-1,0 1 1,0-1-1,0 1 1,-1-1-1,1 1 1,0 0 0,-1 0-1,1 0 1,-1-1-1,0 1 1,1 1 0,-1-1-1,0 0 1,1 0-1,-1 1 1,0-1-1,0 1 1,0-1 0,0 1-1,-1 0 75,-3-1-422,0 0-1,-1 1 0,1 0 1,0 0-1,-1 0 0,1 1 1,0 0-1,0 0 0,0 1 1,0 0-1,0 0 423,-10 5-2149</inkml:trace>
+  <inkml:trace contextRef="#ctx0" brushRef="#br0" timeOffset="19">13913 442 8192,'0'0'73,"1"0"0,-1 0 0,0 0 1,0 0-1,0 0 0,0 0 0,0 0 1,0 0-1,0 0 0,0 1 0,0-1 1,0 0-1,1 0 0,-1 0 0,0 0 1,0 0-1,0 0 0,0 0 0,0 0 1,0 1-1,0-1 0,0 0 0,0 0 1,0 0-1,0 0 0,0 0 0,0 0 0,0 0 1,0 1-1,0-1 0,0 0 0,0 0 1,0 0-1,0 0 0,0 0 0,0 0 1,0 0-1,0 1 0,0-1 0,0 0 1,-1 0-1,1 0 0,0 0 0,0 0 1,0 0-1,0 0 0,0 0 0,0 0 1,0 0-1,0 1 0,0-1 0,0 0 0,-1 0 1,1 0-1,0 0 0,0 0 0,0 0 1,0 0-1,0 0 0,0 0 0,0 0 1,-1 0-1,1 0 0,0 0 0,0 0-73,13 10-1204,-3-1 597,-6-3 579,-1 0 1,1 1-1,-1-1 0,0 1 0,-1 0 1,0 0-1,0 0 0,0 0 0,-1 0 1,1 6 27,-2-13 2,0 0 1,0 0 0,0 0-1,0 0 1,0 0-1,0 0 1,0 0 0,0 1-1,0-1 1,0 0 0,0 0-1,0 0 1,0 0 0,0 0-1,0 0 1,0 0-1,0 0 1,0 0 0,0 0-1,0 0 1,1 1 0,-1-1-1,0 0 1,0 0-1,0 0 1,0 0 0,0 0-1,0 0 1,0 0 0,0 0-1,0 0 1,0 0 0,0 0-1,0 0 1,1 0-1,-1 0 1,0 0 0,0 0-1,0 0 1,0 0 0,0 0-1,0 0 1,0 0-1,0 0 1,0 0 0,0 0-1,1 0 1,-1 0 0,0 0-1,0 0 1,0 0 0,0 0-1,0 0 1,0 0-1,0 0 1,0 0 0,0 0-1,0-1 1,0 1 0,0 0-1,0 0 1,0 0-1,1 0-2,5-8 139,6-13 32,-11 20-161,2-5 2,1 1 1,0 0-1,0 0 1,0 0-1,0 1 1,4-3-13,-7 5-8,1 0 1,0 1 0,0-1 0,0 1 0,0 0 0,0-1 0,0 1 0,0 0 0,1 0 0,-1 0-1,0 1 1,1-1 0,-1 0 0,0 1 0,1 0 0,-1-1 0,1 1 0,0 0 7,-2 1-15,0-1 0,0 1 0,1-1 0,-1 1 0,0 0 0,0-1 0,0 1 0,0 0 0,0 0 0,0 0 0,0 0 0,0 0 0,-1 0 0,1 0 0,0 0 0,0 0 0,-1 0 0,1 1 15,11 27 25,-7-15-90,-3-10 51,6 15-1275,1 0 0,7 10 1289,-15-28-49,-1-1 0,0 0 0,0 0 0,0 1 0,0-1-1,0 0 1,0 0 0,0 0 0,1 1 0,-1-1 0,0 0-1,0 0 1,0 0 0,1 0 0,-1 1 0,0-1-1,0 0 1,0 0 0,1 0 0,-1 0 0,0 0 0,0 0-1,1 0 1,-1 0 0,0 0 0,0 0 0,1 0 0,-1 0-1,0 0 1,0 0 0,1 0 0,-1 0 0,0 0 0,0 0-1,1 0 1,-1 0 0,0 0 0,0 0 0,0 0 0,1 0-1,-1 0 1,0-1 0,0 1 0,1 0 0,-1 0-1,0 0 1,0 0 0,0-1 0,0 1 49,7-11-2369,-1-6 289</inkml:trace>
+  <inkml:trace contextRef="#ctx0" brushRef="#br0" timeOffset="20">14165 1 7296,'-1'1'347,"1"0"-142,0 0 0,-1 0-1,1 1 1,0-1 0,0 0-1,0 0 1,0 1 0,0-1-1,0 0 1,0 1 0,0-1-1,0 0 1,0 0-1,1 1 1,-1-1 0,1 0-1,-1 0 1,1 0 0,-1 0-1,1 1 1,0-1-205,8 22 15,-1 1 1,-2 0-1,0 0 1,-1 1-1,-1-1 0,-2 4-15,9 44-17,-5-40-16,7 44-4052,22 65 4085,-22-105-2394</inkml:trace>
+  <inkml:trace contextRef="#ctx0" brushRef="#br0" timeOffset="21">22 2820 1664,'-1'1'57,"0"0"-1,1-1 1,-1 1-1,1 0 1,-1 0 0,1-1-1,0 1 1,-1 0-1,1 0 1,0 0 0,-1 0-1,1-1 1,0 1-1,0 0 1,0 0-1,0 0-56,-1 3 114,1-2 35,0 20 1814,0 58-964,-4 181-399,2-45-132,0 11-413,0-11 329,3-114-112,0-47-146,-5 160-167,1-88 333,6 9-292,0 16 114,3 34-114,-3-107 0,8 367 133,-4-259-145,9 9 12,-10-122 23,3 25-18,5 56-5,-7 27 0,-7 185 176,5-98-245,-5 21 1381,0-289-1239,0 0-60,0 0 1,0 1-1,0-1 1,0 0 0,0 0-1,0 0 1,0 0-1,1 0 1,-1 0 0,1 0-1,-1 0 1,1 0-1,-1 0 1,1 0 0,-1 0-1,1 0 1,0 0-14,1 0 7,0 1-1,1-1 1,-1 0 0,1 1 0,-1-1 0,1 0-1,0-1 1,-1 1 0,2 0-7,-3-1 13,5 1 5,1 0 0,-1 0-1,1-1 1,0 0-1,-1 0 1,3-1-18,11 0 54,313 10-128,-264-5 33,1 2 0,10 5 41,-1-1 18,28-1-18,-26-7 117,-1-4 0,75-11-117,-70 4 94,21 4-94,-43 2 18,0 3 36,1 3-1,53 9-53,-70-6-53,11-1 20,1-3-1,2-3 34,119-8 87,-85 2-62,0 5-1,66 7-24,-116-1-3,25 2 15,-1 2 0,-1 4-1,23 8-11,-5 3 5,0-4 1,82 8-6,-112-22-12,0 3 0,0 3 0,-1 2 0,4 4 12,95 33 5,3-7-5,-134-37-2,43 11 1,1-3 0,0-4 0,9-1 1,45-5 28,0-6 1,-1-5-1,11-6-28,-1 1-188,31 5 188,129 9-20,-111 7-75,1 8 95,177 30 94,-309-40-88,44 6-16,137 17-76,185 5 102,-184-21 27,55-14-6,333-37-42,-467 15 114,43-15-109,-38 7 126,-108 22-153,-1-3 0,0-1 1,-2-2-1,6-4 27,26-17-5,-23 11 29,1 2 0,29-7-24,38-1-43,91-9 43,-82 17 97,79-10 62,-27 9 17,-28 11-107,172-19-47,-210 20 10,181-7-70,47 12 38,-120 18 357,-124-4-282,-29-1 335,45 12-410,-13-1 364,-95-17-240,1 0-1,-1 0 1,1-1 0,-1-1 0,1 1 0,0-2 0,-1 1 0,0-1 0,1 0 0,-1-1-1,0 0 1,0-1 0,3-2-124,-10 5 19,0 0 1,0-1-1,-1 1 0,1 0 0,-1-1 1,1 0-1,-1 1 0,0-1 0,0 0 1,1 1-1,-1-1 0,0 0 0,-1 0 1,1 0-1,0 0 0,-1 0 0,1 0 1,-1 0-1,1 0 0,-1 0 0,0-1-19,1-8 31,0 0 0,-2 0-1,0-8-30,1 10 48,-14-128 64,3 37-153,-9-22 41,-2-12 207,-18-186 1,36 286-166,-46-414 22,20 207-85,-15-52 58,-6-42-47,40 236 9,-25-171-14,23 190-97,-3-70 112,-67-713-176,74 793 122,-8-92-68,13 100-48,-2-34 39,-4 1 0,-11-36 131,10 70-197,3-3 197,-10-55-267,17 114 238,0 1 1,-1-1 0,1 0 0,-1 1 0,0-1-1,0 1 1,-1-1 0,1 1 0,-1 0 0,0 0-1,0 0 1,0 0 0,0 1 0,-1-1-1,0 1 29,-1-1-43,0 1 0,0 0-1,0 0 1,0 1-1,-1-1 1,1 1 0,-1 0-1,0 1 1,1-1-1,-1 1 1,0 0 0,-4 1 43,-69-4-108,-19 5 108,29-1-4,1 3-310,-60 11 314,49-5-406,-16-2 406,-88-7-111,-80 4 328,104 5-170,-203 19 8,-196 17 30,165-37-151,76-5 41,149 4-99,-435 3 931,528-13-717,-348-12 78,1 16 113,183-4 527,71 0-448,0 1-94,-299 10-52,419-5-38</inkml:trace>
+  <inkml:trace contextRef="#ctx0" brushRef="#br0" timeOffset="22">5066 2693 9984,'-48'8'2685,"1"-1"6,-36 11-2691,19-2 58,0-3 0,-11-1-58,-129 10-11,148-17-62,-127 8 76,73-7-117,0 5 1,-5 7 113,86-13 26,-331 35-111,280-32 90,-155 11 97,189-15-51,-17 5-51,-30 4-89,-25-3 67,-407 24-30,180-27 153,201-2-35,23 0-100,-249 19 117,191-9-33,36-10 439,-10-7-489,-71 2-14,169 0-286,-7-4 300,-5 1-41,4-1 69,-44-10-28,103 14-7,-33-5-30</inkml:trace>
+  <inkml:trace contextRef="#ctx0" brushRef="#br0" timeOffset="23">130 2994 9984,'-14'-3'3680,"10"-1"-2848,-3 11-448,3-7-448,0 2-288,-1-2-32,3 0-128,-3 0-96,5 0 352,0-2-512,5 2-128,-3-7-224,7-7-128,2-8-1408</inkml:trace>
+  <inkml:trace contextRef="#ctx0" brushRef="#br0" timeOffset="24">9266 1307 1152,'1'-4'653,"1"3"99,-1-8-93,-1 9-599,0-1-1,0 1 1,0-1 0,0 1 0,0 0-1,0-1 1,0 1 0,0-1 0,0 1-1,0-1 1,0 1 0,0 0 0,0-1-1,0 1 1,-1-1 0,1 1 0,0 0-1,0-1 1,0 1 0,-1 0 0,1-1-1,0 1 1,0 0 0,-1-1 0,1 1-1,0 0 1,-1-1 0,1 1 0,0 0-1,-1 0 1,1 0 0,-1-1 0,1 1 0,-1 0-60,0 0 62,0 0 1,0 0-1,0 1 1,0-1-1,0 0 1,0 0-1,0 1 1,0-1 0,0 1-1,0-1 1,0 1-1,0-1 1,0 1-63,-26 23 429,16-14-219,0 1-1,-1-2 0,0 1 1,0-2-1,-3 1-209,-69 37 716,38-22-308,8-2-364,0 2 0,2 1 1,1 2-1,1 2 0,2 1 0,0 1 0,-24 34-44,36-42 5,0 0-1,-2-1 1,-1-1-1,0-1 1,-1-1-1,-12 6-4,-29 17-39,-24 16 473,0 6-434,-181 131 397,184-135-277,-242 194-40,281-213-78,27-23 84,0-1 0,0-1 0,-2-1 0,0-1 0,-5 2-86,15-10-101,9-4-188,-1 0-1,0 0 1,0 0 0,0 0-1,0-1 1,0 1 0,-1-1-1,1 0 1,0 0 0,-1-1-1,1 0 1,-2 1 289,5-1-140,1-1 1,-1 1-1,1 0 0,-1 0 1,1-1-1,0 1 0,-1 0 1,1 0-1,-1-1 1,1 1-1,0 0 0,-1-1 1,1 1-1,0-1 1,-1 1-1,1-1 0,0 1 1,-1 0-1,1-1 0,0 1 1,0-1-1,0 1 1,0-1-1,-1 1 0,1-1 140,-1-1-498,-3-8-1177</inkml:trace>
+  <inkml:trace contextRef="#ctx0" brushRef="#br0" timeOffset="25">5636 2671 2304,'0'0'28,"6"9"2352,-12-8 71,-5-2-2633,-68 0 585,34-1 2,1 2-1,-1 2 0,-1 2-404,-188 22 304,117-11 347,-106-2-651,217-13-27,-6 1-150,0-1 0,-1-1 0,1 0 1,0-1-1,0 0 0,-10-3 177,19 4-1010,6 1-151,4-3-652</inkml:trace>
+</inkml:ink>
+</file>
+
+<file path=ppt/ink/ink9.xml><?xml version="1.0" encoding="utf-8"?>
+<inkml:ink xmlns:inkml="http://www.w3.org/2003/InkML">
+  <inkml:definitions>
+    <inkml:context xml:id="ctx0">
+      <inkml:inkSource xml:id="inkSrc0">
+        <inkml:traceFormat>
+          <inkml:channel name="X" type="integer" min="-2.14748E9" max="2.14748E9" units="cm"/>
+          <inkml:channel name="Y" type="integer" min="-2.14748E9" max="2.14748E9" units="cm"/>
+          <inkml:channel name="F" type="integer" max="32767" units="dev"/>
+        </inkml:traceFormat>
+        <inkml:channelProperties>
+          <inkml:channelProperty channel="X" name="resolution" value="1000" units="1/cm"/>
+          <inkml:channelProperty channel="Y" name="resolution" value="1000" units="1/cm"/>
+          <inkml:channelProperty channel="F" name="resolution" value="0" units="1/dev"/>
+        </inkml:channelProperties>
+      </inkml:inkSource>
+      <inkml:timestamp xml:id="ts0" timeString="2020-05-09T21:07:37.968"/>
+    </inkml:context>
+    <inkml:brush xml:id="br0">
+      <inkml:brushProperty name="width" value="0.05" units="cm"/>
+      <inkml:brushProperty name="height" value="0.05" units="cm"/>
+    </inkml:brush>
+  </inkml:definitions>
+  <inkml:trace contextRef="#ctx0" brushRef="#br0">4096 5784 4992,'-7'9'2723,"14"-15"-2166,-2 1-526,-2 2-26,0 0 0,0 0-1,0 1 1,1-1 0,-1 1 0,1 0 0,0 0 0,-1 0 0,1 1 0,1-1-5,16-3-15,0 1 0,0 1 0,1 1 1,-1 1-1,5 1 15,2-1 26,14 1 236,17 3-262,23 1 463,138-7-15,-178 1-448,-1-2 0,29-7 0,17-1-539,-62 10-664,0 2 0,4 1 1203,10 0-2713,2-1 494</inkml:trace>
+  <inkml:trace contextRef="#ctx0" brushRef="#br0" timeOffset="1">7892 336 6144,'-8'-3'998,"5"2"-418,0-1-1,1 1 0,-1 0 1,0 1-1,0-1 0,-3 0-579,20-10 294,-3 4-299,126-72-145,-100 55 149,0 3-1,2 0 1,0 3 0,40-12 1,9 0-115,-21 6-478,0 4 0,1 2 0,5 3 593,-22 8-2490</inkml:trace>
+  <inkml:trace contextRef="#ctx0" brushRef="#br0" timeOffset="2">196 986 1408,'-38'-20'1669,"30"12"-662,3 4-614,3 12-379,2-2 36,-1 0 1,0-1 0,0 1 0,-1-1 0,1 1-1,-1-1-50,-5 20 208,2 9 17,1 0 1,2 0-1,1 1 1,2-1-1,1 0 1,2 1-1,2 1-225,5 42 354,-1 50-354,-1-17 158,-2-45-70,6 60 192,-4 56-280,-8-65 281,-5 180 185,-1-4 104,6-188-431,3 83 26,1-55 249,24 133-414,-27-249-14,3 32 71,-3 1-1,-3 15-56,0-12 63,-5 115 94,1-73 44,4-45-73</inkml:trace>
+  <inkml:trace contextRef="#ctx0" brushRef="#br0" timeOffset="3">188 4245 6784,'-4'84'3428,"-2"-33"-3006,-1-1 0,-14 46-422,-4-13 140,11-39-53,2-1 0,-3 29-87,-2 90 151,10-80-30,-11 45-121,0-34 294,16-80-250,0 0 0,0 0 0,2 0 0,0 0 0,0 0 0,1 0 0,0-1 0,2 3-44,-1-10 33,0 0 0,0 1 1,1-1-1,-1 0 0,1 0 1,0-1-1,1 1 0,-1-1 1,1 0-1,0 1 0,0-2 1,1 1-1,-1 0 0,1-1 1,-1 0-1,1 0 0,0 0 1,0-1-1,0 1 0,1-1 1,-1-1-1,1 1 0,-1-1 1,1 0-1,-1 0 0,1 0 1,0-1-1,2 0-33,89 2 354,-34 0-393,0-2 1,7-4 38,-6-2 3,0 2 0,25 4-3,-50 4-24,1 1 0,26 9 24,-32-7-105,1 0 0,0-3 0,29 1 105,180-12 318,3 0-177,3 1-312,-104 0 182,271 5 130,-219 2-218,-106-5 98,0-4 0,0-4 1,30-11-22,-59 11-23,0 3 1,1 2-1,0 3 1,0 3 0,5 3 22,31 5-2,0-5 0,0-4 0,23-7 2,-61 5 55,0 2-1,0 2-54,121 11-20,-66-3-53,49-5 73,-28-7 29,0 7-1,0 6 1,12 7-29,-67-6-91,54-3 91,86-7 70,-95-1-156,68 4 315,22 11-229,-114-3 57,-4-1-136,0-3 0,1-5 79,30-9 155,126-22-155,-16-2-32,-240 31 32,83-5 104,0 3 1,51 8-105,28-1-124,78-12 201,-160 0 17,77-17-94,-145 22 48,-10 2-8,0 0 0,0-1 0,0 1 0,0-1 0,0 0 0,0 0 0,0 0 0,1-1-40,0-1 272</inkml:trace>
+  <inkml:trace contextRef="#ctx0" brushRef="#br0" timeOffset="4">7910 5303 10368,'-9'-23'4195,"2"-14"-2470,-7-44-1182,-9-98-68,-10-80-346,-16-187 227,39-402-484,23 587 88,-5 112-32,11-464 483,-19 482-655,-1-195 525,-17 3-601,12 207 177,5-26 143,2 86-17,-6-111-329,9 89 144,-1 47 295,-2 0 0,-2-20-93,0 46-20,1-1 0,-1 0 0,-1 0 0,1 1 0,-1-1 1,0 0-1,0 1 0,0 0 0,-1 0 0,0-1 0,0 1 0,-2-1 20,3 3-8,-1 0-1,0 0 1,0 0-1,-1 0 0,1 0 1,-1 1-1,1-1 1,-1 1-1,0 0 1,0 0-1,0 0 1,0 1-1,0 0 0,0-1 1,0 1-1,0 1 1,-1-1 8,-89-9 44,0 4 1,-1 4-1,-38 7-44,83 1 64,-11 0-37,-131-10 30,107 0-173,-75 6 116,-154 5-29,230-7 15,-98 8 107,29 0-58,39-7-47,23-2-45,-78 11 57,-389 32-128,309-40 225,-20 1-34,-304 7 12,443-7-88,-1 5 1,2 6-1,-67 18 13,129-17 2,37-7 12,0-1 0,-1-2 1,0-1-1,-17-1-14,-1-4 39,-10 1 82,-12 3-121,-19 3 29,-101 10-287,39-3 460,-118-8-202,-33 2 96,245-4-120,5-1-63,1 3 1,-4 2 86,-20 7 53,0-3 1,0-4-1,-1-3 0,-16-4-53,57-2-1,-34-1-131,-22-6 132,-77-9 110,46 6-129,-263-13-95,324 23 185,-132-12 217,123 9-282,42 2-14,-1 1-1,-21 2 9,23 1-435,25-1 24,4-1-75,16-2-613,2-1 106,-1-1-1,1-1 1,-1 0 0,-1-1 0,3-3 993,27-12-3114</inkml:trace>
+  <inkml:trace contextRef="#ctx0" brushRef="#br0" timeOffset="5">248 3680 1152,'-1'1'47,"0"0"0,-1 0 0,1 0 1,0 0-1,0 0 0,0 0 0,-1 0 0,1 0 0,0 1-47,1-1 1,-1 0-1,1-1 0,-1 1 1,1 0-1,-1-1 0,1 1 1,-1-1-1,1 1 1,-1-1-1,1 0 0,-1 1 1,0-1-1,1 1 0,-1-1 1,0 0-1,1 0 0,-1 1 1,0-1-1,0 0 1,1 0-1,-1 0 0,0 0-9,1 0-1,0 0 1,0 0 0,0 0 0,-1 0-1,1 0 1,0 0 0,0 0 0,0 0-1,-1 1 1,1-1 0,0 0-1,0 0 1,0 0 0,-1 0 0,1 0-1,0 0 1,0 0 0,0 0 0,0 1-1,-1-1 1,1 0 0,0 0 0,0 0-1,0 0 1,0 0 0,0 1-1,0-1 1,-1 0 0,1 0 0,0 0 9,0 1-5,0-1 1,0 0 0,0 0-1,0 0 1,0 0 0,0 0-1,0 0 1,-1 1 0,1-1-1,0 0 1,0 0 0,0 0 0,0 0-1,0 0 1,0 0 0,-1 0-1,1 0 1,0 0 0,0 0-1,0 0 1,0 0 0,-1 0-1,1 0 1,0 0 0,0 0-1,0 0 1,0 0 0,0 0-1,-1 0 1,1 0 0,0 0-1,0 0 1,0 0 0,0 0-1,0 0 1,-1 0 0,1 0-1,0 0 1,0 0 0,0 0 0,0-1-1,0 1 1,0 0 0,0 0-1,-1 0 1,1 0 0,0 0-1,0 0 1,0-1 0,0 1-1,0 0 1,0 0 4,-26 3 3157,25-2-3086,0-1 0,0 0-1,0 1 1,0-1-1,1 0 1,-1 1 0,0-1-1,0 1 1,1-1 0,-1 1-1,0-1 1,1 1 0,-1 0-1,0-1 1,1 1 0,-1 0-1,1 0 1,0-1 0,-1 1-1,1 0-70,-6 5 1195,11-8-1011,2-1-25,0 1-1,-1 0 0,1 0 1,0 0-1,6 0-158,-12 2 64,-1 0 43,-4 18 1381,2-11-1367,0-1 0,0 1 1,1 0-1,0 0 0,0 0 1,0 0-1,1 0 1,0 0-1,1 0 0,0 2-121,-1 21 120,-4 57 133,-6 57 129,3-42 414,6 97-796,2-94 57,-1-57-22,-3 1 0,-3 11-35,4-44-8,-1 1 1,-1 0-1,0-1 1,-1 0 0,-1 0-1,-1 0 1,0-1 0,-2 2 7,9-17-238,-1 0 211,1 0 1,0 0-1,0 0 1,0 0-1,0 0 0,0 0 1,-1 0-1,1-1 0,0 1 1,0 0-1,0 0 1,0 0-1,0 0 0,0 0 1,0 0-1,-1 0 0,1-1 1,0 1-1,0 0 1,0 0-1,0 0 0,0 0 1,0 0-1,0-1 1,0 1-1,0 0 0,0 0 1,0 0-1,0 0 0,0 0 1,0-1-1,0 1 1,0 0-1,0 0 0,0 0 1,0 0-1,0 0 1,0-1-1,0 1 0,0 0 1,0 0-1,0 0 0,0 0 1,1 0-1,-1-1 1,0 1-1,0 0 0,0 0 1,0 0-1,0 0 1,0 0-1,0 0 0,1 0 1,-1 0-1,0-1 0,0 1 1,0 0-1,0 0 1,0 0-1,1 0 27,18-24-3029,-4 2 677</inkml:trace>
+  <inkml:trace contextRef="#ctx0" brushRef="#br0" timeOffset="6">7951 206 3072,'0'-1'1429,"0"3"-37,0-1-1367,1 1 0,-1-1 0,0 1 0,0 0 1,0-1-1,0 1 0,0-1 0,0 1 0,0-1 0,0 1 0,0-1 0,-1 1 0,1 0 0,-1-1 0,1 1 1,-1-1-1,0 0 0,1 1 0,-1-1 0,0 0 0,0 1 0,0-1 0,0 0 0,0 0 0,0 0 0,-1 0 0,1 0 1,-1 1-26,-5 3 193,-1 1 1,0-1-1,-1-1 1,-6 3-194,-13 8 160,-44 40 648,-6 3-192,33-27-293,1 2 0,-32 32-323,27-20-532,18-17-1075,-27 30 1607,24-19-1829,31-32 261</inkml:trace>
+</inkml:ink>
+</file>
+
 <file path=ppt/slideLayouts/slideLayout1.xml><?xml version="1.0" encoding="utf-8"?>
 <p:sldLayout xmlns:a="http://schemas.openxmlformats.org/drawingml/2006/main" xmlns:r="http://schemas.openxmlformats.org/officeDocument/2006/relationships" xmlns:p="http://schemas.openxmlformats.org/presentationml/2006/main" type="title" preserve="1">
   <p:cSld name="Title Slide">
@@ -285,7 +667,7 @@
           <a:p>
             <a:fld id="{919D266F-1832-4AED-95A7-DB500E667DE8}" type="datetimeFigureOut">
               <a:rPr lang="en-US" smtClean="0"/>
-              <a:t>4/5/2020</a:t>
+              <a:t>5/9/2020</a:t>
             </a:fld>
             <a:endParaRPr lang="en-US"/>
           </a:p>
@@ -483,7 +865,7 @@
           <a:p>
             <a:fld id="{919D266F-1832-4AED-95A7-DB500E667DE8}" type="datetimeFigureOut">
               <a:rPr lang="en-US" smtClean="0"/>
-              <a:t>4/5/2020</a:t>
+              <a:t>5/9/2020</a:t>
             </a:fld>
             <a:endParaRPr lang="en-US"/>
           </a:p>
@@ -691,7 +1073,7 @@
           <a:p>
             <a:fld id="{919D266F-1832-4AED-95A7-DB500E667DE8}" type="datetimeFigureOut">
               <a:rPr lang="en-US" smtClean="0"/>
-              <a:t>4/5/2020</a:t>
+              <a:t>5/9/2020</a:t>
             </a:fld>
             <a:endParaRPr lang="en-US"/>
           </a:p>
@@ -889,7 +1271,7 @@
           <a:p>
             <a:fld id="{919D266F-1832-4AED-95A7-DB500E667DE8}" type="datetimeFigureOut">
               <a:rPr lang="en-US" smtClean="0"/>
-              <a:t>4/5/2020</a:t>
+              <a:t>5/9/2020</a:t>
             </a:fld>
             <a:endParaRPr lang="en-US"/>
           </a:p>
@@ -1164,7 +1546,7 @@
           <a:p>
             <a:fld id="{919D266F-1832-4AED-95A7-DB500E667DE8}" type="datetimeFigureOut">
               <a:rPr lang="en-US" smtClean="0"/>
-              <a:t>4/5/2020</a:t>
+              <a:t>5/9/2020</a:t>
             </a:fld>
             <a:endParaRPr lang="en-US"/>
           </a:p>
@@ -1429,7 +1811,7 @@
           <a:p>
             <a:fld id="{919D266F-1832-4AED-95A7-DB500E667DE8}" type="datetimeFigureOut">
               <a:rPr lang="en-US" smtClean="0"/>
-              <a:t>4/5/2020</a:t>
+              <a:t>5/9/2020</a:t>
             </a:fld>
             <a:endParaRPr lang="en-US"/>
           </a:p>
@@ -1841,7 +2223,7 @@
           <a:p>
             <a:fld id="{919D266F-1832-4AED-95A7-DB500E667DE8}" type="datetimeFigureOut">
               <a:rPr lang="en-US" smtClean="0"/>
-              <a:t>4/5/2020</a:t>
+              <a:t>5/9/2020</a:t>
             </a:fld>
             <a:endParaRPr lang="en-US"/>
           </a:p>
@@ -1982,7 +2364,7 @@
           <a:p>
             <a:fld id="{919D266F-1832-4AED-95A7-DB500E667DE8}" type="datetimeFigureOut">
               <a:rPr lang="en-US" smtClean="0"/>
-              <a:t>4/5/2020</a:t>
+              <a:t>5/9/2020</a:t>
             </a:fld>
             <a:endParaRPr lang="en-US"/>
           </a:p>
@@ -2095,7 +2477,7 @@
           <a:p>
             <a:fld id="{919D266F-1832-4AED-95A7-DB500E667DE8}" type="datetimeFigureOut">
               <a:rPr lang="en-US" smtClean="0"/>
-              <a:t>4/5/2020</a:t>
+              <a:t>5/9/2020</a:t>
             </a:fld>
             <a:endParaRPr lang="en-US"/>
           </a:p>
@@ -2406,7 +2788,7 @@
           <a:p>
             <a:fld id="{919D266F-1832-4AED-95A7-DB500E667DE8}" type="datetimeFigureOut">
               <a:rPr lang="en-US" smtClean="0"/>
-              <a:t>4/5/2020</a:t>
+              <a:t>5/9/2020</a:t>
             </a:fld>
             <a:endParaRPr lang="en-US"/>
           </a:p>
@@ -2694,7 +3076,7 @@
           <a:p>
             <a:fld id="{919D266F-1832-4AED-95A7-DB500E667DE8}" type="datetimeFigureOut">
               <a:rPr lang="en-US" smtClean="0"/>
-              <a:t>4/5/2020</a:t>
+              <a:t>5/9/2020</a:t>
             </a:fld>
             <a:endParaRPr lang="en-US"/>
           </a:p>
@@ -2935,7 +3317,7 @@
           <a:p>
             <a:fld id="{919D266F-1832-4AED-95A7-DB500E667DE8}" type="datetimeFigureOut">
               <a:rPr lang="en-US" smtClean="0"/>
-              <a:t>4/5/2020</a:t>
+              <a:t>5/9/2020</a:t>
             </a:fld>
             <a:endParaRPr lang="en-US"/>
           </a:p>
@@ -9480,6 +9862,657 @@
 </p:sld>
 </file>
 
+<file path=ppt/slides/slide17.xml><?xml version="1.0" encoding="utf-8"?>
+<p:sld xmlns:a="http://schemas.openxmlformats.org/drawingml/2006/main" xmlns:r="http://schemas.openxmlformats.org/officeDocument/2006/relationships" xmlns:p="http://schemas.openxmlformats.org/presentationml/2006/main">
+  <p:cSld>
+    <p:spTree>
+      <p:nvGrpSpPr>
+        <p:cNvPr id="1" name=""/>
+        <p:cNvGrpSpPr/>
+        <p:nvPr/>
+      </p:nvGrpSpPr>
+      <p:grpSpPr>
+        <a:xfrm>
+          <a:off x="0" y="0"/>
+          <a:ext cx="0" cy="0"/>
+          <a:chOff x="0" y="0"/>
+          <a:chExt cx="0" cy="0"/>
+        </a:xfrm>
+      </p:grpSpPr>
+      <p:pic>
+        <p:nvPicPr>
+          <p:cNvPr id="3" name="Picture 2">
+            <a:extLst>
+              <a:ext uri="{FF2B5EF4-FFF2-40B4-BE49-F238E27FC236}">
+                <a16:creationId xmlns:a16="http://schemas.microsoft.com/office/drawing/2014/main" id="{5DBFAECB-9581-4366-BB10-28934A25D016}"/>
+              </a:ext>
+            </a:extLst>
+          </p:cNvPr>
+          <p:cNvPicPr>
+            <a:picLocks noChangeAspect="1"/>
+          </p:cNvPicPr>
+          <p:nvPr/>
+        </p:nvPicPr>
+        <p:blipFill>
+          <a:blip r:embed="rId2"/>
+          <a:stretch>
+            <a:fillRect/>
+          </a:stretch>
+        </p:blipFill>
+        <p:spPr>
+          <a:xfrm>
+            <a:off x="2534736" y="4242232"/>
+            <a:ext cx="6031416" cy="2101714"/>
+          </a:xfrm>
+          <a:prstGeom prst="rect">
+            <a:avLst/>
+          </a:prstGeom>
+        </p:spPr>
+      </p:pic>
+      <p:pic>
+        <p:nvPicPr>
+          <p:cNvPr id="4" name="Picture 3">
+            <a:extLst>
+              <a:ext uri="{FF2B5EF4-FFF2-40B4-BE49-F238E27FC236}">
+                <a16:creationId xmlns:a16="http://schemas.microsoft.com/office/drawing/2014/main" id="{6109495A-B2F1-4155-ADF7-F1B0CAFB1B58}"/>
+              </a:ext>
+            </a:extLst>
+          </p:cNvPr>
+          <p:cNvPicPr>
+            <a:picLocks noChangeAspect="1"/>
+          </p:cNvPicPr>
+          <p:nvPr/>
+        </p:nvPicPr>
+        <p:blipFill>
+          <a:blip r:embed="rId2"/>
+          <a:stretch>
+            <a:fillRect/>
+          </a:stretch>
+        </p:blipFill>
+        <p:spPr>
+          <a:xfrm>
+            <a:off x="2534736" y="1386115"/>
+            <a:ext cx="6031416" cy="2101714"/>
+          </a:xfrm>
+          <a:prstGeom prst="rect">
+            <a:avLst/>
+          </a:prstGeom>
+        </p:spPr>
+      </p:pic>
+      <mc:AlternateContent xmlns:mc="http://schemas.openxmlformats.org/markup-compatibility/2006">
+        <mc:Choice xmlns:p14="http://schemas.microsoft.com/office/powerpoint/2010/main" Requires="p14">
+          <p:contentPart p14:bwMode="auto" r:id="rId3">
+            <p14:nvContentPartPr>
+              <p14:cNvPr id="5" name="Ink 4">
+                <a:extLst>
+                  <a:ext uri="{FF2B5EF4-FFF2-40B4-BE49-F238E27FC236}">
+                    <a16:creationId xmlns:a16="http://schemas.microsoft.com/office/drawing/2014/main" id="{7B031EF0-F48C-42C6-9A04-0FCA97B840A7}"/>
+                  </a:ext>
+                </a:extLst>
+              </p14:cNvPr>
+              <p14:cNvContentPartPr/>
+              <p14:nvPr/>
+            </p14:nvContentPartPr>
+            <p14:xfrm>
+              <a:off x="6555329" y="1084190"/>
+              <a:ext cx="1777680" cy="315000"/>
+            </p14:xfrm>
+          </p:contentPart>
+        </mc:Choice>
+        <mc:Fallback>
+          <p:pic>
+            <p:nvPicPr>
+              <p:cNvPr id="5" name="Ink 4">
+                <a:extLst>
+                  <a:ext uri="{FF2B5EF4-FFF2-40B4-BE49-F238E27FC236}">
+                    <a16:creationId xmlns:a16="http://schemas.microsoft.com/office/drawing/2014/main" id="{7B031EF0-F48C-42C6-9A04-0FCA97B840A7}"/>
+                  </a:ext>
+                </a:extLst>
+              </p:cNvPr>
+              <p:cNvPicPr/>
+              <p:nvPr/>
+            </p:nvPicPr>
+            <p:blipFill>
+              <a:blip r:embed="rId4"/>
+              <a:stretch>
+                <a:fillRect/>
+              </a:stretch>
+            </p:blipFill>
+            <p:spPr>
+              <a:xfrm>
+                <a:off x="6546329" y="1075540"/>
+                <a:ext cx="1795320" cy="332660"/>
+              </a:xfrm>
+              <a:prstGeom prst="rect">
+                <a:avLst/>
+              </a:prstGeom>
+            </p:spPr>
+          </p:pic>
+        </mc:Fallback>
+      </mc:AlternateContent>
+      <mc:AlternateContent xmlns:mc="http://schemas.openxmlformats.org/markup-compatibility/2006">
+        <mc:Choice xmlns:p14="http://schemas.microsoft.com/office/powerpoint/2010/main" Requires="p14">
+          <p:contentPart p14:bwMode="auto" r:id="rId5">
+            <p14:nvContentPartPr>
+              <p14:cNvPr id="6" name="Ink 5">
+                <a:extLst>
+                  <a:ext uri="{FF2B5EF4-FFF2-40B4-BE49-F238E27FC236}">
+                    <a16:creationId xmlns:a16="http://schemas.microsoft.com/office/drawing/2014/main" id="{E1531C6F-79FC-41FA-82E1-ADAC603107F5}"/>
+                  </a:ext>
+                </a:extLst>
+              </p14:cNvPr>
+              <p14:cNvContentPartPr/>
+              <p14:nvPr/>
+            </p14:nvContentPartPr>
+            <p14:xfrm>
+              <a:off x="6486209" y="4030070"/>
+              <a:ext cx="174240" cy="181080"/>
+            </p14:xfrm>
+          </p:contentPart>
+        </mc:Choice>
+        <mc:Fallback>
+          <p:pic>
+            <p:nvPicPr>
+              <p:cNvPr id="6" name="Ink 5">
+                <a:extLst>
+                  <a:ext uri="{FF2B5EF4-FFF2-40B4-BE49-F238E27FC236}">
+                    <a16:creationId xmlns:a16="http://schemas.microsoft.com/office/drawing/2014/main" id="{E1531C6F-79FC-41FA-82E1-ADAC603107F5}"/>
+                  </a:ext>
+                </a:extLst>
+              </p:cNvPr>
+              <p:cNvPicPr/>
+              <p:nvPr/>
+            </p:nvPicPr>
+            <p:blipFill>
+              <a:blip r:embed="rId6"/>
+              <a:stretch>
+                <a:fillRect/>
+              </a:stretch>
+            </p:blipFill>
+            <p:spPr>
+              <a:xfrm>
+                <a:off x="6477569" y="4021070"/>
+                <a:ext cx="191880" cy="198720"/>
+              </a:xfrm>
+              <a:prstGeom prst="rect">
+                <a:avLst/>
+              </a:prstGeom>
+            </p:spPr>
+          </p:pic>
+        </mc:Fallback>
+      </mc:AlternateContent>
+      <mc:AlternateContent xmlns:mc="http://schemas.openxmlformats.org/markup-compatibility/2006">
+        <mc:Choice xmlns:p14="http://schemas.microsoft.com/office/powerpoint/2010/main" Requires="p14">
+          <p:contentPart p14:bwMode="auto" r:id="rId7">
+            <p14:nvContentPartPr>
+              <p14:cNvPr id="7" name="Ink 6">
+                <a:extLst>
+                  <a:ext uri="{FF2B5EF4-FFF2-40B4-BE49-F238E27FC236}">
+                    <a16:creationId xmlns:a16="http://schemas.microsoft.com/office/drawing/2014/main" id="{97A07790-CCA7-4A7C-BBA6-7B199973C4A5}"/>
+                  </a:ext>
+                </a:extLst>
+              </p14:cNvPr>
+              <p14:cNvContentPartPr/>
+              <p14:nvPr/>
+            </p14:nvContentPartPr>
+            <p14:xfrm>
+              <a:off x="6835049" y="3831710"/>
+              <a:ext cx="1628280" cy="293040"/>
+            </p14:xfrm>
+          </p:contentPart>
+        </mc:Choice>
+        <mc:Fallback>
+          <p:pic>
+            <p:nvPicPr>
+              <p:cNvPr id="7" name="Ink 6">
+                <a:extLst>
+                  <a:ext uri="{FF2B5EF4-FFF2-40B4-BE49-F238E27FC236}">
+                    <a16:creationId xmlns:a16="http://schemas.microsoft.com/office/drawing/2014/main" id="{97A07790-CCA7-4A7C-BBA6-7B199973C4A5}"/>
+                  </a:ext>
+                </a:extLst>
+              </p:cNvPr>
+              <p:cNvPicPr/>
+              <p:nvPr/>
+            </p:nvPicPr>
+            <p:blipFill>
+              <a:blip r:embed="rId8"/>
+              <a:stretch>
+                <a:fillRect/>
+              </a:stretch>
+            </p:blipFill>
+            <p:spPr>
+              <a:xfrm>
+                <a:off x="6826409" y="3823059"/>
+                <a:ext cx="1645920" cy="310702"/>
+              </a:xfrm>
+              <a:prstGeom prst="rect">
+                <a:avLst/>
+              </a:prstGeom>
+            </p:spPr>
+          </p:pic>
+        </mc:Fallback>
+      </mc:AlternateContent>
+      <mc:AlternateContent xmlns:mc="http://schemas.openxmlformats.org/markup-compatibility/2006">
+        <mc:Choice xmlns:p14="http://schemas.microsoft.com/office/powerpoint/2010/main" Requires="p14">
+          <p:contentPart p14:bwMode="auto" r:id="rId9">
+            <p14:nvContentPartPr>
+              <p14:cNvPr id="8" name="Ink 7">
+                <a:extLst>
+                  <a:ext uri="{FF2B5EF4-FFF2-40B4-BE49-F238E27FC236}">
+                    <a16:creationId xmlns:a16="http://schemas.microsoft.com/office/drawing/2014/main" id="{1A887B07-9667-447D-8FDA-927AF914D3AE}"/>
+                  </a:ext>
+                </a:extLst>
+              </p14:cNvPr>
+              <p14:cNvContentPartPr/>
+              <p14:nvPr/>
+            </p14:nvContentPartPr>
+            <p14:xfrm>
+              <a:off x="6582689" y="3864110"/>
+              <a:ext cx="246960" cy="270360"/>
+            </p14:xfrm>
+          </p:contentPart>
+        </mc:Choice>
+        <mc:Fallback>
+          <p:pic>
+            <p:nvPicPr>
+              <p:cNvPr id="8" name="Ink 7">
+                <a:extLst>
+                  <a:ext uri="{FF2B5EF4-FFF2-40B4-BE49-F238E27FC236}">
+                    <a16:creationId xmlns:a16="http://schemas.microsoft.com/office/drawing/2014/main" id="{1A887B07-9667-447D-8FDA-927AF914D3AE}"/>
+                  </a:ext>
+                </a:extLst>
+              </p:cNvPr>
+              <p:cNvPicPr/>
+              <p:nvPr/>
+            </p:nvPicPr>
+            <p:blipFill>
+              <a:blip r:embed="rId10"/>
+              <a:stretch>
+                <a:fillRect/>
+              </a:stretch>
+            </p:blipFill>
+            <p:spPr>
+              <a:xfrm>
+                <a:off x="6574049" y="3855110"/>
+                <a:ext cx="264600" cy="288000"/>
+              </a:xfrm>
+              <a:prstGeom prst="rect">
+                <a:avLst/>
+              </a:prstGeom>
+            </p:spPr>
+          </p:pic>
+        </mc:Fallback>
+      </mc:AlternateContent>
+      <mc:AlternateContent xmlns:mc="http://schemas.openxmlformats.org/markup-compatibility/2006">
+        <mc:Choice xmlns:p14="http://schemas.microsoft.com/office/powerpoint/2010/main" Requires="p14">
+          <p:contentPart p14:bwMode="auto" r:id="rId11">
+            <p14:nvContentPartPr>
+              <p14:cNvPr id="9" name="Ink 8">
+                <a:extLst>
+                  <a:ext uri="{FF2B5EF4-FFF2-40B4-BE49-F238E27FC236}">
+                    <a16:creationId xmlns:a16="http://schemas.microsoft.com/office/drawing/2014/main" id="{9C0637B6-74B1-4CA3-887A-289994780F1D}"/>
+                  </a:ext>
+                </a:extLst>
+              </p14:cNvPr>
+              <p14:cNvContentPartPr/>
+              <p14:nvPr/>
+            </p14:nvContentPartPr>
+            <p14:xfrm>
+              <a:off x="6167609" y="4880275"/>
+              <a:ext cx="2383560" cy="74880"/>
+            </p14:xfrm>
+          </p:contentPart>
+        </mc:Choice>
+        <mc:Fallback>
+          <p:pic>
+            <p:nvPicPr>
+              <p:cNvPr id="9" name="Ink 8">
+                <a:extLst>
+                  <a:ext uri="{FF2B5EF4-FFF2-40B4-BE49-F238E27FC236}">
+                    <a16:creationId xmlns:a16="http://schemas.microsoft.com/office/drawing/2014/main" id="{9C0637B6-74B1-4CA3-887A-289994780F1D}"/>
+                  </a:ext>
+                </a:extLst>
+              </p:cNvPr>
+              <p:cNvPicPr/>
+              <p:nvPr/>
+            </p:nvPicPr>
+            <p:blipFill>
+              <a:blip r:embed="rId12"/>
+              <a:stretch>
+                <a:fillRect/>
+              </a:stretch>
+            </p:blipFill>
+            <p:spPr>
+              <a:xfrm>
+                <a:off x="6158969" y="4871275"/>
+                <a:ext cx="2401200" cy="92520"/>
+              </a:xfrm>
+              <a:prstGeom prst="rect">
+                <a:avLst/>
+              </a:prstGeom>
+            </p:spPr>
+          </p:pic>
+        </mc:Fallback>
+      </mc:AlternateContent>
+      <mc:AlternateContent xmlns:mc="http://schemas.openxmlformats.org/markup-compatibility/2006">
+        <mc:Choice xmlns:p14="http://schemas.microsoft.com/office/powerpoint/2010/main" Requires="p14">
+          <p:contentPart p14:bwMode="auto" r:id="rId13">
+            <p14:nvContentPartPr>
+              <p14:cNvPr id="10" name="Ink 9">
+                <a:extLst>
+                  <a:ext uri="{FF2B5EF4-FFF2-40B4-BE49-F238E27FC236}">
+                    <a16:creationId xmlns:a16="http://schemas.microsoft.com/office/drawing/2014/main" id="{8810E4A4-ABA1-4B1C-93A9-D4E19B5AE607}"/>
+                  </a:ext>
+                </a:extLst>
+              </p14:cNvPr>
+              <p14:cNvContentPartPr/>
+              <p14:nvPr/>
+            </p14:nvContentPartPr>
+            <p14:xfrm>
+              <a:off x="9287369" y="1313395"/>
+              <a:ext cx="359640" cy="306720"/>
+            </p14:xfrm>
+          </p:contentPart>
+        </mc:Choice>
+        <mc:Fallback>
+          <p:pic>
+            <p:nvPicPr>
+              <p:cNvPr id="10" name="Ink 9">
+                <a:extLst>
+                  <a:ext uri="{FF2B5EF4-FFF2-40B4-BE49-F238E27FC236}">
+                    <a16:creationId xmlns:a16="http://schemas.microsoft.com/office/drawing/2014/main" id="{8810E4A4-ABA1-4B1C-93A9-D4E19B5AE607}"/>
+                  </a:ext>
+                </a:extLst>
+              </p:cNvPr>
+              <p:cNvPicPr/>
+              <p:nvPr/>
+            </p:nvPicPr>
+            <p:blipFill>
+              <a:blip r:embed="rId14"/>
+              <a:stretch>
+                <a:fillRect/>
+              </a:stretch>
+            </p:blipFill>
+            <p:spPr>
+              <a:xfrm>
+                <a:off x="9278369" y="1304755"/>
+                <a:ext cx="377280" cy="324360"/>
+              </a:xfrm>
+              <a:prstGeom prst="rect">
+                <a:avLst/>
+              </a:prstGeom>
+            </p:spPr>
+          </p:pic>
+        </mc:Fallback>
+      </mc:AlternateContent>
+      <mc:AlternateContent xmlns:mc="http://schemas.openxmlformats.org/markup-compatibility/2006">
+        <mc:Choice xmlns:p14="http://schemas.microsoft.com/office/powerpoint/2010/main" Requires="p14">
+          <p:contentPart p14:bwMode="auto" r:id="rId15">
+            <p14:nvContentPartPr>
+              <p14:cNvPr id="11" name="Ink 10">
+                <a:extLst>
+                  <a:ext uri="{FF2B5EF4-FFF2-40B4-BE49-F238E27FC236}">
+                    <a16:creationId xmlns:a16="http://schemas.microsoft.com/office/drawing/2014/main" id="{833B4B75-D415-4DC7-BF05-51BB41693042}"/>
+                  </a:ext>
+                </a:extLst>
+              </p14:cNvPr>
+              <p14:cNvContentPartPr/>
+              <p14:nvPr/>
+            </p14:nvContentPartPr>
+            <p14:xfrm>
+              <a:off x="9746369" y="1284595"/>
+              <a:ext cx="1041840" cy="211680"/>
+            </p14:xfrm>
+          </p:contentPart>
+        </mc:Choice>
+        <mc:Fallback>
+          <p:pic>
+            <p:nvPicPr>
+              <p:cNvPr id="11" name="Ink 10">
+                <a:extLst>
+                  <a:ext uri="{FF2B5EF4-FFF2-40B4-BE49-F238E27FC236}">
+                    <a16:creationId xmlns:a16="http://schemas.microsoft.com/office/drawing/2014/main" id="{833B4B75-D415-4DC7-BF05-51BB41693042}"/>
+                  </a:ext>
+                </a:extLst>
+              </p:cNvPr>
+              <p:cNvPicPr/>
+              <p:nvPr/>
+            </p:nvPicPr>
+            <p:blipFill>
+              <a:blip r:embed="rId16"/>
+              <a:stretch>
+                <a:fillRect/>
+              </a:stretch>
+            </p:blipFill>
+            <p:spPr>
+              <a:xfrm>
+                <a:off x="9737729" y="1275955"/>
+                <a:ext cx="1059480" cy="229320"/>
+              </a:xfrm>
+              <a:prstGeom prst="rect">
+                <a:avLst/>
+              </a:prstGeom>
+            </p:spPr>
+          </p:pic>
+        </mc:Fallback>
+      </mc:AlternateContent>
+      <mc:AlternateContent xmlns:mc="http://schemas.openxmlformats.org/markup-compatibility/2006">
+        <mc:Choice xmlns:p14="http://schemas.microsoft.com/office/powerpoint/2010/main" Requires="p14">
+          <p:contentPart p14:bwMode="auto" r:id="rId17">
+            <p14:nvContentPartPr>
+              <p14:cNvPr id="12" name="Ink 11">
+                <a:extLst>
+                  <a:ext uri="{FF2B5EF4-FFF2-40B4-BE49-F238E27FC236}">
+                    <a16:creationId xmlns:a16="http://schemas.microsoft.com/office/drawing/2014/main" id="{CB3CD02B-10E3-4865-B273-945D5D7BE800}"/>
+                  </a:ext>
+                </a:extLst>
+              </p14:cNvPr>
+              <p14:cNvContentPartPr/>
+              <p14:nvPr/>
+            </p14:nvContentPartPr>
+            <p14:xfrm>
+              <a:off x="6131990" y="3693715"/>
+              <a:ext cx="5143320" cy="2773440"/>
+            </p14:xfrm>
+          </p:contentPart>
+        </mc:Choice>
+        <mc:Fallback>
+          <p:pic>
+            <p:nvPicPr>
+              <p:cNvPr id="12" name="Ink 11">
+                <a:extLst>
+                  <a:ext uri="{FF2B5EF4-FFF2-40B4-BE49-F238E27FC236}">
+                    <a16:creationId xmlns:a16="http://schemas.microsoft.com/office/drawing/2014/main" id="{CB3CD02B-10E3-4865-B273-945D5D7BE800}"/>
+                  </a:ext>
+                </a:extLst>
+              </p:cNvPr>
+              <p:cNvPicPr/>
+              <p:nvPr/>
+            </p:nvPicPr>
+            <p:blipFill>
+              <a:blip r:embed="rId18"/>
+              <a:stretch>
+                <a:fillRect/>
+              </a:stretch>
+            </p:blipFill>
+            <p:spPr>
+              <a:xfrm>
+                <a:off x="6122990" y="3685075"/>
+                <a:ext cx="5160960" cy="2791080"/>
+              </a:xfrm>
+              <a:prstGeom prst="rect">
+                <a:avLst/>
+              </a:prstGeom>
+            </p:spPr>
+          </p:pic>
+        </mc:Fallback>
+      </mc:AlternateContent>
+      <mc:AlternateContent xmlns:mc="http://schemas.openxmlformats.org/markup-compatibility/2006">
+        <mc:Choice xmlns:p14="http://schemas.microsoft.com/office/powerpoint/2010/main" Requires="p14">
+          <p:contentPart p14:bwMode="auto" r:id="rId19">
+            <p14:nvContentPartPr>
+              <p14:cNvPr id="13" name="Ink 12">
+                <a:extLst>
+                  <a:ext uri="{FF2B5EF4-FFF2-40B4-BE49-F238E27FC236}">
+                    <a16:creationId xmlns:a16="http://schemas.microsoft.com/office/drawing/2014/main" id="{0297F50A-870E-499A-A4BE-2644A7778673}"/>
+                  </a:ext>
+                </a:extLst>
+              </p14:cNvPr>
+              <p14:cNvContentPartPr/>
+              <p14:nvPr/>
+            </p14:nvContentPartPr>
+            <p14:xfrm>
+              <a:off x="6042350" y="1518235"/>
+              <a:ext cx="3120459" cy="2085480"/>
+            </p14:xfrm>
+          </p:contentPart>
+        </mc:Choice>
+        <mc:Fallback>
+          <p:pic>
+            <p:nvPicPr>
+              <p:cNvPr id="13" name="Ink 12">
+                <a:extLst>
+                  <a:ext uri="{FF2B5EF4-FFF2-40B4-BE49-F238E27FC236}">
+                    <a16:creationId xmlns:a16="http://schemas.microsoft.com/office/drawing/2014/main" id="{0297F50A-870E-499A-A4BE-2644A7778673}"/>
+                  </a:ext>
+                </a:extLst>
+              </p:cNvPr>
+              <p:cNvPicPr/>
+              <p:nvPr/>
+            </p:nvPicPr>
+            <p:blipFill>
+              <a:blip r:embed="rId20"/>
+              <a:stretch>
+                <a:fillRect/>
+              </a:stretch>
+            </p:blipFill>
+            <p:spPr>
+              <a:xfrm>
+                <a:off x="6033350" y="1509595"/>
+                <a:ext cx="3138099" cy="2103120"/>
+              </a:xfrm>
+              <a:prstGeom prst="rect">
+                <a:avLst/>
+              </a:prstGeom>
+            </p:spPr>
+          </p:pic>
+        </mc:Fallback>
+      </mc:AlternateContent>
+      <mc:AlternateContent xmlns:mc="http://schemas.openxmlformats.org/markup-compatibility/2006">
+        <mc:Choice xmlns:p14="http://schemas.microsoft.com/office/powerpoint/2010/main" Requires="p14">
+          <p:contentPart p14:bwMode="auto" r:id="rId21">
+            <p14:nvContentPartPr>
+              <p14:cNvPr id="14" name="Ink 13">
+                <a:extLst>
+                  <a:ext uri="{FF2B5EF4-FFF2-40B4-BE49-F238E27FC236}">
+                    <a16:creationId xmlns:a16="http://schemas.microsoft.com/office/drawing/2014/main" id="{E1AF9332-49B2-47B9-9FA3-86D752894C79}"/>
+                  </a:ext>
+                </a:extLst>
+              </p14:cNvPr>
+              <p14:cNvContentPartPr/>
+              <p14:nvPr/>
+            </p14:nvContentPartPr>
+            <p14:xfrm>
+              <a:off x="6189299" y="5703873"/>
+              <a:ext cx="455760" cy="29160"/>
+            </p14:xfrm>
+          </p:contentPart>
+        </mc:Choice>
+        <mc:Fallback>
+          <p:pic>
+            <p:nvPicPr>
+              <p:cNvPr id="14" name="Ink 13">
+                <a:extLst>
+                  <a:ext uri="{FF2B5EF4-FFF2-40B4-BE49-F238E27FC236}">
+                    <a16:creationId xmlns:a16="http://schemas.microsoft.com/office/drawing/2014/main" id="{E1AF9332-49B2-47B9-9FA3-86D752894C79}"/>
+                  </a:ext>
+                </a:extLst>
+              </p:cNvPr>
+              <p:cNvPicPr/>
+              <p:nvPr/>
+            </p:nvPicPr>
+            <p:blipFill>
+              <a:blip r:embed="rId22"/>
+              <a:stretch>
+                <a:fillRect/>
+              </a:stretch>
+            </p:blipFill>
+            <p:spPr>
+              <a:xfrm>
+                <a:off x="6180659" y="5694873"/>
+                <a:ext cx="473400" cy="46800"/>
+              </a:xfrm>
+              <a:prstGeom prst="rect">
+                <a:avLst/>
+              </a:prstGeom>
+            </p:spPr>
+          </p:pic>
+        </mc:Fallback>
+      </mc:AlternateContent>
+      <mc:AlternateContent xmlns:mc="http://schemas.openxmlformats.org/markup-compatibility/2006">
+        <mc:Choice xmlns:p14="http://schemas.microsoft.com/office/powerpoint/2010/main" Requires="p14">
+          <p:contentPart p14:bwMode="auto" r:id="rId23">
+            <p14:nvContentPartPr>
+              <p14:cNvPr id="15" name="Ink 14">
+                <a:extLst>
+                  <a:ext uri="{FF2B5EF4-FFF2-40B4-BE49-F238E27FC236}">
+                    <a16:creationId xmlns:a16="http://schemas.microsoft.com/office/drawing/2014/main" id="{1889578B-FDE6-4B00-9840-0A474E0B096E}"/>
+                  </a:ext>
+                </a:extLst>
+              </p14:cNvPr>
+              <p14:cNvContentPartPr/>
+              <p14:nvPr/>
+            </p14:nvContentPartPr>
+            <p14:xfrm>
+              <a:off x="6193619" y="5545473"/>
+              <a:ext cx="426240" cy="123120"/>
+            </p14:xfrm>
+          </p:contentPart>
+        </mc:Choice>
+        <mc:Fallback>
+          <p:pic>
+            <p:nvPicPr>
+              <p:cNvPr id="15" name="Ink 14">
+                <a:extLst>
+                  <a:ext uri="{FF2B5EF4-FFF2-40B4-BE49-F238E27FC236}">
+                    <a16:creationId xmlns:a16="http://schemas.microsoft.com/office/drawing/2014/main" id="{1889578B-FDE6-4B00-9840-0A474E0B096E}"/>
+                  </a:ext>
+                </a:extLst>
+              </p:cNvPr>
+              <p:cNvPicPr/>
+              <p:nvPr/>
+            </p:nvPicPr>
+            <p:blipFill>
+              <a:blip r:embed="rId24"/>
+              <a:stretch>
+                <a:fillRect/>
+              </a:stretch>
+            </p:blipFill>
+            <p:spPr>
+              <a:xfrm>
+                <a:off x="6184619" y="5536833"/>
+                <a:ext cx="443880" cy="140760"/>
+              </a:xfrm>
+              <a:prstGeom prst="rect">
+                <a:avLst/>
+              </a:prstGeom>
+            </p:spPr>
+          </p:pic>
+        </mc:Fallback>
+      </mc:AlternateContent>
+    </p:spTree>
+    <p:extLst>
+      <p:ext uri="{BB962C8B-B14F-4D97-AF65-F5344CB8AC3E}">
+        <p14:creationId xmlns:p14="http://schemas.microsoft.com/office/powerpoint/2010/main" val="1766207963"/>
+      </p:ext>
+    </p:extLst>
+  </p:cSld>
+  <p:clrMapOvr>
+    <a:masterClrMapping/>
+  </p:clrMapOvr>
+</p:sld>
+</file>
+
 <file path=ppt/slides/slide2.xml><?xml version="1.0" encoding="utf-8"?>
 <p:sld xmlns:a="http://schemas.openxmlformats.org/drawingml/2006/main" xmlns:r="http://schemas.openxmlformats.org/officeDocument/2006/relationships" xmlns:p="http://schemas.openxmlformats.org/presentationml/2006/main">
   <p:cSld>
